--- a/docs/diagrams/ModelComponentClassBetterOopDiagram.pptx
+++ b/docs/diagrams/ModelComponentClassBetterOopDiagram.pptx
@@ -208,7 +208,7 @@
           <a:p>
             <a:fld id="{F5CC4B3F-88C1-4FFA-B1B6-F41C21DC6924}" type="datetimeFigureOut">
               <a:rPr lang="en-US" smtClean="0"/>
-              <a:t>3/28/2018</a:t>
+              <a:t>4/17/2018</a:t>
             </a:fld>
             <a:endParaRPr lang="en-US"/>
           </a:p>
@@ -654,7 +654,7 @@
           <a:p>
             <a:fld id="{78C97017-6FC3-485B-9764-EAC9E56C1D49}" type="datetimeFigureOut">
               <a:rPr lang="en-US" smtClean="0"/>
-              <a:t>3/28/2018</a:t>
+              <a:t>4/17/2018</a:t>
             </a:fld>
             <a:endParaRPr lang="en-US"/>
           </a:p>
@@ -822,7 +822,7 @@
           <a:p>
             <a:fld id="{78C97017-6FC3-485B-9764-EAC9E56C1D49}" type="datetimeFigureOut">
               <a:rPr lang="en-US" smtClean="0"/>
-              <a:t>3/28/2018</a:t>
+              <a:t>4/17/2018</a:t>
             </a:fld>
             <a:endParaRPr lang="en-US"/>
           </a:p>
@@ -1000,7 +1000,7 @@
           <a:p>
             <a:fld id="{78C97017-6FC3-485B-9764-EAC9E56C1D49}" type="datetimeFigureOut">
               <a:rPr lang="en-US" smtClean="0"/>
-              <a:t>3/28/2018</a:t>
+              <a:t>4/17/2018</a:t>
             </a:fld>
             <a:endParaRPr lang="en-US"/>
           </a:p>
@@ -1168,7 +1168,7 @@
           <a:p>
             <a:fld id="{78C97017-6FC3-485B-9764-EAC9E56C1D49}" type="datetimeFigureOut">
               <a:rPr lang="en-US" smtClean="0"/>
-              <a:t>3/28/2018</a:t>
+              <a:t>4/17/2018</a:t>
             </a:fld>
             <a:endParaRPr lang="en-US"/>
           </a:p>
@@ -1413,7 +1413,7 @@
           <a:p>
             <a:fld id="{78C97017-6FC3-485B-9764-EAC9E56C1D49}" type="datetimeFigureOut">
               <a:rPr lang="en-US" smtClean="0"/>
-              <a:t>3/28/2018</a:t>
+              <a:t>4/17/2018</a:t>
             </a:fld>
             <a:endParaRPr lang="en-US"/>
           </a:p>
@@ -1698,7 +1698,7 @@
           <a:p>
             <a:fld id="{78C97017-6FC3-485B-9764-EAC9E56C1D49}" type="datetimeFigureOut">
               <a:rPr lang="en-US" smtClean="0"/>
-              <a:t>3/28/2018</a:t>
+              <a:t>4/17/2018</a:t>
             </a:fld>
             <a:endParaRPr lang="en-US"/>
           </a:p>
@@ -2117,7 +2117,7 @@
           <a:p>
             <a:fld id="{78C97017-6FC3-485B-9764-EAC9E56C1D49}" type="datetimeFigureOut">
               <a:rPr lang="en-US" smtClean="0"/>
-              <a:t>3/28/2018</a:t>
+              <a:t>4/17/2018</a:t>
             </a:fld>
             <a:endParaRPr lang="en-US"/>
           </a:p>
@@ -2234,7 +2234,7 @@
           <a:p>
             <a:fld id="{78C97017-6FC3-485B-9764-EAC9E56C1D49}" type="datetimeFigureOut">
               <a:rPr lang="en-US" smtClean="0"/>
-              <a:t>3/28/2018</a:t>
+              <a:t>4/17/2018</a:t>
             </a:fld>
             <a:endParaRPr lang="en-US"/>
           </a:p>
@@ -2329,7 +2329,7 @@
           <a:p>
             <a:fld id="{78C97017-6FC3-485B-9764-EAC9E56C1D49}" type="datetimeFigureOut">
               <a:rPr lang="en-US" smtClean="0"/>
-              <a:t>3/28/2018</a:t>
+              <a:t>4/17/2018</a:t>
             </a:fld>
             <a:endParaRPr lang="en-US"/>
           </a:p>
@@ -2604,7 +2604,7 @@
           <a:p>
             <a:fld id="{78C97017-6FC3-485B-9764-EAC9E56C1D49}" type="datetimeFigureOut">
               <a:rPr lang="en-US" smtClean="0"/>
-              <a:t>3/28/2018</a:t>
+              <a:t>4/17/2018</a:t>
             </a:fld>
             <a:endParaRPr lang="en-US"/>
           </a:p>
@@ -2856,7 +2856,7 @@
           <a:p>
             <a:fld id="{78C97017-6FC3-485B-9764-EAC9E56C1D49}" type="datetimeFigureOut">
               <a:rPr lang="en-US" smtClean="0"/>
-              <a:t>3/28/2018</a:t>
+              <a:t>4/17/2018</a:t>
             </a:fld>
             <a:endParaRPr lang="en-US"/>
           </a:p>
@@ -3067,7 +3067,7 @@
           <a:p>
             <a:fld id="{78C97017-6FC3-485B-9764-EAC9E56C1D49}" type="datetimeFigureOut">
               <a:rPr lang="en-US" smtClean="0"/>
-              <a:t>3/28/2018</a:t>
+              <a:t>4/17/2018</a:t>
             </a:fld>
             <a:endParaRPr lang="en-US"/>
           </a:p>
@@ -3450,8 +3450,8 @@
         </p:nvSpPr>
         <p:spPr>
           <a:xfrm>
-            <a:off x="1119865" y="1738947"/>
-            <a:ext cx="7490735" cy="2997200"/>
+            <a:off x="1119865" y="1676400"/>
+            <a:ext cx="7490735" cy="3059747"/>
           </a:xfrm>
           <a:prstGeom prst="roundRect">
             <a:avLst>
@@ -3961,7 +3961,7 @@
         </p:nvSpPr>
         <p:spPr>
           <a:xfrm>
-            <a:off x="2873582" y="2831936"/>
+            <a:off x="2947774" y="2834911"/>
             <a:ext cx="1093635" cy="346760"/>
           </a:xfrm>
           <a:prstGeom prst="rect">
@@ -4021,7 +4021,7 @@
         <p:spPr>
           <a:xfrm>
             <a:off x="2624360" y="3003033"/>
-            <a:ext cx="249222" cy="2283"/>
+            <a:ext cx="323414" cy="5258"/>
           </a:xfrm>
           <a:prstGeom prst="straightConnector1">
             <a:avLst/>
@@ -4159,7 +4159,7 @@
         </p:nvSpPr>
         <p:spPr>
           <a:xfrm>
-            <a:off x="3977259" y="2932345"/>
+            <a:off x="4041409" y="2932945"/>
             <a:ext cx="236048" cy="173380"/>
           </a:xfrm>
           <a:prstGeom prst="flowChartDecision">
@@ -4209,8 +4209,8 @@
         </p:nvCxnSpPr>
         <p:spPr>
           <a:xfrm>
-            <a:off x="4213307" y="3019035"/>
-            <a:ext cx="273710" cy="1716"/>
+            <a:off x="4277457" y="3019635"/>
+            <a:ext cx="209560" cy="1116"/>
           </a:xfrm>
           <a:prstGeom prst="bentConnector3">
             <a:avLst/>
@@ -4819,13 +4819,14 @@
           <p:cNvPr id="97" name="Elbow Connector 63"/>
           <p:cNvCxnSpPr>
             <a:stCxn id="99" idx="3"/>
+            <a:endCxn id="46" idx="0"/>
           </p:cNvCxnSpPr>
           <p:nvPr/>
         </p:nvCxnSpPr>
         <p:spPr>
-          <a:xfrm rot="16200000" flipH="1">
-            <a:off x="3279321" y="2737710"/>
-            <a:ext cx="293825" cy="1"/>
+          <a:xfrm rot="5400000">
+            <a:off x="3360407" y="2696848"/>
+            <a:ext cx="272249" cy="3877"/>
           </a:xfrm>
           <a:prstGeom prst="bentConnector3">
             <a:avLst>
@@ -4865,7 +4866,7 @@
         </p:nvSpPr>
         <p:spPr>
           <a:xfrm rot="10800000" flipV="1">
-            <a:off x="3290981" y="2415276"/>
+            <a:off x="3363217" y="2387139"/>
             <a:ext cx="270504" cy="175523"/>
           </a:xfrm>
           <a:prstGeom prst="triangle">
@@ -4913,7 +4914,7 @@
         </p:nvSpPr>
         <p:spPr>
           <a:xfrm>
-            <a:off x="2671139" y="2049107"/>
+            <a:off x="2725533" y="2021143"/>
             <a:ext cx="1539926" cy="346760"/>
           </a:xfrm>
           <a:prstGeom prst="rect">
@@ -5062,6 +5063,14 @@
                 </a:solidFill>
               </a:rPr>
               <a:t>&lt;&lt;interface&gt;&gt;</a:t>
+            </a:r>
+            <a:r>
+              <a:rPr lang="en-US" sz="1050">
+                <a:solidFill>
+                  <a:srgbClr val="7030A0"/>
+                </a:solidFill>
+              </a:rPr>
+              <a:t/>
             </a:r>
             <a:br>
               <a:rPr lang="en-US" sz="1050">
@@ -5403,12 +5412,12 @@
         </p:nvCxnSpPr>
         <p:spPr>
           <a:xfrm flipV="1">
-            <a:off x="4213307" y="2352692"/>
-            <a:ext cx="273709" cy="666343"/>
+            <a:off x="4277457" y="2352692"/>
+            <a:ext cx="209559" cy="666943"/>
           </a:xfrm>
           <a:prstGeom prst="bentConnector3">
             <a:avLst>
-              <a:gd name="adj1" fmla="val 50000"/>
+              <a:gd name="adj1" fmla="val 27963"/>
             </a:avLst>
           </a:prstGeom>
           <a:ln w="19050">
@@ -5833,6 +5842,193 @@
           </a:fontRef>
         </p:style>
       </p:cxnSp>
+      <p:cxnSp>
+        <p:nvCxnSpPr>
+          <p:cNvPr id="56" name="Elbow Connector 63"/>
+          <p:cNvCxnSpPr>
+            <a:stCxn id="57" idx="3"/>
+            <a:endCxn id="9" idx="3"/>
+          </p:cNvCxnSpPr>
+          <p:nvPr/>
+        </p:nvCxnSpPr>
+        <p:spPr>
+          <a:xfrm rot="5400000">
+            <a:off x="2115737" y="2630915"/>
+            <a:ext cx="186028" cy="769"/>
+          </a:xfrm>
+          <a:prstGeom prst="bentConnector3">
+            <a:avLst>
+              <a:gd name="adj1" fmla="val 50000"/>
+            </a:avLst>
+          </a:prstGeom>
+          <a:ln w="19050">
+            <a:solidFill>
+              <a:srgbClr val="7030A0"/>
+            </a:solidFill>
+            <a:prstDash val="sysDot"/>
+            <a:headEnd type="none" w="med" len="med"/>
+            <a:tailEnd type="none" w="med" len="med"/>
+          </a:ln>
+          <a:effectLst/>
+        </p:spPr>
+        <p:style>
+          <a:lnRef idx="1">
+            <a:schemeClr val="accent2"/>
+          </a:lnRef>
+          <a:fillRef idx="2">
+            <a:schemeClr val="accent2"/>
+          </a:fillRef>
+          <a:effectRef idx="1">
+            <a:schemeClr val="accent2"/>
+          </a:effectRef>
+          <a:fontRef idx="minor">
+            <a:schemeClr val="dk1"/>
+          </a:fontRef>
+        </p:style>
+      </p:cxnSp>
+      <p:sp>
+        <p:nvSpPr>
+          <p:cNvPr id="57" name="Isosceles Triangle 102"/>
+          <p:cNvSpPr/>
+          <p:nvPr/>
+        </p:nvSpPr>
+        <p:spPr>
+          <a:xfrm rot="10800000" flipV="1">
+            <a:off x="2089547" y="2364651"/>
+            <a:ext cx="239177" cy="173634"/>
+          </a:xfrm>
+          <a:prstGeom prst="triangle">
+            <a:avLst/>
+          </a:prstGeom>
+          <a:ln w="19050">
+            <a:solidFill>
+              <a:srgbClr val="7030A0"/>
+            </a:solidFill>
+          </a:ln>
+          <a:effectLst/>
+        </p:spPr>
+        <p:style>
+          <a:lnRef idx="1">
+            <a:schemeClr val="accent4"/>
+          </a:lnRef>
+          <a:fillRef idx="2">
+            <a:schemeClr val="accent4"/>
+          </a:fillRef>
+          <a:effectRef idx="1">
+            <a:schemeClr val="accent4"/>
+          </a:effectRef>
+          <a:fontRef idx="minor">
+            <a:schemeClr val="dk1"/>
+          </a:fontRef>
+        </p:style>
+        <p:txBody>
+          <a:bodyPr rtlCol="0" anchor="ctr"/>
+          <a:lstStyle/>
+          <a:p>
+            <a:pPr algn="ctr"/>
+            <a:endParaRPr lang="en-SG" sz="1050" b="1">
+              <a:solidFill>
+                <a:srgbClr val="92D050"/>
+              </a:solidFill>
+            </a:endParaRPr>
+          </a:p>
+        </p:txBody>
+      </p:sp>
+      <p:sp>
+        <p:nvSpPr>
+          <p:cNvPr id="60" name="Rectangle 8"/>
+          <p:cNvSpPr/>
+          <p:nvPr/>
+        </p:nvSpPr>
+        <p:spPr>
+          <a:xfrm>
+            <a:off x="1219200" y="2013872"/>
+            <a:ext cx="1371601" cy="338573"/>
+          </a:xfrm>
+          <a:prstGeom prst="rect">
+            <a:avLst/>
+          </a:prstGeom>
+          <a:ln w="19050">
+            <a:solidFill>
+              <a:srgbClr val="7030A0"/>
+            </a:solidFill>
+          </a:ln>
+          <a:effectLst/>
+        </p:spPr>
+        <p:style>
+          <a:lnRef idx="1">
+            <a:schemeClr val="accent4"/>
+          </a:lnRef>
+          <a:fillRef idx="2">
+            <a:schemeClr val="accent4"/>
+          </a:fillRef>
+          <a:effectRef idx="1">
+            <a:schemeClr val="accent4"/>
+          </a:effectRef>
+          <a:fontRef idx="minor">
+            <a:schemeClr val="dk1"/>
+          </a:fontRef>
+        </p:style>
+        <p:txBody>
+          <a:bodyPr rtlCol="0" anchor="ctr"/>
+          <a:lstStyle/>
+          <a:p>
+            <a:pPr algn="ctr"/>
+            <a:r>
+              <a:rPr lang="en-SG" sz="1050" dirty="0" err="1" smtClean="0">
+                <a:solidFill>
+                  <a:srgbClr val="7030A0"/>
+                </a:solidFill>
+              </a:rPr>
+              <a:t>UndoRedoCareTaker</a:t>
+            </a:r>
+            <a:endParaRPr lang="en-SG" sz="1050" dirty="0">
+              <a:solidFill>
+                <a:srgbClr val="7030A0"/>
+              </a:solidFill>
+            </a:endParaRPr>
+          </a:p>
+        </p:txBody>
+      </p:sp>
+      <p:sp>
+        <p:nvSpPr>
+          <p:cNvPr id="73" name="TextBox 72"/>
+          <p:cNvSpPr txBox="1"/>
+          <p:nvPr/>
+        </p:nvSpPr>
+        <p:spPr>
+          <a:xfrm>
+            <a:off x="2295981" y="2398272"/>
+            <a:ext cx="189257" cy="178683"/>
+          </a:xfrm>
+          <a:prstGeom prst="rect">
+            <a:avLst/>
+          </a:prstGeom>
+          <a:noFill/>
+        </p:spPr>
+        <p:txBody>
+          <a:bodyPr wrap="square" lIns="0" tIns="0" rIns="0" bIns="0" rtlCol="0">
+            <a:noAutofit/>
+          </a:bodyPr>
+          <a:lstStyle/>
+          <a:p>
+            <a:pPr algn="ctr"/>
+            <a:r>
+              <a:rPr lang="en-US" sz="1100" dirty="0">
+                <a:solidFill>
+                  <a:srgbClr val="7030A0"/>
+                </a:solidFill>
+              </a:rPr>
+              <a:t>1</a:t>
+            </a:r>
+            <a:endParaRPr lang="en-SG" sz="1100" dirty="0">
+              <a:solidFill>
+                <a:srgbClr val="7030A0"/>
+              </a:solidFill>
+            </a:endParaRPr>
+          </a:p>
+        </p:txBody>
+      </p:sp>
     </p:spTree>
     <p:extLst>
       <p:ext uri="{BB962C8B-B14F-4D97-AF65-F5344CB8AC3E}">

--- a/docs/diagrams/ModelComponentClassBetterOopDiagram.pptx
+++ b/docs/diagrams/ModelComponentClassBetterOopDiagram.pptx
@@ -208,7 +208,7 @@
           <a:p>
             <a:fld id="{F5CC4B3F-88C1-4FFA-B1B6-F41C21DC6924}" type="datetimeFigureOut">
               <a:rPr lang="en-US" smtClean="0"/>
-              <a:t>3/28/2018</a:t>
+              <a:t>4/16/2018</a:t>
             </a:fld>
             <a:endParaRPr lang="en-US"/>
           </a:p>
@@ -654,7 +654,7 @@
           <a:p>
             <a:fld id="{78C97017-6FC3-485B-9764-EAC9E56C1D49}" type="datetimeFigureOut">
               <a:rPr lang="en-US" smtClean="0"/>
-              <a:t>3/28/2018</a:t>
+              <a:t>4/16/2018</a:t>
             </a:fld>
             <a:endParaRPr lang="en-US"/>
           </a:p>
@@ -822,7 +822,7 @@
           <a:p>
             <a:fld id="{78C97017-6FC3-485B-9764-EAC9E56C1D49}" type="datetimeFigureOut">
               <a:rPr lang="en-US" smtClean="0"/>
-              <a:t>3/28/2018</a:t>
+              <a:t>4/16/2018</a:t>
             </a:fld>
             <a:endParaRPr lang="en-US"/>
           </a:p>
@@ -1000,7 +1000,7 @@
           <a:p>
             <a:fld id="{78C97017-6FC3-485B-9764-EAC9E56C1D49}" type="datetimeFigureOut">
               <a:rPr lang="en-US" smtClean="0"/>
-              <a:t>3/28/2018</a:t>
+              <a:t>4/16/2018</a:t>
             </a:fld>
             <a:endParaRPr lang="en-US"/>
           </a:p>
@@ -1168,7 +1168,7 @@
           <a:p>
             <a:fld id="{78C97017-6FC3-485B-9764-EAC9E56C1D49}" type="datetimeFigureOut">
               <a:rPr lang="en-US" smtClean="0"/>
-              <a:t>3/28/2018</a:t>
+              <a:t>4/16/2018</a:t>
             </a:fld>
             <a:endParaRPr lang="en-US"/>
           </a:p>
@@ -1413,7 +1413,7 @@
           <a:p>
             <a:fld id="{78C97017-6FC3-485B-9764-EAC9E56C1D49}" type="datetimeFigureOut">
               <a:rPr lang="en-US" smtClean="0"/>
-              <a:t>3/28/2018</a:t>
+              <a:t>4/16/2018</a:t>
             </a:fld>
             <a:endParaRPr lang="en-US"/>
           </a:p>
@@ -1698,7 +1698,7 @@
           <a:p>
             <a:fld id="{78C97017-6FC3-485B-9764-EAC9E56C1D49}" type="datetimeFigureOut">
               <a:rPr lang="en-US" smtClean="0"/>
-              <a:t>3/28/2018</a:t>
+              <a:t>4/16/2018</a:t>
             </a:fld>
             <a:endParaRPr lang="en-US"/>
           </a:p>
@@ -2117,7 +2117,7 @@
           <a:p>
             <a:fld id="{78C97017-6FC3-485B-9764-EAC9E56C1D49}" type="datetimeFigureOut">
               <a:rPr lang="en-US" smtClean="0"/>
-              <a:t>3/28/2018</a:t>
+              <a:t>4/16/2018</a:t>
             </a:fld>
             <a:endParaRPr lang="en-US"/>
           </a:p>
@@ -2234,7 +2234,7 @@
           <a:p>
             <a:fld id="{78C97017-6FC3-485B-9764-EAC9E56C1D49}" type="datetimeFigureOut">
               <a:rPr lang="en-US" smtClean="0"/>
-              <a:t>3/28/2018</a:t>
+              <a:t>4/16/2018</a:t>
             </a:fld>
             <a:endParaRPr lang="en-US"/>
           </a:p>
@@ -2329,7 +2329,7 @@
           <a:p>
             <a:fld id="{78C97017-6FC3-485B-9764-EAC9E56C1D49}" type="datetimeFigureOut">
               <a:rPr lang="en-US" smtClean="0"/>
-              <a:t>3/28/2018</a:t>
+              <a:t>4/16/2018</a:t>
             </a:fld>
             <a:endParaRPr lang="en-US"/>
           </a:p>
@@ -2604,7 +2604,7 @@
           <a:p>
             <a:fld id="{78C97017-6FC3-485B-9764-EAC9E56C1D49}" type="datetimeFigureOut">
               <a:rPr lang="en-US" smtClean="0"/>
-              <a:t>3/28/2018</a:t>
+              <a:t>4/16/2018</a:t>
             </a:fld>
             <a:endParaRPr lang="en-US"/>
           </a:p>
@@ -2856,7 +2856,7 @@
           <a:p>
             <a:fld id="{78C97017-6FC3-485B-9764-EAC9E56C1D49}" type="datetimeFigureOut">
               <a:rPr lang="en-US" smtClean="0"/>
-              <a:t>3/28/2018</a:t>
+              <a:t>4/16/2018</a:t>
             </a:fld>
             <a:endParaRPr lang="en-US"/>
           </a:p>
@@ -3067,7 +3067,7 @@
           <a:p>
             <a:fld id="{78C97017-6FC3-485B-9764-EAC9E56C1D49}" type="datetimeFigureOut">
               <a:rPr lang="en-US" smtClean="0"/>
-              <a:t>3/28/2018</a:t>
+              <a:t>4/16/2018</a:t>
             </a:fld>
             <a:endParaRPr lang="en-US"/>
           </a:p>
@@ -3450,8 +3450,8 @@
         </p:nvSpPr>
         <p:spPr>
           <a:xfrm>
-            <a:off x="1119865" y="1738947"/>
-            <a:ext cx="7490735" cy="2997200"/>
+            <a:off x="1119865" y="1676400"/>
+            <a:ext cx="7490735" cy="3059747"/>
           </a:xfrm>
           <a:prstGeom prst="roundRect">
             <a:avLst>
@@ -3961,7 +3961,7 @@
         </p:nvSpPr>
         <p:spPr>
           <a:xfrm>
-            <a:off x="2873582" y="2831936"/>
+            <a:off x="2947774" y="2834911"/>
             <a:ext cx="1093635" cy="346760"/>
           </a:xfrm>
           <a:prstGeom prst="rect">
@@ -4021,7 +4021,7 @@
         <p:spPr>
           <a:xfrm>
             <a:off x="2624360" y="3003033"/>
-            <a:ext cx="249222" cy="2283"/>
+            <a:ext cx="323414" cy="5258"/>
           </a:xfrm>
           <a:prstGeom prst="straightConnector1">
             <a:avLst/>
@@ -4159,7 +4159,7 @@
         </p:nvSpPr>
         <p:spPr>
           <a:xfrm>
-            <a:off x="3977259" y="2932345"/>
+            <a:off x="4041409" y="2932945"/>
             <a:ext cx="236048" cy="173380"/>
           </a:xfrm>
           <a:prstGeom prst="flowChartDecision">
@@ -4209,8 +4209,8 @@
         </p:nvCxnSpPr>
         <p:spPr>
           <a:xfrm>
-            <a:off x="4213307" y="3019035"/>
-            <a:ext cx="273710" cy="1716"/>
+            <a:off x="4277457" y="3019635"/>
+            <a:ext cx="209560" cy="1116"/>
           </a:xfrm>
           <a:prstGeom prst="bentConnector3">
             <a:avLst/>
@@ -4819,13 +4819,14 @@
           <p:cNvPr id="97" name="Elbow Connector 63"/>
           <p:cNvCxnSpPr>
             <a:stCxn id="99" idx="3"/>
+            <a:endCxn id="46" idx="0"/>
           </p:cNvCxnSpPr>
           <p:nvPr/>
         </p:nvCxnSpPr>
         <p:spPr>
-          <a:xfrm rot="16200000" flipH="1">
-            <a:off x="3279321" y="2737710"/>
-            <a:ext cx="293825" cy="1"/>
+          <a:xfrm rot="5400000">
+            <a:off x="3360407" y="2696848"/>
+            <a:ext cx="272249" cy="3877"/>
           </a:xfrm>
           <a:prstGeom prst="bentConnector3">
             <a:avLst>
@@ -4865,7 +4866,7 @@
         </p:nvSpPr>
         <p:spPr>
           <a:xfrm rot="10800000" flipV="1">
-            <a:off x="3290981" y="2415276"/>
+            <a:off x="3363217" y="2387139"/>
             <a:ext cx="270504" cy="175523"/>
           </a:xfrm>
           <a:prstGeom prst="triangle">
@@ -4913,7 +4914,7 @@
         </p:nvSpPr>
         <p:spPr>
           <a:xfrm>
-            <a:off x="2671139" y="2049107"/>
+            <a:off x="2725533" y="2021143"/>
             <a:ext cx="1539926" cy="346760"/>
           </a:xfrm>
           <a:prstGeom prst="rect">
@@ -5062,6 +5063,14 @@
                 </a:solidFill>
               </a:rPr>
               <a:t>&lt;&lt;interface&gt;&gt;</a:t>
+            </a:r>
+            <a:r>
+              <a:rPr lang="en-US" sz="1050">
+                <a:solidFill>
+                  <a:srgbClr val="7030A0"/>
+                </a:solidFill>
+              </a:rPr>
+              <a:t/>
             </a:r>
             <a:br>
               <a:rPr lang="en-US" sz="1050">
@@ -5403,12 +5412,12 @@
         </p:nvCxnSpPr>
         <p:spPr>
           <a:xfrm flipV="1">
-            <a:off x="4213307" y="2352692"/>
-            <a:ext cx="273709" cy="666343"/>
+            <a:off x="4277457" y="2352692"/>
+            <a:ext cx="209559" cy="666943"/>
           </a:xfrm>
           <a:prstGeom prst="bentConnector3">
             <a:avLst>
-              <a:gd name="adj1" fmla="val 50000"/>
+              <a:gd name="adj1" fmla="val 27963"/>
             </a:avLst>
           </a:prstGeom>
           <a:ln w="19050">
@@ -5833,6 +5842,193 @@
           </a:fontRef>
         </p:style>
       </p:cxnSp>
+      <p:cxnSp>
+        <p:nvCxnSpPr>
+          <p:cNvPr id="56" name="Elbow Connector 63"/>
+          <p:cNvCxnSpPr>
+            <a:stCxn id="57" idx="3"/>
+            <a:endCxn id="9" idx="3"/>
+          </p:cNvCxnSpPr>
+          <p:nvPr/>
+        </p:nvCxnSpPr>
+        <p:spPr>
+          <a:xfrm rot="5400000">
+            <a:off x="2115737" y="2630915"/>
+            <a:ext cx="186028" cy="769"/>
+          </a:xfrm>
+          <a:prstGeom prst="bentConnector3">
+            <a:avLst>
+              <a:gd name="adj1" fmla="val 50000"/>
+            </a:avLst>
+          </a:prstGeom>
+          <a:ln w="19050">
+            <a:solidFill>
+              <a:srgbClr val="7030A0"/>
+            </a:solidFill>
+            <a:prstDash val="sysDot"/>
+            <a:headEnd type="none" w="med" len="med"/>
+            <a:tailEnd type="none" w="med" len="med"/>
+          </a:ln>
+          <a:effectLst/>
+        </p:spPr>
+        <p:style>
+          <a:lnRef idx="1">
+            <a:schemeClr val="accent2"/>
+          </a:lnRef>
+          <a:fillRef idx="2">
+            <a:schemeClr val="accent2"/>
+          </a:fillRef>
+          <a:effectRef idx="1">
+            <a:schemeClr val="accent2"/>
+          </a:effectRef>
+          <a:fontRef idx="minor">
+            <a:schemeClr val="dk1"/>
+          </a:fontRef>
+        </p:style>
+      </p:cxnSp>
+      <p:sp>
+        <p:nvSpPr>
+          <p:cNvPr id="57" name="Isosceles Triangle 102"/>
+          <p:cNvSpPr/>
+          <p:nvPr/>
+        </p:nvSpPr>
+        <p:spPr>
+          <a:xfrm rot="10800000" flipV="1">
+            <a:off x="2089547" y="2364651"/>
+            <a:ext cx="239177" cy="173634"/>
+          </a:xfrm>
+          <a:prstGeom prst="triangle">
+            <a:avLst/>
+          </a:prstGeom>
+          <a:ln w="19050">
+            <a:solidFill>
+              <a:srgbClr val="7030A0"/>
+            </a:solidFill>
+          </a:ln>
+          <a:effectLst/>
+        </p:spPr>
+        <p:style>
+          <a:lnRef idx="1">
+            <a:schemeClr val="accent4"/>
+          </a:lnRef>
+          <a:fillRef idx="2">
+            <a:schemeClr val="accent4"/>
+          </a:fillRef>
+          <a:effectRef idx="1">
+            <a:schemeClr val="accent4"/>
+          </a:effectRef>
+          <a:fontRef idx="minor">
+            <a:schemeClr val="dk1"/>
+          </a:fontRef>
+        </p:style>
+        <p:txBody>
+          <a:bodyPr rtlCol="0" anchor="ctr"/>
+          <a:lstStyle/>
+          <a:p>
+            <a:pPr algn="ctr"/>
+            <a:endParaRPr lang="en-SG" sz="1050" b="1">
+              <a:solidFill>
+                <a:srgbClr val="92D050"/>
+              </a:solidFill>
+            </a:endParaRPr>
+          </a:p>
+        </p:txBody>
+      </p:sp>
+      <p:sp>
+        <p:nvSpPr>
+          <p:cNvPr id="60" name="Rectangle 8"/>
+          <p:cNvSpPr/>
+          <p:nvPr/>
+        </p:nvSpPr>
+        <p:spPr>
+          <a:xfrm>
+            <a:off x="1436463" y="2013872"/>
+            <a:ext cx="1154338" cy="338573"/>
+          </a:xfrm>
+          <a:prstGeom prst="rect">
+            <a:avLst/>
+          </a:prstGeom>
+          <a:ln w="19050">
+            <a:solidFill>
+              <a:srgbClr val="7030A0"/>
+            </a:solidFill>
+          </a:ln>
+          <a:effectLst/>
+        </p:spPr>
+        <p:style>
+          <a:lnRef idx="1">
+            <a:schemeClr val="accent4"/>
+          </a:lnRef>
+          <a:fillRef idx="2">
+            <a:schemeClr val="accent4"/>
+          </a:fillRef>
+          <a:effectRef idx="1">
+            <a:schemeClr val="accent4"/>
+          </a:effectRef>
+          <a:fontRef idx="minor">
+            <a:schemeClr val="dk1"/>
+          </a:fontRef>
+        </p:style>
+        <p:txBody>
+          <a:bodyPr rtlCol="0" anchor="ctr"/>
+          <a:lstStyle/>
+          <a:p>
+            <a:pPr algn="ctr"/>
+            <a:r>
+              <a:rPr lang="en-SG" sz="1050" dirty="0" err="1" smtClean="0">
+                <a:solidFill>
+                  <a:srgbClr val="7030A0"/>
+                </a:solidFill>
+              </a:rPr>
+              <a:t>UndoRedoStack</a:t>
+            </a:r>
+            <a:endParaRPr lang="en-SG" sz="1050" dirty="0">
+              <a:solidFill>
+                <a:srgbClr val="7030A0"/>
+              </a:solidFill>
+            </a:endParaRPr>
+          </a:p>
+        </p:txBody>
+      </p:sp>
+      <p:sp>
+        <p:nvSpPr>
+          <p:cNvPr id="73" name="TextBox 72"/>
+          <p:cNvSpPr txBox="1"/>
+          <p:nvPr/>
+        </p:nvSpPr>
+        <p:spPr>
+          <a:xfrm>
+            <a:off x="2295981" y="2398272"/>
+            <a:ext cx="189257" cy="178683"/>
+          </a:xfrm>
+          <a:prstGeom prst="rect">
+            <a:avLst/>
+          </a:prstGeom>
+          <a:noFill/>
+        </p:spPr>
+        <p:txBody>
+          <a:bodyPr wrap="square" lIns="0" tIns="0" rIns="0" bIns="0" rtlCol="0">
+            <a:noAutofit/>
+          </a:bodyPr>
+          <a:lstStyle/>
+          <a:p>
+            <a:pPr algn="ctr"/>
+            <a:r>
+              <a:rPr lang="en-US" sz="1100" dirty="0">
+                <a:solidFill>
+                  <a:srgbClr val="7030A0"/>
+                </a:solidFill>
+              </a:rPr>
+              <a:t>1</a:t>
+            </a:r>
+            <a:endParaRPr lang="en-SG" sz="1100" dirty="0">
+              <a:solidFill>
+                <a:srgbClr val="7030A0"/>
+              </a:solidFill>
+            </a:endParaRPr>
+          </a:p>
+        </p:txBody>
+      </p:sp>
     </p:spTree>
     <p:extLst>
       <p:ext uri="{BB962C8B-B14F-4D97-AF65-F5344CB8AC3E}">

--- a/docs/diagrams/ModelComponentClassBetterOopDiagram.pptx
+++ b/docs/diagrams/ModelComponentClassBetterOopDiagram.pptx
@@ -208,7 +208,7 @@
           <a:p>
             <a:fld id="{F5CC4B3F-88C1-4FFA-B1B6-F41C21DC6924}" type="datetimeFigureOut">
               <a:rPr lang="en-US" smtClean="0"/>
-              <a:t>4/16/2018</a:t>
+              <a:t>4/17/2018</a:t>
             </a:fld>
             <a:endParaRPr lang="en-US"/>
           </a:p>
@@ -654,7 +654,7 @@
           <a:p>
             <a:fld id="{78C97017-6FC3-485B-9764-EAC9E56C1D49}" type="datetimeFigureOut">
               <a:rPr lang="en-US" smtClean="0"/>
-              <a:t>4/16/2018</a:t>
+              <a:t>4/17/2018</a:t>
             </a:fld>
             <a:endParaRPr lang="en-US"/>
           </a:p>
@@ -822,7 +822,7 @@
           <a:p>
             <a:fld id="{78C97017-6FC3-485B-9764-EAC9E56C1D49}" type="datetimeFigureOut">
               <a:rPr lang="en-US" smtClean="0"/>
-              <a:t>4/16/2018</a:t>
+              <a:t>4/17/2018</a:t>
             </a:fld>
             <a:endParaRPr lang="en-US"/>
           </a:p>
@@ -1000,7 +1000,7 @@
           <a:p>
             <a:fld id="{78C97017-6FC3-485B-9764-EAC9E56C1D49}" type="datetimeFigureOut">
               <a:rPr lang="en-US" smtClean="0"/>
-              <a:t>4/16/2018</a:t>
+              <a:t>4/17/2018</a:t>
             </a:fld>
             <a:endParaRPr lang="en-US"/>
           </a:p>
@@ -1168,7 +1168,7 @@
           <a:p>
             <a:fld id="{78C97017-6FC3-485B-9764-EAC9E56C1D49}" type="datetimeFigureOut">
               <a:rPr lang="en-US" smtClean="0"/>
-              <a:t>4/16/2018</a:t>
+              <a:t>4/17/2018</a:t>
             </a:fld>
             <a:endParaRPr lang="en-US"/>
           </a:p>
@@ -1413,7 +1413,7 @@
           <a:p>
             <a:fld id="{78C97017-6FC3-485B-9764-EAC9E56C1D49}" type="datetimeFigureOut">
               <a:rPr lang="en-US" smtClean="0"/>
-              <a:t>4/16/2018</a:t>
+              <a:t>4/17/2018</a:t>
             </a:fld>
             <a:endParaRPr lang="en-US"/>
           </a:p>
@@ -1698,7 +1698,7 @@
           <a:p>
             <a:fld id="{78C97017-6FC3-485B-9764-EAC9E56C1D49}" type="datetimeFigureOut">
               <a:rPr lang="en-US" smtClean="0"/>
-              <a:t>4/16/2018</a:t>
+              <a:t>4/17/2018</a:t>
             </a:fld>
             <a:endParaRPr lang="en-US"/>
           </a:p>
@@ -2117,7 +2117,7 @@
           <a:p>
             <a:fld id="{78C97017-6FC3-485B-9764-EAC9E56C1D49}" type="datetimeFigureOut">
               <a:rPr lang="en-US" smtClean="0"/>
-              <a:t>4/16/2018</a:t>
+              <a:t>4/17/2018</a:t>
             </a:fld>
             <a:endParaRPr lang="en-US"/>
           </a:p>
@@ -2234,7 +2234,7 @@
           <a:p>
             <a:fld id="{78C97017-6FC3-485B-9764-EAC9E56C1D49}" type="datetimeFigureOut">
               <a:rPr lang="en-US" smtClean="0"/>
-              <a:t>4/16/2018</a:t>
+              <a:t>4/17/2018</a:t>
             </a:fld>
             <a:endParaRPr lang="en-US"/>
           </a:p>
@@ -2329,7 +2329,7 @@
           <a:p>
             <a:fld id="{78C97017-6FC3-485B-9764-EAC9E56C1D49}" type="datetimeFigureOut">
               <a:rPr lang="en-US" smtClean="0"/>
-              <a:t>4/16/2018</a:t>
+              <a:t>4/17/2018</a:t>
             </a:fld>
             <a:endParaRPr lang="en-US"/>
           </a:p>
@@ -2604,7 +2604,7 @@
           <a:p>
             <a:fld id="{78C97017-6FC3-485B-9764-EAC9E56C1D49}" type="datetimeFigureOut">
               <a:rPr lang="en-US" smtClean="0"/>
-              <a:t>4/16/2018</a:t>
+              <a:t>4/17/2018</a:t>
             </a:fld>
             <a:endParaRPr lang="en-US"/>
           </a:p>
@@ -2856,7 +2856,7 @@
           <a:p>
             <a:fld id="{78C97017-6FC3-485B-9764-EAC9E56C1D49}" type="datetimeFigureOut">
               <a:rPr lang="en-US" smtClean="0"/>
-              <a:t>4/16/2018</a:t>
+              <a:t>4/17/2018</a:t>
             </a:fld>
             <a:endParaRPr lang="en-US"/>
           </a:p>
@@ -3067,7 +3067,7 @@
           <a:p>
             <a:fld id="{78C97017-6FC3-485B-9764-EAC9E56C1D49}" type="datetimeFigureOut">
               <a:rPr lang="en-US" smtClean="0"/>
-              <a:t>4/16/2018</a:t>
+              <a:t>4/17/2018</a:t>
             </a:fld>
             <a:endParaRPr lang="en-US"/>
           </a:p>
@@ -5942,8 +5942,8 @@
         </p:nvSpPr>
         <p:spPr>
           <a:xfrm>
-            <a:off x="1436463" y="2013872"/>
-            <a:ext cx="1154338" cy="338573"/>
+            <a:off x="1219200" y="2013872"/>
+            <a:ext cx="1371601" cy="338573"/>
           </a:xfrm>
           <a:prstGeom prst="rect">
             <a:avLst/>
@@ -5980,7 +5980,7 @@
                   <a:srgbClr val="7030A0"/>
                 </a:solidFill>
               </a:rPr>
-              <a:t>UndoRedoStack</a:t>
+              <a:t>UndoRedoCareTaker</a:t>
             </a:r>
             <a:endParaRPr lang="en-SG" sz="1050" dirty="0">
               <a:solidFill>

--- a/docs/diagrams/ModelComponentClassBetterOopDiagram.pptx
+++ b/docs/diagrams/ModelComponentClassBetterOopDiagram.pptx
@@ -208,7 +208,7 @@
           <a:p>
             <a:fld id="{F5CC4B3F-88C1-4FFA-B1B6-F41C21DC6924}" type="datetimeFigureOut">
               <a:rPr lang="en-US" smtClean="0"/>
-              <a:t>4/17/2018</a:t>
+              <a:t>6/27/2018</a:t>
             </a:fld>
             <a:endParaRPr lang="en-US"/>
           </a:p>
@@ -654,7 +654,7 @@
           <a:p>
             <a:fld id="{78C97017-6FC3-485B-9764-EAC9E56C1D49}" type="datetimeFigureOut">
               <a:rPr lang="en-US" smtClean="0"/>
-              <a:t>4/17/2018</a:t>
+              <a:t>6/27/2018</a:t>
             </a:fld>
             <a:endParaRPr lang="en-US"/>
           </a:p>
@@ -822,7 +822,7 @@
           <a:p>
             <a:fld id="{78C97017-6FC3-485B-9764-EAC9E56C1D49}" type="datetimeFigureOut">
               <a:rPr lang="en-US" smtClean="0"/>
-              <a:t>4/17/2018</a:t>
+              <a:t>6/27/2018</a:t>
             </a:fld>
             <a:endParaRPr lang="en-US"/>
           </a:p>
@@ -1000,7 +1000,7 @@
           <a:p>
             <a:fld id="{78C97017-6FC3-485B-9764-EAC9E56C1D49}" type="datetimeFigureOut">
               <a:rPr lang="en-US" smtClean="0"/>
-              <a:t>4/17/2018</a:t>
+              <a:t>6/27/2018</a:t>
             </a:fld>
             <a:endParaRPr lang="en-US"/>
           </a:p>
@@ -1168,7 +1168,7 @@
           <a:p>
             <a:fld id="{78C97017-6FC3-485B-9764-EAC9E56C1D49}" type="datetimeFigureOut">
               <a:rPr lang="en-US" smtClean="0"/>
-              <a:t>4/17/2018</a:t>
+              <a:t>6/27/2018</a:t>
             </a:fld>
             <a:endParaRPr lang="en-US"/>
           </a:p>
@@ -1413,7 +1413,7 @@
           <a:p>
             <a:fld id="{78C97017-6FC3-485B-9764-EAC9E56C1D49}" type="datetimeFigureOut">
               <a:rPr lang="en-US" smtClean="0"/>
-              <a:t>4/17/2018</a:t>
+              <a:t>6/27/2018</a:t>
             </a:fld>
             <a:endParaRPr lang="en-US"/>
           </a:p>
@@ -1698,7 +1698,7 @@
           <a:p>
             <a:fld id="{78C97017-6FC3-485B-9764-EAC9E56C1D49}" type="datetimeFigureOut">
               <a:rPr lang="en-US" smtClean="0"/>
-              <a:t>4/17/2018</a:t>
+              <a:t>6/27/2018</a:t>
             </a:fld>
             <a:endParaRPr lang="en-US"/>
           </a:p>
@@ -2117,7 +2117,7 @@
           <a:p>
             <a:fld id="{78C97017-6FC3-485B-9764-EAC9E56C1D49}" type="datetimeFigureOut">
               <a:rPr lang="en-US" smtClean="0"/>
-              <a:t>4/17/2018</a:t>
+              <a:t>6/27/2018</a:t>
             </a:fld>
             <a:endParaRPr lang="en-US"/>
           </a:p>
@@ -2234,7 +2234,7 @@
           <a:p>
             <a:fld id="{78C97017-6FC3-485B-9764-EAC9E56C1D49}" type="datetimeFigureOut">
               <a:rPr lang="en-US" smtClean="0"/>
-              <a:t>4/17/2018</a:t>
+              <a:t>6/27/2018</a:t>
             </a:fld>
             <a:endParaRPr lang="en-US"/>
           </a:p>
@@ -2329,7 +2329,7 @@
           <a:p>
             <a:fld id="{78C97017-6FC3-485B-9764-EAC9E56C1D49}" type="datetimeFigureOut">
               <a:rPr lang="en-US" smtClean="0"/>
-              <a:t>4/17/2018</a:t>
+              <a:t>6/27/2018</a:t>
             </a:fld>
             <a:endParaRPr lang="en-US"/>
           </a:p>
@@ -2604,7 +2604,7 @@
           <a:p>
             <a:fld id="{78C97017-6FC3-485B-9764-EAC9E56C1D49}" type="datetimeFigureOut">
               <a:rPr lang="en-US" smtClean="0"/>
-              <a:t>4/17/2018</a:t>
+              <a:t>6/27/2018</a:t>
             </a:fld>
             <a:endParaRPr lang="en-US"/>
           </a:p>
@@ -2856,7 +2856,7 @@
           <a:p>
             <a:fld id="{78C97017-6FC3-485B-9764-EAC9E56C1D49}" type="datetimeFigureOut">
               <a:rPr lang="en-US" smtClean="0"/>
-              <a:t>4/17/2018</a:t>
+              <a:t>6/27/2018</a:t>
             </a:fld>
             <a:endParaRPr lang="en-US"/>
           </a:p>
@@ -3067,7 +3067,7 @@
           <a:p>
             <a:fld id="{78C97017-6FC3-485B-9764-EAC9E56C1D49}" type="datetimeFigureOut">
               <a:rPr lang="en-US" smtClean="0"/>
-              <a:t>4/17/2018</a:t>
+              <a:t>6/27/2018</a:t>
             </a:fld>
             <a:endParaRPr lang="en-US"/>
           </a:p>
@@ -3626,14 +3626,12 @@
           <p:cNvPr id="107" name="Elbow Connector 106"/>
           <p:cNvCxnSpPr>
             <a:cxnSpLocks/>
-            <a:stCxn id="9" idx="1"/>
-            <a:endCxn id="62" idx="2"/>
           </p:cNvCxnSpPr>
           <p:nvPr/>
         </p:nvCxnSpPr>
         <p:spPr>
           <a:xfrm rot="5400000" flipH="1" flipV="1">
-            <a:off x="4131507" y="1281685"/>
+            <a:off x="4155901" y="1308943"/>
             <a:ext cx="613122" cy="4459404"/>
           </a:xfrm>
           <a:prstGeom prst="bentConnector3">
@@ -3961,8 +3959,8 @@
         </p:nvSpPr>
         <p:spPr>
           <a:xfrm>
-            <a:off x="2947774" y="2834911"/>
-            <a:ext cx="1093635" cy="346760"/>
+            <a:off x="2786406" y="2834911"/>
+            <a:ext cx="1447688" cy="346760"/>
           </a:xfrm>
           <a:prstGeom prst="rect">
             <a:avLst/>
@@ -3994,12 +3992,12 @@
           <a:p>
             <a:pPr algn="ctr"/>
             <a:r>
-              <a:rPr lang="en-US" sz="1050" dirty="0" err="1">
+              <a:rPr lang="en-US" sz="1050" dirty="0" err="1" smtClean="0">
                 <a:solidFill>
                   <a:srgbClr val="7030A0"/>
                 </a:solidFill>
               </a:rPr>
-              <a:t>AddressBook</a:t>
+              <a:t>VersionedAddressBook</a:t>
             </a:r>
             <a:endParaRPr lang="en-SG" sz="1050" dirty="0">
               <a:solidFill>
@@ -4021,7 +4019,7 @@
         <p:spPr>
           <a:xfrm>
             <a:off x="2624360" y="3003033"/>
-            <a:ext cx="323414" cy="5258"/>
+            <a:ext cx="162046" cy="5258"/>
           </a:xfrm>
           <a:prstGeom prst="straightConnector1">
             <a:avLst/>
@@ -4103,7 +4101,7 @@
         </p:nvSpPr>
         <p:spPr>
           <a:xfrm>
-            <a:off x="4487017" y="2847371"/>
+            <a:off x="4762209" y="2863434"/>
             <a:ext cx="1156969" cy="346760"/>
           </a:xfrm>
           <a:prstGeom prst="rect">
@@ -4159,7 +4157,7 @@
         </p:nvSpPr>
         <p:spPr>
           <a:xfrm>
-            <a:off x="4041409" y="2932945"/>
+            <a:off x="4233246" y="2948201"/>
             <a:ext cx="236048" cy="173380"/>
           </a:xfrm>
           <a:prstGeom prst="flowChartDecision">
@@ -4209,8 +4207,8 @@
         </p:nvCxnSpPr>
         <p:spPr>
           <a:xfrm>
-            <a:off x="4277457" y="3019635"/>
-            <a:ext cx="209560" cy="1116"/>
+            <a:off x="4469294" y="3034891"/>
+            <a:ext cx="292915" cy="1923"/>
           </a:xfrm>
           <a:prstGeom prst="bentConnector3">
             <a:avLst/>
@@ -4303,7 +4301,7 @@
         </p:nvSpPr>
         <p:spPr>
           <a:xfrm>
-            <a:off x="5653118" y="2942885"/>
+            <a:off x="5918460" y="2941065"/>
             <a:ext cx="236048" cy="173380"/>
           </a:xfrm>
           <a:prstGeom prst="flowChartDecision">
@@ -4345,13 +4343,15 @@
           <p:cNvPr id="64" name="Elbow Connector 63"/>
           <p:cNvCxnSpPr>
             <a:cxnSpLocks/>
+            <a:stCxn id="63" idx="3"/>
+            <a:endCxn id="62" idx="1"/>
           </p:cNvCxnSpPr>
           <p:nvPr/>
         </p:nvCxnSpPr>
         <p:spPr>
           <a:xfrm>
-            <a:off x="5889166" y="3030192"/>
-            <a:ext cx="424511" cy="1871"/>
+            <a:off x="6154508" y="3027755"/>
+            <a:ext cx="159169" cy="3691"/>
           </a:xfrm>
           <a:prstGeom prst="bentConnector3">
             <a:avLst/>
@@ -4789,6 +4789,869 @@
           </a:xfrm>
           <a:prstGeom prst="bentConnector3">
             <a:avLst/>
+          </a:prstGeom>
+          <a:ln w="19050">
+            <a:solidFill>
+              <a:srgbClr val="7030A0"/>
+            </a:solidFill>
+            <a:headEnd type="none" w="med" len="med"/>
+            <a:tailEnd type="arrow" w="med" len="med"/>
+          </a:ln>
+          <a:effectLst/>
+        </p:spPr>
+        <p:style>
+          <a:lnRef idx="1">
+            <a:schemeClr val="accent2"/>
+          </a:lnRef>
+          <a:fillRef idx="2">
+            <a:schemeClr val="accent2"/>
+          </a:fillRef>
+          <a:effectRef idx="1">
+            <a:schemeClr val="accent2"/>
+          </a:effectRef>
+          <a:fontRef idx="minor">
+            <a:schemeClr val="dk1"/>
+          </a:fontRef>
+        </p:style>
+      </p:cxnSp>
+      <p:sp>
+        <p:nvSpPr>
+          <p:cNvPr id="114" name="TextBox 113"/>
+          <p:cNvSpPr txBox="1"/>
+          <p:nvPr/>
+        </p:nvSpPr>
+        <p:spPr>
+          <a:xfrm rot="16200000">
+            <a:off x="6362886" y="3586305"/>
+            <a:ext cx="881018" cy="261610"/>
+          </a:xfrm>
+          <a:prstGeom prst="rect">
+            <a:avLst/>
+          </a:prstGeom>
+          <a:noFill/>
+        </p:spPr>
+        <p:txBody>
+          <a:bodyPr wrap="square" rtlCol="0">
+            <a:spAutoFit/>
+          </a:bodyPr>
+          <a:lstStyle/>
+          <a:p>
+            <a:pPr algn="r"/>
+            <a:r>
+              <a:rPr lang="en-US" sz="1100" dirty="0">
+                <a:solidFill>
+                  <a:srgbClr val="7030A0"/>
+                </a:solidFill>
+              </a:rPr>
+              <a:t>filtered list</a:t>
+            </a:r>
+            <a:endParaRPr lang="en-SG" sz="1100" dirty="0">
+              <a:solidFill>
+                <a:srgbClr val="7030A0"/>
+              </a:solidFill>
+            </a:endParaRPr>
+          </a:p>
+        </p:txBody>
+      </p:sp>
+      <p:sp>
+        <p:nvSpPr>
+          <p:cNvPr id="122" name="Rectangle 8"/>
+          <p:cNvSpPr/>
+          <p:nvPr/>
+        </p:nvSpPr>
+        <p:spPr>
+          <a:xfrm>
+            <a:off x="2057401" y="4239491"/>
+            <a:ext cx="1066800" cy="346760"/>
+          </a:xfrm>
+          <a:prstGeom prst="rect">
+            <a:avLst/>
+          </a:prstGeom>
+          <a:ln w="19050">
+            <a:solidFill>
+              <a:srgbClr val="7030A0"/>
+            </a:solidFill>
+          </a:ln>
+          <a:effectLst/>
+        </p:spPr>
+        <p:style>
+          <a:lnRef idx="1">
+            <a:schemeClr val="accent4"/>
+          </a:lnRef>
+          <a:fillRef idx="2">
+            <a:schemeClr val="accent4"/>
+          </a:fillRef>
+          <a:effectRef idx="1">
+            <a:schemeClr val="accent4"/>
+          </a:effectRef>
+          <a:fontRef idx="minor">
+            <a:schemeClr val="dk1"/>
+          </a:fontRef>
+        </p:style>
+        <p:txBody>
+          <a:bodyPr rtlCol="0" anchor="ctr"/>
+          <a:lstStyle/>
+          <a:p>
+            <a:pPr algn="ctr"/>
+            <a:r>
+              <a:rPr lang="en-US" sz="1050" dirty="0">
+                <a:solidFill>
+                  <a:srgbClr val="7030A0"/>
+                </a:solidFill>
+              </a:rPr>
+              <a:t>&lt;&lt;interface&gt;&gt;</a:t>
+            </a:r>
+            <a:r>
+              <a:rPr lang="en-US" sz="1050">
+                <a:solidFill>
+                  <a:srgbClr val="7030A0"/>
+                </a:solidFill>
+              </a:rPr>
+              <a:t/>
+            </a:r>
+            <a:br>
+              <a:rPr lang="en-US" sz="1050">
+                <a:solidFill>
+                  <a:srgbClr val="7030A0"/>
+                </a:solidFill>
+              </a:rPr>
+            </a:br>
+            <a:r>
+              <a:rPr lang="en-US" sz="1050" dirty="0" err="1">
+                <a:solidFill>
+                  <a:srgbClr val="7030A0"/>
+                </a:solidFill>
+              </a:rPr>
+              <a:t>ObservableList</a:t>
+            </a:r>
+            <a:endParaRPr lang="en-SG" sz="1050" dirty="0">
+              <a:solidFill>
+                <a:srgbClr val="7030A0"/>
+              </a:solidFill>
+            </a:endParaRPr>
+          </a:p>
+        </p:txBody>
+      </p:sp>
+      <p:cxnSp>
+        <p:nvCxnSpPr>
+          <p:cNvPr id="124" name="Elbow Connector 122"/>
+          <p:cNvCxnSpPr>
+            <a:stCxn id="119" idx="1"/>
+            <a:endCxn id="122" idx="1"/>
+          </p:cNvCxnSpPr>
+          <p:nvPr/>
+        </p:nvCxnSpPr>
+        <p:spPr>
+          <a:xfrm rot="16200000" flipH="1">
+            <a:off x="1364475" y="3719944"/>
+            <a:ext cx="831471" cy="554381"/>
+          </a:xfrm>
+          <a:prstGeom prst="bentConnector2">
+            <a:avLst/>
+          </a:prstGeom>
+          <a:ln w="19050">
+            <a:solidFill>
+              <a:srgbClr val="7030A0"/>
+            </a:solidFill>
+            <a:prstDash val="sysDot"/>
+            <a:headEnd type="none" w="med" len="med"/>
+            <a:tailEnd type="arrow" w="med" len="med"/>
+          </a:ln>
+          <a:effectLst/>
+        </p:spPr>
+        <p:style>
+          <a:lnRef idx="1">
+            <a:schemeClr val="accent2"/>
+          </a:lnRef>
+          <a:fillRef idx="2">
+            <a:schemeClr val="accent2"/>
+          </a:fillRef>
+          <a:effectRef idx="1">
+            <a:schemeClr val="accent2"/>
+          </a:effectRef>
+          <a:fontRef idx="minor">
+            <a:schemeClr val="dk1"/>
+          </a:fontRef>
+        </p:style>
+      </p:cxnSp>
+      <p:sp>
+        <p:nvSpPr>
+          <p:cNvPr id="54" name="TextBox 53"/>
+          <p:cNvSpPr txBox="1"/>
+          <p:nvPr/>
+        </p:nvSpPr>
+        <p:spPr>
+          <a:xfrm>
+            <a:off x="4324972" y="3058864"/>
+            <a:ext cx="189257" cy="178683"/>
+          </a:xfrm>
+          <a:prstGeom prst="rect">
+            <a:avLst/>
+          </a:prstGeom>
+          <a:noFill/>
+        </p:spPr>
+        <p:txBody>
+          <a:bodyPr wrap="square" lIns="0" tIns="0" rIns="0" bIns="0" rtlCol="0">
+            <a:noAutofit/>
+          </a:bodyPr>
+          <a:lstStyle/>
+          <a:p>
+            <a:pPr algn="ctr"/>
+            <a:r>
+              <a:rPr lang="en-US" sz="1100" dirty="0">
+                <a:solidFill>
+                  <a:srgbClr val="7030A0"/>
+                </a:solidFill>
+              </a:rPr>
+              <a:t>1</a:t>
+            </a:r>
+            <a:endParaRPr lang="en-SG" sz="1100" dirty="0">
+              <a:solidFill>
+                <a:srgbClr val="7030A0"/>
+              </a:solidFill>
+            </a:endParaRPr>
+          </a:p>
+        </p:txBody>
+      </p:sp>
+      <p:sp>
+        <p:nvSpPr>
+          <p:cNvPr id="61" name="TextBox 60"/>
+          <p:cNvSpPr txBox="1"/>
+          <p:nvPr/>
+        </p:nvSpPr>
+        <p:spPr>
+          <a:xfrm>
+            <a:off x="6135256" y="3097917"/>
+            <a:ext cx="189257" cy="178683"/>
+          </a:xfrm>
+          <a:prstGeom prst="rect">
+            <a:avLst/>
+          </a:prstGeom>
+          <a:noFill/>
+        </p:spPr>
+        <p:txBody>
+          <a:bodyPr wrap="square" lIns="0" tIns="0" rIns="0" bIns="0" rtlCol="0">
+            <a:noAutofit/>
+          </a:bodyPr>
+          <a:lstStyle/>
+          <a:p>
+            <a:pPr algn="ctr"/>
+            <a:r>
+              <a:rPr lang="en-US" sz="1100" dirty="0">
+                <a:solidFill>
+                  <a:srgbClr val="7030A0"/>
+                </a:solidFill>
+              </a:rPr>
+              <a:t>*</a:t>
+            </a:r>
+            <a:endParaRPr lang="en-SG" sz="1100" dirty="0">
+              <a:solidFill>
+                <a:srgbClr val="7030A0"/>
+              </a:solidFill>
+            </a:endParaRPr>
+          </a:p>
+        </p:txBody>
+      </p:sp>
+      <p:sp>
+        <p:nvSpPr>
+          <p:cNvPr id="65" name="TextBox 64"/>
+          <p:cNvSpPr txBox="1"/>
+          <p:nvPr/>
+        </p:nvSpPr>
+        <p:spPr>
+          <a:xfrm>
+            <a:off x="2560167" y="2753818"/>
+            <a:ext cx="78378" cy="193767"/>
+          </a:xfrm>
+          <a:prstGeom prst="rect">
+            <a:avLst/>
+          </a:prstGeom>
+          <a:noFill/>
+        </p:spPr>
+        <p:txBody>
+          <a:bodyPr wrap="square" lIns="0" tIns="0" rIns="0" bIns="0" rtlCol="0">
+            <a:noAutofit/>
+          </a:bodyPr>
+          <a:lstStyle/>
+          <a:p>
+            <a:pPr algn="ctr"/>
+            <a:r>
+              <a:rPr lang="en-US" sz="1100" dirty="0">
+                <a:solidFill>
+                  <a:srgbClr val="7030A0"/>
+                </a:solidFill>
+              </a:rPr>
+              <a:t>1</a:t>
+            </a:r>
+            <a:endParaRPr lang="en-SG" sz="1100" dirty="0">
+              <a:solidFill>
+                <a:srgbClr val="7030A0"/>
+              </a:solidFill>
+            </a:endParaRPr>
+          </a:p>
+        </p:txBody>
+      </p:sp>
+      <p:sp>
+        <p:nvSpPr>
+          <p:cNvPr id="66" name="TextBox 65"/>
+          <p:cNvSpPr txBox="1"/>
+          <p:nvPr/>
+        </p:nvSpPr>
+        <p:spPr>
+          <a:xfrm>
+            <a:off x="2707070" y="3667737"/>
+            <a:ext cx="189257" cy="178683"/>
+          </a:xfrm>
+          <a:prstGeom prst="rect">
+            <a:avLst/>
+          </a:prstGeom>
+          <a:noFill/>
+        </p:spPr>
+        <p:txBody>
+          <a:bodyPr wrap="square" lIns="0" tIns="0" rIns="0" bIns="0" rtlCol="0">
+            <a:noAutofit/>
+          </a:bodyPr>
+          <a:lstStyle/>
+          <a:p>
+            <a:pPr algn="ctr"/>
+            <a:r>
+              <a:rPr lang="en-US" sz="1100" dirty="0">
+                <a:solidFill>
+                  <a:srgbClr val="7030A0"/>
+                </a:solidFill>
+              </a:rPr>
+              <a:t>1</a:t>
+            </a:r>
+            <a:endParaRPr lang="en-SG" sz="1100" dirty="0">
+              <a:solidFill>
+                <a:srgbClr val="7030A0"/>
+              </a:solidFill>
+            </a:endParaRPr>
+          </a:p>
+        </p:txBody>
+      </p:sp>
+      <p:sp>
+        <p:nvSpPr>
+          <p:cNvPr id="70" name="TextBox 69"/>
+          <p:cNvSpPr txBox="1"/>
+          <p:nvPr/>
+        </p:nvSpPr>
+        <p:spPr>
+          <a:xfrm>
+            <a:off x="6449896" y="3204826"/>
+            <a:ext cx="189257" cy="178683"/>
+          </a:xfrm>
+          <a:prstGeom prst="rect">
+            <a:avLst/>
+          </a:prstGeom>
+          <a:noFill/>
+        </p:spPr>
+        <p:txBody>
+          <a:bodyPr wrap="square" lIns="0" tIns="0" rIns="0" bIns="0" rtlCol="0">
+            <a:noAutofit/>
+          </a:bodyPr>
+          <a:lstStyle/>
+          <a:p>
+            <a:pPr algn="ctr"/>
+            <a:r>
+              <a:rPr lang="en-US" sz="1100" dirty="0">
+                <a:solidFill>
+                  <a:srgbClr val="7030A0"/>
+                </a:solidFill>
+              </a:rPr>
+              <a:t>1</a:t>
+            </a:r>
+            <a:endParaRPr lang="en-SG" sz="1100" dirty="0">
+              <a:solidFill>
+                <a:srgbClr val="7030A0"/>
+              </a:solidFill>
+            </a:endParaRPr>
+          </a:p>
+        </p:txBody>
+      </p:sp>
+      <p:sp>
+        <p:nvSpPr>
+          <p:cNvPr id="52" name="Rectangle 8">
+            <a:extLst>
+              <a:ext uri="{FF2B5EF4-FFF2-40B4-BE49-F238E27FC236}">
+                <a16:creationId xmlns:a16="http://schemas.microsoft.com/office/drawing/2014/main" id="{ABDCDBD2-131A-4B66-A2F2-43BBEE82C773}"/>
+              </a:ext>
+            </a:extLst>
+          </p:cNvPr>
+          <p:cNvSpPr/>
+          <p:nvPr/>
+        </p:nvSpPr>
+        <p:spPr>
+          <a:xfrm>
+            <a:off x="4755872" y="2206861"/>
+            <a:ext cx="1156969" cy="285783"/>
+          </a:xfrm>
+          <a:prstGeom prst="rect">
+            <a:avLst/>
+          </a:prstGeom>
+          <a:ln w="19050">
+            <a:solidFill>
+              <a:srgbClr val="7030A0"/>
+            </a:solidFill>
+          </a:ln>
+          <a:effectLst/>
+        </p:spPr>
+        <p:style>
+          <a:lnRef idx="1">
+            <a:schemeClr val="accent4"/>
+          </a:lnRef>
+          <a:fillRef idx="2">
+            <a:schemeClr val="accent4"/>
+          </a:fillRef>
+          <a:effectRef idx="1">
+            <a:schemeClr val="accent4"/>
+          </a:effectRef>
+          <a:fontRef idx="minor">
+            <a:schemeClr val="dk1"/>
+          </a:fontRef>
+        </p:style>
+        <p:txBody>
+          <a:bodyPr rtlCol="0" anchor="ctr"/>
+          <a:lstStyle/>
+          <a:p>
+            <a:pPr algn="ctr"/>
+            <a:r>
+              <a:rPr lang="en-US" sz="1050" dirty="0" err="1">
+                <a:solidFill>
+                  <a:srgbClr val="7030A0"/>
+                </a:solidFill>
+              </a:rPr>
+              <a:t>UniqueTagList</a:t>
+            </a:r>
+            <a:endParaRPr lang="en-SG" sz="1050" dirty="0">
+              <a:solidFill>
+                <a:srgbClr val="7030A0"/>
+              </a:solidFill>
+            </a:endParaRPr>
+          </a:p>
+        </p:txBody>
+      </p:sp>
+      <p:cxnSp>
+        <p:nvCxnSpPr>
+          <p:cNvPr id="53" name="Elbow Connector 78">
+            <a:extLst>
+              <a:ext uri="{FF2B5EF4-FFF2-40B4-BE49-F238E27FC236}">
+                <a16:creationId xmlns:a16="http://schemas.microsoft.com/office/drawing/2014/main" id="{B97967F8-618A-448B-81FD-CDFD4AF0EC64}"/>
+              </a:ext>
+            </a:extLst>
+          </p:cNvPr>
+          <p:cNvCxnSpPr>
+            <a:cxnSpLocks/>
+            <a:stCxn id="54" idx="0"/>
+            <a:endCxn id="52" idx="1"/>
+          </p:cNvCxnSpPr>
+          <p:nvPr/>
+        </p:nvCxnSpPr>
+        <p:spPr>
+          <a:xfrm rot="5400000" flipH="1" flipV="1">
+            <a:off x="4233181" y="2536174"/>
+            <a:ext cx="709111" cy="336271"/>
+          </a:xfrm>
+          <a:prstGeom prst="bentConnector2">
+            <a:avLst/>
+          </a:prstGeom>
+          <a:ln w="19050">
+            <a:solidFill>
+              <a:srgbClr val="7030A0"/>
+            </a:solidFill>
+            <a:headEnd type="none" w="med" len="med"/>
+            <a:tailEnd type="arrow" w="med" len="med"/>
+          </a:ln>
+          <a:effectLst/>
+        </p:spPr>
+        <p:style>
+          <a:lnRef idx="1">
+            <a:schemeClr val="accent2"/>
+          </a:lnRef>
+          <a:fillRef idx="2">
+            <a:schemeClr val="accent2"/>
+          </a:fillRef>
+          <a:effectRef idx="1">
+            <a:schemeClr val="accent2"/>
+          </a:effectRef>
+          <a:fontRef idx="minor">
+            <a:schemeClr val="dk1"/>
+          </a:fontRef>
+        </p:style>
+      </p:cxnSp>
+      <p:sp>
+        <p:nvSpPr>
+          <p:cNvPr id="50" name="TextBox 49">
+            <a:extLst>
+              <a:ext uri="{FF2B5EF4-FFF2-40B4-BE49-F238E27FC236}">
+                <a16:creationId xmlns:a16="http://schemas.microsoft.com/office/drawing/2014/main" id="{B3FA9D57-880F-49C4-AD0B-A64E30D6F403}"/>
+              </a:ext>
+            </a:extLst>
+          </p:cNvPr>
+          <p:cNvSpPr txBox="1"/>
+          <p:nvPr/>
+        </p:nvSpPr>
+        <p:spPr>
+          <a:xfrm>
+            <a:off x="6714344" y="2430721"/>
+            <a:ext cx="189257" cy="178683"/>
+          </a:xfrm>
+          <a:prstGeom prst="rect">
+            <a:avLst/>
+          </a:prstGeom>
+          <a:noFill/>
+        </p:spPr>
+        <p:txBody>
+          <a:bodyPr wrap="square" lIns="0" tIns="0" rIns="0" bIns="0" rtlCol="0">
+            <a:noAutofit/>
+          </a:bodyPr>
+          <a:lstStyle/>
+          <a:p>
+            <a:pPr algn="ctr"/>
+            <a:r>
+              <a:rPr lang="en-US" sz="1100" dirty="0">
+                <a:solidFill>
+                  <a:srgbClr val="7030A0"/>
+                </a:solidFill>
+              </a:rPr>
+              <a:t>*</a:t>
+            </a:r>
+            <a:endParaRPr lang="en-SG" sz="1100" dirty="0">
+              <a:solidFill>
+                <a:srgbClr val="7030A0"/>
+              </a:solidFill>
+            </a:endParaRPr>
+          </a:p>
+        </p:txBody>
+      </p:sp>
+      <p:sp>
+        <p:nvSpPr>
+          <p:cNvPr id="55" name="Flowchart: Decision 96">
+            <a:extLst>
+              <a:ext uri="{FF2B5EF4-FFF2-40B4-BE49-F238E27FC236}">
+                <a16:creationId xmlns:a16="http://schemas.microsoft.com/office/drawing/2014/main" id="{B9F96195-942D-4692-91B7-CF34229E7461}"/>
+              </a:ext>
+            </a:extLst>
+          </p:cNvPr>
+          <p:cNvSpPr/>
+          <p:nvPr/>
+        </p:nvSpPr>
+        <p:spPr>
+          <a:xfrm rot="16200000">
+            <a:off x="6553482" y="2664721"/>
+            <a:ext cx="236048" cy="173380"/>
+          </a:xfrm>
+          <a:prstGeom prst="flowChartDecision">
+            <a:avLst/>
+          </a:prstGeom>
+          <a:noFill/>
+          <a:ln w="19050">
+            <a:solidFill>
+              <a:srgbClr val="7030A0"/>
+            </a:solidFill>
+          </a:ln>
+          <a:effectLst/>
+        </p:spPr>
+        <p:style>
+          <a:lnRef idx="1">
+            <a:schemeClr val="accent6"/>
+          </a:lnRef>
+          <a:fillRef idx="2">
+            <a:schemeClr val="accent6"/>
+          </a:fillRef>
+          <a:effectRef idx="1">
+            <a:schemeClr val="accent6"/>
+          </a:effectRef>
+          <a:fontRef idx="minor">
+            <a:schemeClr val="dk1"/>
+          </a:fontRef>
+        </p:style>
+        <p:txBody>
+          <a:bodyPr rtlCol="0" anchor="ctr"/>
+          <a:lstStyle/>
+          <a:p>
+            <a:pPr algn="ctr"/>
+            <a:endParaRPr lang="en-US" sz="1050"/>
+          </a:p>
+        </p:txBody>
+      </p:sp>
+      <p:cxnSp>
+        <p:nvCxnSpPr>
+          <p:cNvPr id="59" name="Elbow Connector 63">
+            <a:extLst>
+              <a:ext uri="{FF2B5EF4-FFF2-40B4-BE49-F238E27FC236}">
+                <a16:creationId xmlns:a16="http://schemas.microsoft.com/office/drawing/2014/main" id="{E2D6A56C-A223-4236-A1F0-7EFEBA2FC940}"/>
+              </a:ext>
+            </a:extLst>
+          </p:cNvPr>
+          <p:cNvCxnSpPr>
+            <a:cxnSpLocks/>
+            <a:endCxn id="67" idx="1"/>
+          </p:cNvCxnSpPr>
+          <p:nvPr/>
+        </p:nvCxnSpPr>
+        <p:spPr>
+          <a:xfrm flipV="1">
+            <a:off x="5884280" y="2233006"/>
+            <a:ext cx="432916" cy="111294"/>
+          </a:xfrm>
+          <a:prstGeom prst="bentConnector3">
+            <a:avLst/>
+          </a:prstGeom>
+          <a:ln w="19050">
+            <a:solidFill>
+              <a:srgbClr val="7030A0"/>
+            </a:solidFill>
+            <a:headEnd type="none" w="med" len="med"/>
+            <a:tailEnd type="arrow" w="med" len="med"/>
+          </a:ln>
+          <a:effectLst/>
+        </p:spPr>
+        <p:style>
+          <a:lnRef idx="1">
+            <a:schemeClr val="accent2"/>
+          </a:lnRef>
+          <a:fillRef idx="2">
+            <a:schemeClr val="accent2"/>
+          </a:fillRef>
+          <a:effectRef idx="1">
+            <a:schemeClr val="accent2"/>
+          </a:effectRef>
+          <a:fontRef idx="minor">
+            <a:schemeClr val="dk1"/>
+          </a:fontRef>
+        </p:style>
+      </p:cxnSp>
+      <p:sp>
+        <p:nvSpPr>
+          <p:cNvPr id="67" name="Rectangle 8">
+            <a:extLst>
+              <a:ext uri="{FF2B5EF4-FFF2-40B4-BE49-F238E27FC236}">
+                <a16:creationId xmlns:a16="http://schemas.microsoft.com/office/drawing/2014/main" id="{36D68104-33BB-4C8F-B764-F3F0B25E592B}"/>
+              </a:ext>
+            </a:extLst>
+          </p:cNvPr>
+          <p:cNvSpPr/>
+          <p:nvPr/>
+        </p:nvSpPr>
+        <p:spPr>
+          <a:xfrm>
+            <a:off x="6317196" y="2059626"/>
+            <a:ext cx="708186" cy="346760"/>
+          </a:xfrm>
+          <a:prstGeom prst="rect">
+            <a:avLst/>
+          </a:prstGeom>
+          <a:ln w="19050">
+            <a:solidFill>
+              <a:srgbClr val="7030A0"/>
+            </a:solidFill>
+          </a:ln>
+          <a:effectLst/>
+        </p:spPr>
+        <p:style>
+          <a:lnRef idx="1">
+            <a:schemeClr val="accent4"/>
+          </a:lnRef>
+          <a:fillRef idx="2">
+            <a:schemeClr val="accent4"/>
+          </a:fillRef>
+          <a:effectRef idx="1">
+            <a:schemeClr val="accent4"/>
+          </a:effectRef>
+          <a:fontRef idx="minor">
+            <a:schemeClr val="dk1"/>
+          </a:fontRef>
+        </p:style>
+        <p:txBody>
+          <a:bodyPr rtlCol="0" anchor="ctr"/>
+          <a:lstStyle/>
+          <a:p>
+            <a:pPr algn="ctr"/>
+            <a:r>
+              <a:rPr lang="en-US" sz="1050" dirty="0">
+                <a:solidFill>
+                  <a:srgbClr val="7030A0"/>
+                </a:solidFill>
+              </a:rPr>
+              <a:t>Tag</a:t>
+            </a:r>
+            <a:endParaRPr lang="en-SG" sz="1050" dirty="0">
+              <a:solidFill>
+                <a:srgbClr val="7030A0"/>
+              </a:solidFill>
+            </a:endParaRPr>
+          </a:p>
+        </p:txBody>
+      </p:sp>
+      <p:sp>
+        <p:nvSpPr>
+          <p:cNvPr id="68" name="TextBox 67">
+            <a:extLst>
+              <a:ext uri="{FF2B5EF4-FFF2-40B4-BE49-F238E27FC236}">
+                <a16:creationId xmlns:a16="http://schemas.microsoft.com/office/drawing/2014/main" id="{18A2ABF0-4DA8-43EE-BACE-A737C4E4CFEC}"/>
+              </a:ext>
+            </a:extLst>
+          </p:cNvPr>
+          <p:cNvSpPr txBox="1"/>
+          <p:nvPr/>
+        </p:nvSpPr>
+        <p:spPr>
+          <a:xfrm>
+            <a:off x="6135256" y="2278014"/>
+            <a:ext cx="189257" cy="178683"/>
+          </a:xfrm>
+          <a:prstGeom prst="rect">
+            <a:avLst/>
+          </a:prstGeom>
+          <a:noFill/>
+        </p:spPr>
+        <p:txBody>
+          <a:bodyPr wrap="square" lIns="0" tIns="0" rIns="0" bIns="0" rtlCol="0">
+            <a:noAutofit/>
+          </a:bodyPr>
+          <a:lstStyle/>
+          <a:p>
+            <a:pPr algn="ctr"/>
+            <a:r>
+              <a:rPr lang="en-US" sz="1100" dirty="0">
+                <a:solidFill>
+                  <a:srgbClr val="7030A0"/>
+                </a:solidFill>
+              </a:rPr>
+              <a:t>*</a:t>
+            </a:r>
+            <a:endParaRPr lang="en-SG" sz="1100" dirty="0">
+              <a:solidFill>
+                <a:srgbClr val="7030A0"/>
+              </a:solidFill>
+            </a:endParaRPr>
+          </a:p>
+        </p:txBody>
+      </p:sp>
+      <p:sp>
+        <p:nvSpPr>
+          <p:cNvPr id="69" name="TextBox 68">
+            <a:extLst>
+              <a:ext uri="{FF2B5EF4-FFF2-40B4-BE49-F238E27FC236}">
+                <a16:creationId xmlns:a16="http://schemas.microsoft.com/office/drawing/2014/main" id="{8CF9406A-39C7-4163-8880-BB65541FC08E}"/>
+              </a:ext>
+            </a:extLst>
+          </p:cNvPr>
+          <p:cNvSpPr txBox="1"/>
+          <p:nvPr/>
+        </p:nvSpPr>
+        <p:spPr>
+          <a:xfrm>
+            <a:off x="4367100" y="2172972"/>
+            <a:ext cx="189257" cy="178683"/>
+          </a:xfrm>
+          <a:prstGeom prst="rect">
+            <a:avLst/>
+          </a:prstGeom>
+          <a:noFill/>
+        </p:spPr>
+        <p:txBody>
+          <a:bodyPr wrap="square" lIns="0" tIns="0" rIns="0" bIns="0" rtlCol="0">
+            <a:noAutofit/>
+          </a:bodyPr>
+          <a:lstStyle/>
+          <a:p>
+            <a:pPr algn="ctr"/>
+            <a:r>
+              <a:rPr lang="en-US" sz="1100" dirty="0">
+                <a:solidFill>
+                  <a:srgbClr val="7030A0"/>
+                </a:solidFill>
+              </a:rPr>
+              <a:t>1</a:t>
+            </a:r>
+            <a:endParaRPr lang="en-SG" sz="1100" dirty="0">
+              <a:solidFill>
+                <a:srgbClr val="7030A0"/>
+              </a:solidFill>
+            </a:endParaRPr>
+          </a:p>
+        </p:txBody>
+      </p:sp>
+      <p:sp>
+        <p:nvSpPr>
+          <p:cNvPr id="71" name="Flowchart: Decision 96">
+            <a:extLst>
+              <a:ext uri="{FF2B5EF4-FFF2-40B4-BE49-F238E27FC236}">
+                <a16:creationId xmlns:a16="http://schemas.microsoft.com/office/drawing/2014/main" id="{233007D4-EEA2-4CA6-ACFE-1517B654224E}"/>
+              </a:ext>
+            </a:extLst>
+          </p:cNvPr>
+          <p:cNvSpPr/>
+          <p:nvPr/>
+        </p:nvSpPr>
+        <p:spPr>
+          <a:xfrm>
+            <a:off x="5911329" y="2262081"/>
+            <a:ext cx="236048" cy="173380"/>
+          </a:xfrm>
+          <a:prstGeom prst="flowChartDecision">
+            <a:avLst/>
+          </a:prstGeom>
+          <a:solidFill>
+            <a:srgbClr val="7030A0"/>
+          </a:solidFill>
+          <a:ln w="19050">
+            <a:solidFill>
+              <a:srgbClr val="7030A0"/>
+            </a:solidFill>
+          </a:ln>
+          <a:effectLst/>
+        </p:spPr>
+        <p:style>
+          <a:lnRef idx="1">
+            <a:schemeClr val="accent6"/>
+          </a:lnRef>
+          <a:fillRef idx="2">
+            <a:schemeClr val="accent6"/>
+          </a:fillRef>
+          <a:effectRef idx="1">
+            <a:schemeClr val="accent6"/>
+          </a:effectRef>
+          <a:fontRef idx="minor">
+            <a:schemeClr val="dk1"/>
+          </a:fontRef>
+        </p:style>
+        <p:txBody>
+          <a:bodyPr rtlCol="0" anchor="ctr"/>
+          <a:lstStyle/>
+          <a:p>
+            <a:pPr algn="ctr"/>
+            <a:endParaRPr lang="en-US" sz="1050"/>
+          </a:p>
+        </p:txBody>
+      </p:sp>
+      <p:cxnSp>
+        <p:nvCxnSpPr>
+          <p:cNvPr id="72" name="Elbow Connector 78">
+            <a:extLst>
+              <a:ext uri="{FF2B5EF4-FFF2-40B4-BE49-F238E27FC236}">
+                <a16:creationId xmlns:a16="http://schemas.microsoft.com/office/drawing/2014/main" id="{D5DFB8C5-B0B0-46C1-967B-4449112ABD6F}"/>
+              </a:ext>
+            </a:extLst>
+          </p:cNvPr>
+          <p:cNvCxnSpPr>
+            <a:cxnSpLocks/>
+            <a:stCxn id="55" idx="3"/>
+            <a:endCxn id="67" idx="2"/>
+          </p:cNvCxnSpPr>
+          <p:nvPr/>
+        </p:nvCxnSpPr>
+        <p:spPr>
+          <a:xfrm rot="16200000" flipV="1">
+            <a:off x="6557898" y="2519778"/>
+            <a:ext cx="227001" cy="217"/>
+          </a:xfrm>
+          <a:prstGeom prst="bentConnector3">
+            <a:avLst>
+              <a:gd name="adj1" fmla="val 50000"/>
+            </a:avLst>
           </a:prstGeom>
           <a:ln w="19050">
             <a:solidFill>
@@ -4816,17 +5679,16 @@
       </p:cxnSp>
       <p:cxnSp>
         <p:nvCxnSpPr>
-          <p:cNvPr id="97" name="Elbow Connector 63"/>
+          <p:cNvPr id="90" name="Elbow Connector 63"/>
           <p:cNvCxnSpPr>
-            <a:stCxn id="99" idx="3"/>
-            <a:endCxn id="46" idx="0"/>
+            <a:stCxn id="91" idx="3"/>
           </p:cNvCxnSpPr>
           <p:nvPr/>
         </p:nvCxnSpPr>
         <p:spPr>
           <a:xfrm rot="5400000">
-            <a:off x="3360407" y="2696848"/>
-            <a:ext cx="272249" cy="3877"/>
+            <a:off x="3470636" y="2687353"/>
+            <a:ext cx="293825" cy="5938"/>
           </a:xfrm>
           <a:prstGeom prst="bentConnector3">
             <a:avLst>
@@ -4860,14 +5722,14 @@
       </p:cxnSp>
       <p:sp>
         <p:nvSpPr>
-          <p:cNvPr id="99" name="Isosceles Triangle 102"/>
+          <p:cNvPr id="91" name="Isosceles Triangle 102"/>
           <p:cNvSpPr/>
           <p:nvPr/>
         </p:nvSpPr>
         <p:spPr>
           <a:xfrm rot="10800000" flipV="1">
-            <a:off x="3363217" y="2387139"/>
-            <a:ext cx="270504" cy="175523"/>
+            <a:off x="3479324" y="2386348"/>
+            <a:ext cx="282387" cy="157062"/>
           </a:xfrm>
           <a:prstGeom prst="triangle">
             <a:avLst/>
@@ -4908,14 +5770,14 @@
       </p:sp>
       <p:sp>
         <p:nvSpPr>
-          <p:cNvPr id="100" name="Rectangle 8"/>
+          <p:cNvPr id="92" name="Rectangle 8"/>
           <p:cNvSpPr/>
           <p:nvPr/>
         </p:nvSpPr>
         <p:spPr>
           <a:xfrm>
-            <a:off x="2725533" y="2021143"/>
-            <a:ext cx="1539926" cy="346760"/>
+            <a:off x="1177947" y="1998144"/>
+            <a:ext cx="1443661" cy="364396"/>
           </a:xfrm>
           <a:prstGeom prst="rect">
             <a:avLst/>
@@ -4979,53 +5841,14 @@
       </p:sp>
       <p:sp>
         <p:nvSpPr>
-          <p:cNvPr id="114" name="TextBox 113"/>
-          <p:cNvSpPr txBox="1"/>
-          <p:nvPr/>
-        </p:nvSpPr>
-        <p:spPr>
-          <a:xfrm rot="16200000">
-            <a:off x="6362886" y="3586305"/>
-            <a:ext cx="881018" cy="261610"/>
-          </a:xfrm>
-          <a:prstGeom prst="rect">
-            <a:avLst/>
-          </a:prstGeom>
-          <a:noFill/>
-        </p:spPr>
-        <p:txBody>
-          <a:bodyPr wrap="square" rtlCol="0">
-            <a:spAutoFit/>
-          </a:bodyPr>
-          <a:lstStyle/>
-          <a:p>
-            <a:pPr algn="r"/>
-            <a:r>
-              <a:rPr lang="en-US" sz="1100" dirty="0">
-                <a:solidFill>
-                  <a:srgbClr val="7030A0"/>
-                </a:solidFill>
-              </a:rPr>
-              <a:t>filtered list</a:t>
-            </a:r>
-            <a:endParaRPr lang="en-SG" sz="1100" dirty="0">
-              <a:solidFill>
-                <a:srgbClr val="7030A0"/>
-              </a:solidFill>
-            </a:endParaRPr>
-          </a:p>
-        </p:txBody>
-      </p:sp>
-      <p:sp>
-        <p:nvSpPr>
-          <p:cNvPr id="122" name="Rectangle 8"/>
+          <p:cNvPr id="93" name="Rectangle 8"/>
           <p:cNvSpPr/>
           <p:nvPr/>
         </p:nvSpPr>
         <p:spPr>
           <a:xfrm>
-            <a:off x="2057401" y="4239491"/>
-            <a:ext cx="1066800" cy="346760"/>
+            <a:off x="3087206" y="1998144"/>
+            <a:ext cx="1060683" cy="364396"/>
           </a:xfrm>
           <a:prstGeom prst="rect">
             <a:avLst/>
@@ -5057,35 +5880,12 @@
           <a:p>
             <a:pPr algn="ctr"/>
             <a:r>
-              <a:rPr lang="en-US" sz="1050" dirty="0">
-                <a:solidFill>
-                  <a:srgbClr val="7030A0"/>
-                </a:solidFill>
-              </a:rPr>
-              <a:t>&lt;&lt;interface&gt;&gt;</a:t>
-            </a:r>
-            <a:r>
-              <a:rPr lang="en-US" sz="1050">
-                <a:solidFill>
-                  <a:srgbClr val="7030A0"/>
-                </a:solidFill>
-              </a:rPr>
-              <a:t/>
-            </a:r>
-            <a:br>
-              <a:rPr lang="en-US" sz="1050">
-                <a:solidFill>
-                  <a:srgbClr val="7030A0"/>
-                </a:solidFill>
-              </a:rPr>
-            </a:br>
-            <a:r>
               <a:rPr lang="en-US" sz="1050" dirty="0" err="1">
                 <a:solidFill>
                   <a:srgbClr val="7030A0"/>
                 </a:solidFill>
               </a:rPr>
-              <a:t>ObservableList</a:t>
+              <a:t>AddressBook</a:t>
             </a:r>
             <a:endParaRPr lang="en-SG" sz="1050" dirty="0">
               <a:solidFill>
@@ -5095,22 +5895,76 @@
           </a:p>
         </p:txBody>
       </p:sp>
+      <p:sp>
+        <p:nvSpPr>
+          <p:cNvPr id="94" name="Isosceles Triangle 102"/>
+          <p:cNvSpPr/>
+          <p:nvPr/>
+        </p:nvSpPr>
+        <p:spPr>
+          <a:xfrm rot="16200000">
+            <a:off x="2586098" y="2068952"/>
+            <a:ext cx="271014" cy="187417"/>
+          </a:xfrm>
+          <a:prstGeom prst="triangle">
+            <a:avLst>
+              <a:gd name="adj" fmla="val 44517"/>
+            </a:avLst>
+          </a:prstGeom>
+          <a:solidFill>
+            <a:schemeClr val="accent4">
+              <a:lumMod val="20000"/>
+              <a:lumOff val="80000"/>
+            </a:schemeClr>
+          </a:solidFill>
+          <a:ln w="19050">
+            <a:solidFill>
+              <a:srgbClr val="7030A0"/>
+            </a:solidFill>
+          </a:ln>
+          <a:effectLst/>
+        </p:spPr>
+        <p:style>
+          <a:lnRef idx="1">
+            <a:schemeClr val="accent6"/>
+          </a:lnRef>
+          <a:fillRef idx="2">
+            <a:schemeClr val="accent6"/>
+          </a:fillRef>
+          <a:effectRef idx="1">
+            <a:schemeClr val="accent6"/>
+          </a:effectRef>
+          <a:fontRef idx="minor">
+            <a:schemeClr val="dk1"/>
+          </a:fontRef>
+        </p:style>
+        <p:txBody>
+          <a:bodyPr rtlCol="0" anchor="ctr"/>
+          <a:lstStyle/>
+          <a:p>
+            <a:pPr algn="ctr"/>
+            <a:endParaRPr lang="en-SG" sz="1050"/>
+          </a:p>
+        </p:txBody>
+      </p:sp>
       <p:cxnSp>
         <p:nvCxnSpPr>
-          <p:cNvPr id="124" name="Elbow Connector 122"/>
+          <p:cNvPr id="95" name="Elbow Connector 63"/>
           <p:cNvCxnSpPr>
-            <a:stCxn id="119" idx="1"/>
-            <a:endCxn id="122" idx="1"/>
+            <a:stCxn id="94" idx="3"/>
+            <a:endCxn id="93" idx="1"/>
           </p:cNvCxnSpPr>
           <p:nvPr/>
         </p:nvCxnSpPr>
         <p:spPr>
-          <a:xfrm rot="16200000" flipH="1">
-            <a:off x="1364475" y="3719944"/>
-            <a:ext cx="831471" cy="554381"/>
-          </a:xfrm>
-          <a:prstGeom prst="bentConnector2">
-            <a:avLst/>
+          <a:xfrm>
+            <a:off x="2815314" y="2177521"/>
+            <a:ext cx="271892" cy="2821"/>
+          </a:xfrm>
+          <a:prstGeom prst="bentConnector3">
+            <a:avLst>
+              <a:gd name="adj1" fmla="val 50000"/>
+            </a:avLst>
           </a:prstGeom>
           <a:ln w="19050">
             <a:solidFill>
@@ -5118,7 +5972,7 @@
             </a:solidFill>
             <a:prstDash val="sysDot"/>
             <a:headEnd type="none" w="med" len="med"/>
-            <a:tailEnd type="arrow" w="med" len="med"/>
+            <a:tailEnd type="none" w="med" len="med"/>
           </a:ln>
           <a:effectLst/>
         </p:spPr>
@@ -5137,898 +5991,6 @@
           </a:fontRef>
         </p:style>
       </p:cxnSp>
-      <p:sp>
-        <p:nvSpPr>
-          <p:cNvPr id="54" name="TextBox 53"/>
-          <p:cNvSpPr txBox="1"/>
-          <p:nvPr/>
-        </p:nvSpPr>
-        <p:spPr>
-          <a:xfrm>
-            <a:off x="4324972" y="3058864"/>
-            <a:ext cx="189257" cy="178683"/>
-          </a:xfrm>
-          <a:prstGeom prst="rect">
-            <a:avLst/>
-          </a:prstGeom>
-          <a:noFill/>
-        </p:spPr>
-        <p:txBody>
-          <a:bodyPr wrap="square" lIns="0" tIns="0" rIns="0" bIns="0" rtlCol="0">
-            <a:noAutofit/>
-          </a:bodyPr>
-          <a:lstStyle/>
-          <a:p>
-            <a:pPr algn="ctr"/>
-            <a:r>
-              <a:rPr lang="en-US" sz="1100" dirty="0">
-                <a:solidFill>
-                  <a:srgbClr val="7030A0"/>
-                </a:solidFill>
-              </a:rPr>
-              <a:t>1</a:t>
-            </a:r>
-            <a:endParaRPr lang="en-SG" sz="1100" dirty="0">
-              <a:solidFill>
-                <a:srgbClr val="7030A0"/>
-              </a:solidFill>
-            </a:endParaRPr>
-          </a:p>
-        </p:txBody>
-      </p:sp>
-      <p:sp>
-        <p:nvSpPr>
-          <p:cNvPr id="61" name="TextBox 60"/>
-          <p:cNvSpPr txBox="1"/>
-          <p:nvPr/>
-        </p:nvSpPr>
-        <p:spPr>
-          <a:xfrm>
-            <a:off x="6135256" y="3097917"/>
-            <a:ext cx="189257" cy="178683"/>
-          </a:xfrm>
-          <a:prstGeom prst="rect">
-            <a:avLst/>
-          </a:prstGeom>
-          <a:noFill/>
-        </p:spPr>
-        <p:txBody>
-          <a:bodyPr wrap="square" lIns="0" tIns="0" rIns="0" bIns="0" rtlCol="0">
-            <a:noAutofit/>
-          </a:bodyPr>
-          <a:lstStyle/>
-          <a:p>
-            <a:pPr algn="ctr"/>
-            <a:r>
-              <a:rPr lang="en-US" sz="1100" dirty="0">
-                <a:solidFill>
-                  <a:srgbClr val="7030A0"/>
-                </a:solidFill>
-              </a:rPr>
-              <a:t>*</a:t>
-            </a:r>
-            <a:endParaRPr lang="en-SG" sz="1100" dirty="0">
-              <a:solidFill>
-                <a:srgbClr val="7030A0"/>
-              </a:solidFill>
-            </a:endParaRPr>
-          </a:p>
-        </p:txBody>
-      </p:sp>
-      <p:sp>
-        <p:nvSpPr>
-          <p:cNvPr id="65" name="TextBox 64"/>
-          <p:cNvSpPr txBox="1"/>
-          <p:nvPr/>
-        </p:nvSpPr>
-        <p:spPr>
-          <a:xfrm>
-            <a:off x="2687923" y="2793117"/>
-            <a:ext cx="189257" cy="178683"/>
-          </a:xfrm>
-          <a:prstGeom prst="rect">
-            <a:avLst/>
-          </a:prstGeom>
-          <a:noFill/>
-        </p:spPr>
-        <p:txBody>
-          <a:bodyPr wrap="square" lIns="0" tIns="0" rIns="0" bIns="0" rtlCol="0">
-            <a:noAutofit/>
-          </a:bodyPr>
-          <a:lstStyle/>
-          <a:p>
-            <a:pPr algn="ctr"/>
-            <a:r>
-              <a:rPr lang="en-US" sz="1100" dirty="0">
-                <a:solidFill>
-                  <a:srgbClr val="7030A0"/>
-                </a:solidFill>
-              </a:rPr>
-              <a:t>1</a:t>
-            </a:r>
-            <a:endParaRPr lang="en-SG" sz="1100" dirty="0">
-              <a:solidFill>
-                <a:srgbClr val="7030A0"/>
-              </a:solidFill>
-            </a:endParaRPr>
-          </a:p>
-        </p:txBody>
-      </p:sp>
-      <p:sp>
-        <p:nvSpPr>
-          <p:cNvPr id="66" name="TextBox 65"/>
-          <p:cNvSpPr txBox="1"/>
-          <p:nvPr/>
-        </p:nvSpPr>
-        <p:spPr>
-          <a:xfrm>
-            <a:off x="2707070" y="3667737"/>
-            <a:ext cx="189257" cy="178683"/>
-          </a:xfrm>
-          <a:prstGeom prst="rect">
-            <a:avLst/>
-          </a:prstGeom>
-          <a:noFill/>
-        </p:spPr>
-        <p:txBody>
-          <a:bodyPr wrap="square" lIns="0" tIns="0" rIns="0" bIns="0" rtlCol="0">
-            <a:noAutofit/>
-          </a:bodyPr>
-          <a:lstStyle/>
-          <a:p>
-            <a:pPr algn="ctr"/>
-            <a:r>
-              <a:rPr lang="en-US" sz="1100" dirty="0">
-                <a:solidFill>
-                  <a:srgbClr val="7030A0"/>
-                </a:solidFill>
-              </a:rPr>
-              <a:t>1</a:t>
-            </a:r>
-            <a:endParaRPr lang="en-SG" sz="1100" dirty="0">
-              <a:solidFill>
-                <a:srgbClr val="7030A0"/>
-              </a:solidFill>
-            </a:endParaRPr>
-          </a:p>
-        </p:txBody>
-      </p:sp>
-      <p:sp>
-        <p:nvSpPr>
-          <p:cNvPr id="70" name="TextBox 69"/>
-          <p:cNvSpPr txBox="1"/>
-          <p:nvPr/>
-        </p:nvSpPr>
-        <p:spPr>
-          <a:xfrm>
-            <a:off x="6449896" y="3204826"/>
-            <a:ext cx="189257" cy="178683"/>
-          </a:xfrm>
-          <a:prstGeom prst="rect">
-            <a:avLst/>
-          </a:prstGeom>
-          <a:noFill/>
-        </p:spPr>
-        <p:txBody>
-          <a:bodyPr wrap="square" lIns="0" tIns="0" rIns="0" bIns="0" rtlCol="0">
-            <a:noAutofit/>
-          </a:bodyPr>
-          <a:lstStyle/>
-          <a:p>
-            <a:pPr algn="ctr"/>
-            <a:r>
-              <a:rPr lang="en-US" sz="1100" dirty="0">
-                <a:solidFill>
-                  <a:srgbClr val="7030A0"/>
-                </a:solidFill>
-              </a:rPr>
-              <a:t>1</a:t>
-            </a:r>
-            <a:endParaRPr lang="en-SG" sz="1100" dirty="0">
-              <a:solidFill>
-                <a:srgbClr val="7030A0"/>
-              </a:solidFill>
-            </a:endParaRPr>
-          </a:p>
-        </p:txBody>
-      </p:sp>
-      <p:sp>
-        <p:nvSpPr>
-          <p:cNvPr id="52" name="Rectangle 8">
-            <a:extLst>
-              <a:ext uri="{FF2B5EF4-FFF2-40B4-BE49-F238E27FC236}">
-                <a16:creationId xmlns:a16="http://schemas.microsoft.com/office/drawing/2014/main" id="{ABDCDBD2-131A-4B66-A2F2-43BBEE82C773}"/>
-              </a:ext>
-            </a:extLst>
-          </p:cNvPr>
-          <p:cNvSpPr/>
-          <p:nvPr/>
-        </p:nvSpPr>
-        <p:spPr>
-          <a:xfrm>
-            <a:off x="4487016" y="2209800"/>
-            <a:ext cx="1156969" cy="285783"/>
-          </a:xfrm>
-          <a:prstGeom prst="rect">
-            <a:avLst/>
-          </a:prstGeom>
-          <a:ln w="19050">
-            <a:solidFill>
-              <a:srgbClr val="7030A0"/>
-            </a:solidFill>
-          </a:ln>
-          <a:effectLst/>
-        </p:spPr>
-        <p:style>
-          <a:lnRef idx="1">
-            <a:schemeClr val="accent4"/>
-          </a:lnRef>
-          <a:fillRef idx="2">
-            <a:schemeClr val="accent4"/>
-          </a:fillRef>
-          <a:effectRef idx="1">
-            <a:schemeClr val="accent4"/>
-          </a:effectRef>
-          <a:fontRef idx="minor">
-            <a:schemeClr val="dk1"/>
-          </a:fontRef>
-        </p:style>
-        <p:txBody>
-          <a:bodyPr rtlCol="0" anchor="ctr"/>
-          <a:lstStyle/>
-          <a:p>
-            <a:pPr algn="ctr"/>
-            <a:r>
-              <a:rPr lang="en-US" sz="1050" dirty="0" err="1">
-                <a:solidFill>
-                  <a:srgbClr val="7030A0"/>
-                </a:solidFill>
-              </a:rPr>
-              <a:t>UniqueTagList</a:t>
-            </a:r>
-            <a:endParaRPr lang="en-SG" sz="1050" dirty="0">
-              <a:solidFill>
-                <a:srgbClr val="7030A0"/>
-              </a:solidFill>
-            </a:endParaRPr>
-          </a:p>
-        </p:txBody>
-      </p:sp>
-      <p:cxnSp>
-        <p:nvCxnSpPr>
-          <p:cNvPr id="53" name="Elbow Connector 78">
-            <a:extLst>
-              <a:ext uri="{FF2B5EF4-FFF2-40B4-BE49-F238E27FC236}">
-                <a16:creationId xmlns:a16="http://schemas.microsoft.com/office/drawing/2014/main" id="{B97967F8-618A-448B-81FD-CDFD4AF0EC64}"/>
-              </a:ext>
-            </a:extLst>
-          </p:cNvPr>
-          <p:cNvCxnSpPr>
-            <a:cxnSpLocks/>
-            <a:stCxn id="51" idx="3"/>
-            <a:endCxn id="52" idx="1"/>
-          </p:cNvCxnSpPr>
-          <p:nvPr/>
-        </p:nvCxnSpPr>
-        <p:spPr>
-          <a:xfrm flipV="1">
-            <a:off x="4277457" y="2352692"/>
-            <a:ext cx="209559" cy="666943"/>
-          </a:xfrm>
-          <a:prstGeom prst="bentConnector3">
-            <a:avLst>
-              <a:gd name="adj1" fmla="val 27963"/>
-            </a:avLst>
-          </a:prstGeom>
-          <a:ln w="19050">
-            <a:solidFill>
-              <a:srgbClr val="7030A0"/>
-            </a:solidFill>
-            <a:headEnd type="none" w="med" len="med"/>
-            <a:tailEnd type="arrow" w="med" len="med"/>
-          </a:ln>
-          <a:effectLst/>
-        </p:spPr>
-        <p:style>
-          <a:lnRef idx="1">
-            <a:schemeClr val="accent2"/>
-          </a:lnRef>
-          <a:fillRef idx="2">
-            <a:schemeClr val="accent2"/>
-          </a:fillRef>
-          <a:effectRef idx="1">
-            <a:schemeClr val="accent2"/>
-          </a:effectRef>
-          <a:fontRef idx="minor">
-            <a:schemeClr val="dk1"/>
-          </a:fontRef>
-        </p:style>
-      </p:cxnSp>
-      <p:sp>
-        <p:nvSpPr>
-          <p:cNvPr id="50" name="TextBox 49">
-            <a:extLst>
-              <a:ext uri="{FF2B5EF4-FFF2-40B4-BE49-F238E27FC236}">
-                <a16:creationId xmlns:a16="http://schemas.microsoft.com/office/drawing/2014/main" id="{B3FA9D57-880F-49C4-AD0B-A64E30D6F403}"/>
-              </a:ext>
-            </a:extLst>
-          </p:cNvPr>
-          <p:cNvSpPr txBox="1"/>
-          <p:nvPr/>
-        </p:nvSpPr>
-        <p:spPr>
-          <a:xfrm>
-            <a:off x="6714344" y="2430721"/>
-            <a:ext cx="189257" cy="178683"/>
-          </a:xfrm>
-          <a:prstGeom prst="rect">
-            <a:avLst/>
-          </a:prstGeom>
-          <a:noFill/>
-        </p:spPr>
-        <p:txBody>
-          <a:bodyPr wrap="square" lIns="0" tIns="0" rIns="0" bIns="0" rtlCol="0">
-            <a:noAutofit/>
-          </a:bodyPr>
-          <a:lstStyle/>
-          <a:p>
-            <a:pPr algn="ctr"/>
-            <a:r>
-              <a:rPr lang="en-US" sz="1100" dirty="0">
-                <a:solidFill>
-                  <a:srgbClr val="7030A0"/>
-                </a:solidFill>
-              </a:rPr>
-              <a:t>*</a:t>
-            </a:r>
-            <a:endParaRPr lang="en-SG" sz="1100" dirty="0">
-              <a:solidFill>
-                <a:srgbClr val="7030A0"/>
-              </a:solidFill>
-            </a:endParaRPr>
-          </a:p>
-        </p:txBody>
-      </p:sp>
-      <p:sp>
-        <p:nvSpPr>
-          <p:cNvPr id="55" name="Flowchart: Decision 96">
-            <a:extLst>
-              <a:ext uri="{FF2B5EF4-FFF2-40B4-BE49-F238E27FC236}">
-                <a16:creationId xmlns:a16="http://schemas.microsoft.com/office/drawing/2014/main" id="{B9F96195-942D-4692-91B7-CF34229E7461}"/>
-              </a:ext>
-            </a:extLst>
-          </p:cNvPr>
-          <p:cNvSpPr/>
-          <p:nvPr/>
-        </p:nvSpPr>
-        <p:spPr>
-          <a:xfrm rot="16200000">
-            <a:off x="6553482" y="2664721"/>
-            <a:ext cx="236048" cy="173380"/>
-          </a:xfrm>
-          <a:prstGeom prst="flowChartDecision">
-            <a:avLst/>
-          </a:prstGeom>
-          <a:noFill/>
-          <a:ln w="19050">
-            <a:solidFill>
-              <a:srgbClr val="7030A0"/>
-            </a:solidFill>
-          </a:ln>
-          <a:effectLst/>
-        </p:spPr>
-        <p:style>
-          <a:lnRef idx="1">
-            <a:schemeClr val="accent6"/>
-          </a:lnRef>
-          <a:fillRef idx="2">
-            <a:schemeClr val="accent6"/>
-          </a:fillRef>
-          <a:effectRef idx="1">
-            <a:schemeClr val="accent6"/>
-          </a:effectRef>
-          <a:fontRef idx="minor">
-            <a:schemeClr val="dk1"/>
-          </a:fontRef>
-        </p:style>
-        <p:txBody>
-          <a:bodyPr rtlCol="0" anchor="ctr"/>
-          <a:lstStyle/>
-          <a:p>
-            <a:pPr algn="ctr"/>
-            <a:endParaRPr lang="en-US" sz="1050"/>
-          </a:p>
-        </p:txBody>
-      </p:sp>
-      <p:cxnSp>
-        <p:nvCxnSpPr>
-          <p:cNvPr id="59" name="Elbow Connector 63">
-            <a:extLst>
-              <a:ext uri="{FF2B5EF4-FFF2-40B4-BE49-F238E27FC236}">
-                <a16:creationId xmlns:a16="http://schemas.microsoft.com/office/drawing/2014/main" id="{E2D6A56C-A223-4236-A1F0-7EFEBA2FC940}"/>
-              </a:ext>
-            </a:extLst>
-          </p:cNvPr>
-          <p:cNvCxnSpPr>
-            <a:cxnSpLocks/>
-            <a:endCxn id="67" idx="1"/>
-          </p:cNvCxnSpPr>
-          <p:nvPr/>
-        </p:nvCxnSpPr>
-        <p:spPr>
-          <a:xfrm flipV="1">
-            <a:off x="5884280" y="2233006"/>
-            <a:ext cx="432916" cy="111294"/>
-          </a:xfrm>
-          <a:prstGeom prst="bentConnector3">
-            <a:avLst/>
-          </a:prstGeom>
-          <a:ln w="19050">
-            <a:solidFill>
-              <a:srgbClr val="7030A0"/>
-            </a:solidFill>
-            <a:headEnd type="none" w="med" len="med"/>
-            <a:tailEnd type="arrow" w="med" len="med"/>
-          </a:ln>
-          <a:effectLst/>
-        </p:spPr>
-        <p:style>
-          <a:lnRef idx="1">
-            <a:schemeClr val="accent2"/>
-          </a:lnRef>
-          <a:fillRef idx="2">
-            <a:schemeClr val="accent2"/>
-          </a:fillRef>
-          <a:effectRef idx="1">
-            <a:schemeClr val="accent2"/>
-          </a:effectRef>
-          <a:fontRef idx="minor">
-            <a:schemeClr val="dk1"/>
-          </a:fontRef>
-        </p:style>
-      </p:cxnSp>
-      <p:sp>
-        <p:nvSpPr>
-          <p:cNvPr id="67" name="Rectangle 8">
-            <a:extLst>
-              <a:ext uri="{FF2B5EF4-FFF2-40B4-BE49-F238E27FC236}">
-                <a16:creationId xmlns:a16="http://schemas.microsoft.com/office/drawing/2014/main" id="{36D68104-33BB-4C8F-B764-F3F0B25E592B}"/>
-              </a:ext>
-            </a:extLst>
-          </p:cNvPr>
-          <p:cNvSpPr/>
-          <p:nvPr/>
-        </p:nvSpPr>
-        <p:spPr>
-          <a:xfrm>
-            <a:off x="6317196" y="2059626"/>
-            <a:ext cx="708186" cy="346760"/>
-          </a:xfrm>
-          <a:prstGeom prst="rect">
-            <a:avLst/>
-          </a:prstGeom>
-          <a:ln w="19050">
-            <a:solidFill>
-              <a:srgbClr val="7030A0"/>
-            </a:solidFill>
-          </a:ln>
-          <a:effectLst/>
-        </p:spPr>
-        <p:style>
-          <a:lnRef idx="1">
-            <a:schemeClr val="accent4"/>
-          </a:lnRef>
-          <a:fillRef idx="2">
-            <a:schemeClr val="accent4"/>
-          </a:fillRef>
-          <a:effectRef idx="1">
-            <a:schemeClr val="accent4"/>
-          </a:effectRef>
-          <a:fontRef idx="minor">
-            <a:schemeClr val="dk1"/>
-          </a:fontRef>
-        </p:style>
-        <p:txBody>
-          <a:bodyPr rtlCol="0" anchor="ctr"/>
-          <a:lstStyle/>
-          <a:p>
-            <a:pPr algn="ctr"/>
-            <a:r>
-              <a:rPr lang="en-US" sz="1050" dirty="0">
-                <a:solidFill>
-                  <a:srgbClr val="7030A0"/>
-                </a:solidFill>
-              </a:rPr>
-              <a:t>Tag</a:t>
-            </a:r>
-            <a:endParaRPr lang="en-SG" sz="1050" dirty="0">
-              <a:solidFill>
-                <a:srgbClr val="7030A0"/>
-              </a:solidFill>
-            </a:endParaRPr>
-          </a:p>
-        </p:txBody>
-      </p:sp>
-      <p:sp>
-        <p:nvSpPr>
-          <p:cNvPr id="68" name="TextBox 67">
-            <a:extLst>
-              <a:ext uri="{FF2B5EF4-FFF2-40B4-BE49-F238E27FC236}">
-                <a16:creationId xmlns:a16="http://schemas.microsoft.com/office/drawing/2014/main" id="{18A2ABF0-4DA8-43EE-BACE-A737C4E4CFEC}"/>
-              </a:ext>
-            </a:extLst>
-          </p:cNvPr>
-          <p:cNvSpPr txBox="1"/>
-          <p:nvPr/>
-        </p:nvSpPr>
-        <p:spPr>
-          <a:xfrm>
-            <a:off x="6135256" y="2278014"/>
-            <a:ext cx="189257" cy="178683"/>
-          </a:xfrm>
-          <a:prstGeom prst="rect">
-            <a:avLst/>
-          </a:prstGeom>
-          <a:noFill/>
-        </p:spPr>
-        <p:txBody>
-          <a:bodyPr wrap="square" lIns="0" tIns="0" rIns="0" bIns="0" rtlCol="0">
-            <a:noAutofit/>
-          </a:bodyPr>
-          <a:lstStyle/>
-          <a:p>
-            <a:pPr algn="ctr"/>
-            <a:r>
-              <a:rPr lang="en-US" sz="1100" dirty="0">
-                <a:solidFill>
-                  <a:srgbClr val="7030A0"/>
-                </a:solidFill>
-              </a:rPr>
-              <a:t>*</a:t>
-            </a:r>
-            <a:endParaRPr lang="en-SG" sz="1100" dirty="0">
-              <a:solidFill>
-                <a:srgbClr val="7030A0"/>
-              </a:solidFill>
-            </a:endParaRPr>
-          </a:p>
-        </p:txBody>
-      </p:sp>
-      <p:sp>
-        <p:nvSpPr>
-          <p:cNvPr id="69" name="TextBox 68">
-            <a:extLst>
-              <a:ext uri="{FF2B5EF4-FFF2-40B4-BE49-F238E27FC236}">
-                <a16:creationId xmlns:a16="http://schemas.microsoft.com/office/drawing/2014/main" id="{8CF9406A-39C7-4163-8880-BB65541FC08E}"/>
-              </a:ext>
-            </a:extLst>
-          </p:cNvPr>
-          <p:cNvSpPr txBox="1"/>
-          <p:nvPr/>
-        </p:nvSpPr>
-        <p:spPr>
-          <a:xfrm>
-            <a:off x="4343439" y="2389310"/>
-            <a:ext cx="189257" cy="178683"/>
-          </a:xfrm>
-          <a:prstGeom prst="rect">
-            <a:avLst/>
-          </a:prstGeom>
-          <a:noFill/>
-        </p:spPr>
-        <p:txBody>
-          <a:bodyPr wrap="square" lIns="0" tIns="0" rIns="0" bIns="0" rtlCol="0">
-            <a:noAutofit/>
-          </a:bodyPr>
-          <a:lstStyle/>
-          <a:p>
-            <a:pPr algn="ctr"/>
-            <a:r>
-              <a:rPr lang="en-US" sz="1100" dirty="0">
-                <a:solidFill>
-                  <a:srgbClr val="7030A0"/>
-                </a:solidFill>
-              </a:rPr>
-              <a:t>1</a:t>
-            </a:r>
-            <a:endParaRPr lang="en-SG" sz="1100" dirty="0">
-              <a:solidFill>
-                <a:srgbClr val="7030A0"/>
-              </a:solidFill>
-            </a:endParaRPr>
-          </a:p>
-        </p:txBody>
-      </p:sp>
-      <p:sp>
-        <p:nvSpPr>
-          <p:cNvPr id="71" name="Flowchart: Decision 96">
-            <a:extLst>
-              <a:ext uri="{FF2B5EF4-FFF2-40B4-BE49-F238E27FC236}">
-                <a16:creationId xmlns:a16="http://schemas.microsoft.com/office/drawing/2014/main" id="{233007D4-EEA2-4CA6-ACFE-1517B654224E}"/>
-              </a:ext>
-            </a:extLst>
-          </p:cNvPr>
-          <p:cNvSpPr/>
-          <p:nvPr/>
-        </p:nvSpPr>
-        <p:spPr>
-          <a:xfrm>
-            <a:off x="5642473" y="2265020"/>
-            <a:ext cx="236048" cy="173380"/>
-          </a:xfrm>
-          <a:prstGeom prst="flowChartDecision">
-            <a:avLst/>
-          </a:prstGeom>
-          <a:solidFill>
-            <a:srgbClr val="7030A0"/>
-          </a:solidFill>
-          <a:ln w="19050">
-            <a:solidFill>
-              <a:srgbClr val="7030A0"/>
-            </a:solidFill>
-          </a:ln>
-          <a:effectLst/>
-        </p:spPr>
-        <p:style>
-          <a:lnRef idx="1">
-            <a:schemeClr val="accent6"/>
-          </a:lnRef>
-          <a:fillRef idx="2">
-            <a:schemeClr val="accent6"/>
-          </a:fillRef>
-          <a:effectRef idx="1">
-            <a:schemeClr val="accent6"/>
-          </a:effectRef>
-          <a:fontRef idx="minor">
-            <a:schemeClr val="dk1"/>
-          </a:fontRef>
-        </p:style>
-        <p:txBody>
-          <a:bodyPr rtlCol="0" anchor="ctr"/>
-          <a:lstStyle/>
-          <a:p>
-            <a:pPr algn="ctr"/>
-            <a:endParaRPr lang="en-US" sz="1050"/>
-          </a:p>
-        </p:txBody>
-      </p:sp>
-      <p:cxnSp>
-        <p:nvCxnSpPr>
-          <p:cNvPr id="72" name="Elbow Connector 78">
-            <a:extLst>
-              <a:ext uri="{FF2B5EF4-FFF2-40B4-BE49-F238E27FC236}">
-                <a16:creationId xmlns:a16="http://schemas.microsoft.com/office/drawing/2014/main" id="{D5DFB8C5-B0B0-46C1-967B-4449112ABD6F}"/>
-              </a:ext>
-            </a:extLst>
-          </p:cNvPr>
-          <p:cNvCxnSpPr>
-            <a:cxnSpLocks/>
-            <a:stCxn id="55" idx="3"/>
-            <a:endCxn id="67" idx="2"/>
-          </p:cNvCxnSpPr>
-          <p:nvPr/>
-        </p:nvCxnSpPr>
-        <p:spPr>
-          <a:xfrm rot="16200000" flipV="1">
-            <a:off x="6557898" y="2519778"/>
-            <a:ext cx="227001" cy="217"/>
-          </a:xfrm>
-          <a:prstGeom prst="bentConnector3">
-            <a:avLst>
-              <a:gd name="adj1" fmla="val 50000"/>
-            </a:avLst>
-          </a:prstGeom>
-          <a:ln w="19050">
-            <a:solidFill>
-              <a:srgbClr val="7030A0"/>
-            </a:solidFill>
-            <a:headEnd type="none" w="med" len="med"/>
-            <a:tailEnd type="arrow" w="med" len="med"/>
-          </a:ln>
-          <a:effectLst/>
-        </p:spPr>
-        <p:style>
-          <a:lnRef idx="1">
-            <a:schemeClr val="accent2"/>
-          </a:lnRef>
-          <a:fillRef idx="2">
-            <a:schemeClr val="accent2"/>
-          </a:fillRef>
-          <a:effectRef idx="1">
-            <a:schemeClr val="accent2"/>
-          </a:effectRef>
-          <a:fontRef idx="minor">
-            <a:schemeClr val="dk1"/>
-          </a:fontRef>
-        </p:style>
-      </p:cxnSp>
-      <p:cxnSp>
-        <p:nvCxnSpPr>
-          <p:cNvPr id="56" name="Elbow Connector 63"/>
-          <p:cNvCxnSpPr>
-            <a:stCxn id="57" idx="3"/>
-            <a:endCxn id="9" idx="3"/>
-          </p:cNvCxnSpPr>
-          <p:nvPr/>
-        </p:nvCxnSpPr>
-        <p:spPr>
-          <a:xfrm rot="5400000">
-            <a:off x="2115737" y="2630915"/>
-            <a:ext cx="186028" cy="769"/>
-          </a:xfrm>
-          <a:prstGeom prst="bentConnector3">
-            <a:avLst>
-              <a:gd name="adj1" fmla="val 50000"/>
-            </a:avLst>
-          </a:prstGeom>
-          <a:ln w="19050">
-            <a:solidFill>
-              <a:srgbClr val="7030A0"/>
-            </a:solidFill>
-            <a:prstDash val="sysDot"/>
-            <a:headEnd type="none" w="med" len="med"/>
-            <a:tailEnd type="none" w="med" len="med"/>
-          </a:ln>
-          <a:effectLst/>
-        </p:spPr>
-        <p:style>
-          <a:lnRef idx="1">
-            <a:schemeClr val="accent2"/>
-          </a:lnRef>
-          <a:fillRef idx="2">
-            <a:schemeClr val="accent2"/>
-          </a:fillRef>
-          <a:effectRef idx="1">
-            <a:schemeClr val="accent2"/>
-          </a:effectRef>
-          <a:fontRef idx="minor">
-            <a:schemeClr val="dk1"/>
-          </a:fontRef>
-        </p:style>
-      </p:cxnSp>
-      <p:sp>
-        <p:nvSpPr>
-          <p:cNvPr id="57" name="Isosceles Triangle 102"/>
-          <p:cNvSpPr/>
-          <p:nvPr/>
-        </p:nvSpPr>
-        <p:spPr>
-          <a:xfrm rot="10800000" flipV="1">
-            <a:off x="2089547" y="2364651"/>
-            <a:ext cx="239177" cy="173634"/>
-          </a:xfrm>
-          <a:prstGeom prst="triangle">
-            <a:avLst/>
-          </a:prstGeom>
-          <a:ln w="19050">
-            <a:solidFill>
-              <a:srgbClr val="7030A0"/>
-            </a:solidFill>
-          </a:ln>
-          <a:effectLst/>
-        </p:spPr>
-        <p:style>
-          <a:lnRef idx="1">
-            <a:schemeClr val="accent4"/>
-          </a:lnRef>
-          <a:fillRef idx="2">
-            <a:schemeClr val="accent4"/>
-          </a:fillRef>
-          <a:effectRef idx="1">
-            <a:schemeClr val="accent4"/>
-          </a:effectRef>
-          <a:fontRef idx="minor">
-            <a:schemeClr val="dk1"/>
-          </a:fontRef>
-        </p:style>
-        <p:txBody>
-          <a:bodyPr rtlCol="0" anchor="ctr"/>
-          <a:lstStyle/>
-          <a:p>
-            <a:pPr algn="ctr"/>
-            <a:endParaRPr lang="en-SG" sz="1050" b="1">
-              <a:solidFill>
-                <a:srgbClr val="92D050"/>
-              </a:solidFill>
-            </a:endParaRPr>
-          </a:p>
-        </p:txBody>
-      </p:sp>
-      <p:sp>
-        <p:nvSpPr>
-          <p:cNvPr id="60" name="Rectangle 8"/>
-          <p:cNvSpPr/>
-          <p:nvPr/>
-        </p:nvSpPr>
-        <p:spPr>
-          <a:xfrm>
-            <a:off x="1219200" y="2013872"/>
-            <a:ext cx="1371601" cy="338573"/>
-          </a:xfrm>
-          <a:prstGeom prst="rect">
-            <a:avLst/>
-          </a:prstGeom>
-          <a:ln w="19050">
-            <a:solidFill>
-              <a:srgbClr val="7030A0"/>
-            </a:solidFill>
-          </a:ln>
-          <a:effectLst/>
-        </p:spPr>
-        <p:style>
-          <a:lnRef idx="1">
-            <a:schemeClr val="accent4"/>
-          </a:lnRef>
-          <a:fillRef idx="2">
-            <a:schemeClr val="accent4"/>
-          </a:fillRef>
-          <a:effectRef idx="1">
-            <a:schemeClr val="accent4"/>
-          </a:effectRef>
-          <a:fontRef idx="minor">
-            <a:schemeClr val="dk1"/>
-          </a:fontRef>
-        </p:style>
-        <p:txBody>
-          <a:bodyPr rtlCol="0" anchor="ctr"/>
-          <a:lstStyle/>
-          <a:p>
-            <a:pPr algn="ctr"/>
-            <a:r>
-              <a:rPr lang="en-SG" sz="1050" dirty="0" err="1" smtClean="0">
-                <a:solidFill>
-                  <a:srgbClr val="7030A0"/>
-                </a:solidFill>
-              </a:rPr>
-              <a:t>UndoRedoCareTaker</a:t>
-            </a:r>
-            <a:endParaRPr lang="en-SG" sz="1050" dirty="0">
-              <a:solidFill>
-                <a:srgbClr val="7030A0"/>
-              </a:solidFill>
-            </a:endParaRPr>
-          </a:p>
-        </p:txBody>
-      </p:sp>
-      <p:sp>
-        <p:nvSpPr>
-          <p:cNvPr id="73" name="TextBox 72"/>
-          <p:cNvSpPr txBox="1"/>
-          <p:nvPr/>
-        </p:nvSpPr>
-        <p:spPr>
-          <a:xfrm>
-            <a:off x="2295981" y="2398272"/>
-            <a:ext cx="189257" cy="178683"/>
-          </a:xfrm>
-          <a:prstGeom prst="rect">
-            <a:avLst/>
-          </a:prstGeom>
-          <a:noFill/>
-        </p:spPr>
-        <p:txBody>
-          <a:bodyPr wrap="square" lIns="0" tIns="0" rIns="0" bIns="0" rtlCol="0">
-            <a:noAutofit/>
-          </a:bodyPr>
-          <a:lstStyle/>
-          <a:p>
-            <a:pPr algn="ctr"/>
-            <a:r>
-              <a:rPr lang="en-US" sz="1100" dirty="0">
-                <a:solidFill>
-                  <a:srgbClr val="7030A0"/>
-                </a:solidFill>
-              </a:rPr>
-              <a:t>1</a:t>
-            </a:r>
-            <a:endParaRPr lang="en-SG" sz="1100" dirty="0">
-              <a:solidFill>
-                <a:srgbClr val="7030A0"/>
-              </a:solidFill>
-            </a:endParaRPr>
-          </a:p>
-        </p:txBody>
-      </p:sp>
     </p:spTree>
     <p:extLst>
       <p:ext uri="{BB962C8B-B14F-4D97-AF65-F5344CB8AC3E}">

--- a/docs/diagrams/ModelComponentClassBetterOopDiagram.pptx
+++ b/docs/diagrams/ModelComponentClassBetterOopDiagram.pptx
@@ -208,7 +208,7 @@
           <a:p>
             <a:fld id="{F5CC4B3F-88C1-4FFA-B1B6-F41C21DC6924}" type="datetimeFigureOut">
               <a:rPr lang="en-US" smtClean="0"/>
-              <a:t>6/27/2018</a:t>
+              <a:t>9/21/2018</a:t>
             </a:fld>
             <a:endParaRPr lang="en-US"/>
           </a:p>
@@ -654,7 +654,7 @@
           <a:p>
             <a:fld id="{78C97017-6FC3-485B-9764-EAC9E56C1D49}" type="datetimeFigureOut">
               <a:rPr lang="en-US" smtClean="0"/>
-              <a:t>6/27/2018</a:t>
+              <a:t>9/21/2018</a:t>
             </a:fld>
             <a:endParaRPr lang="en-US"/>
           </a:p>
@@ -822,7 +822,7 @@
           <a:p>
             <a:fld id="{78C97017-6FC3-485B-9764-EAC9E56C1D49}" type="datetimeFigureOut">
               <a:rPr lang="en-US" smtClean="0"/>
-              <a:t>6/27/2018</a:t>
+              <a:t>9/21/2018</a:t>
             </a:fld>
             <a:endParaRPr lang="en-US"/>
           </a:p>
@@ -1000,7 +1000,7 @@
           <a:p>
             <a:fld id="{78C97017-6FC3-485B-9764-EAC9E56C1D49}" type="datetimeFigureOut">
               <a:rPr lang="en-US" smtClean="0"/>
-              <a:t>6/27/2018</a:t>
+              <a:t>9/21/2018</a:t>
             </a:fld>
             <a:endParaRPr lang="en-US"/>
           </a:p>
@@ -1168,7 +1168,7 @@
           <a:p>
             <a:fld id="{78C97017-6FC3-485B-9764-EAC9E56C1D49}" type="datetimeFigureOut">
               <a:rPr lang="en-US" smtClean="0"/>
-              <a:t>6/27/2018</a:t>
+              <a:t>9/21/2018</a:t>
             </a:fld>
             <a:endParaRPr lang="en-US"/>
           </a:p>
@@ -1413,7 +1413,7 @@
           <a:p>
             <a:fld id="{78C97017-6FC3-485B-9764-EAC9E56C1D49}" type="datetimeFigureOut">
               <a:rPr lang="en-US" smtClean="0"/>
-              <a:t>6/27/2018</a:t>
+              <a:t>9/21/2018</a:t>
             </a:fld>
             <a:endParaRPr lang="en-US"/>
           </a:p>
@@ -1698,7 +1698,7 @@
           <a:p>
             <a:fld id="{78C97017-6FC3-485B-9764-EAC9E56C1D49}" type="datetimeFigureOut">
               <a:rPr lang="en-US" smtClean="0"/>
-              <a:t>6/27/2018</a:t>
+              <a:t>9/21/2018</a:t>
             </a:fld>
             <a:endParaRPr lang="en-US"/>
           </a:p>
@@ -2117,7 +2117,7 @@
           <a:p>
             <a:fld id="{78C97017-6FC3-485B-9764-EAC9E56C1D49}" type="datetimeFigureOut">
               <a:rPr lang="en-US" smtClean="0"/>
-              <a:t>6/27/2018</a:t>
+              <a:t>9/21/2018</a:t>
             </a:fld>
             <a:endParaRPr lang="en-US"/>
           </a:p>
@@ -2234,7 +2234,7 @@
           <a:p>
             <a:fld id="{78C97017-6FC3-485B-9764-EAC9E56C1D49}" type="datetimeFigureOut">
               <a:rPr lang="en-US" smtClean="0"/>
-              <a:t>6/27/2018</a:t>
+              <a:t>9/21/2018</a:t>
             </a:fld>
             <a:endParaRPr lang="en-US"/>
           </a:p>
@@ -2329,7 +2329,7 @@
           <a:p>
             <a:fld id="{78C97017-6FC3-485B-9764-EAC9E56C1D49}" type="datetimeFigureOut">
               <a:rPr lang="en-US" smtClean="0"/>
-              <a:t>6/27/2018</a:t>
+              <a:t>9/21/2018</a:t>
             </a:fld>
             <a:endParaRPr lang="en-US"/>
           </a:p>
@@ -2604,7 +2604,7 @@
           <a:p>
             <a:fld id="{78C97017-6FC3-485B-9764-EAC9E56C1D49}" type="datetimeFigureOut">
               <a:rPr lang="en-US" smtClean="0"/>
-              <a:t>6/27/2018</a:t>
+              <a:t>9/21/2018</a:t>
             </a:fld>
             <a:endParaRPr lang="en-US"/>
           </a:p>
@@ -2856,7 +2856,7 @@
           <a:p>
             <a:fld id="{78C97017-6FC3-485B-9764-EAC9E56C1D49}" type="datetimeFigureOut">
               <a:rPr lang="en-US" smtClean="0"/>
-              <a:t>6/27/2018</a:t>
+              <a:t>9/21/2018</a:t>
             </a:fld>
             <a:endParaRPr lang="en-US"/>
           </a:p>
@@ -3067,7 +3067,7 @@
           <a:p>
             <a:fld id="{78C97017-6FC3-485B-9764-EAC9E56C1D49}" type="datetimeFigureOut">
               <a:rPr lang="en-US" smtClean="0"/>
-              <a:t>6/27/2018</a:t>
+              <a:t>9/21/2018</a:t>
             </a:fld>
             <a:endParaRPr lang="en-US"/>
           </a:p>
@@ -3992,12 +3992,12 @@
           <a:p>
             <a:pPr algn="ctr"/>
             <a:r>
-              <a:rPr lang="en-US" sz="1050" dirty="0" err="1" smtClean="0">
+              <a:rPr lang="en-US" sz="1050" dirty="0" err="1">
                 <a:solidFill>
                   <a:srgbClr val="7030A0"/>
                 </a:solidFill>
               </a:rPr>
-              <a:t>VersionedAddressBook</a:t>
+              <a:t>VersionedErium</a:t>
             </a:r>
             <a:endParaRPr lang="en-SG" sz="1050" dirty="0">
               <a:solidFill>
@@ -4523,75 +4523,19 @@
           </a:fontRef>
         </p:style>
       </p:cxnSp>
-      <p:sp>
-        <p:nvSpPr>
-          <p:cNvPr id="80" name="Rectangle 8"/>
-          <p:cNvSpPr/>
-          <p:nvPr/>
-        </p:nvSpPr>
-        <p:spPr>
-          <a:xfrm>
-            <a:off x="7712397" y="2887216"/>
-            <a:ext cx="708186" cy="285783"/>
-          </a:xfrm>
-          <a:prstGeom prst="rect">
-            <a:avLst/>
-          </a:prstGeom>
-          <a:ln w="19050">
-            <a:solidFill>
-              <a:srgbClr val="7030A0"/>
-            </a:solidFill>
-          </a:ln>
-          <a:effectLst/>
-        </p:spPr>
-        <p:style>
-          <a:lnRef idx="1">
-            <a:schemeClr val="accent4"/>
-          </a:lnRef>
-          <a:fillRef idx="2">
-            <a:schemeClr val="accent4"/>
-          </a:fillRef>
-          <a:effectRef idx="1">
-            <a:schemeClr val="accent4"/>
-          </a:effectRef>
-          <a:fontRef idx="minor">
-            <a:schemeClr val="dk1"/>
-          </a:fontRef>
-        </p:style>
-        <p:txBody>
-          <a:bodyPr rtlCol="0" anchor="ctr"/>
-          <a:lstStyle/>
-          <a:p>
-            <a:pPr algn="ctr"/>
-            <a:r>
-              <a:rPr lang="en-US" sz="1050" dirty="0">
-                <a:solidFill>
-                  <a:srgbClr val="7030A0"/>
-                </a:solidFill>
-              </a:rPr>
-              <a:t>Phone</a:t>
-            </a:r>
-            <a:endParaRPr lang="en-SG" sz="1050" dirty="0">
-              <a:solidFill>
-                <a:srgbClr val="7030A0"/>
-              </a:solidFill>
-            </a:endParaRPr>
-          </a:p>
-        </p:txBody>
-      </p:sp>
       <p:cxnSp>
         <p:nvCxnSpPr>
-          <p:cNvPr id="81" name="Elbow Connector 80"/>
+          <p:cNvPr id="84" name="Elbow Connector 83"/>
           <p:cNvCxnSpPr>
+            <a:cxnSpLocks/>
             <a:stCxn id="78" idx="3"/>
-            <a:endCxn id="80" idx="1"/>
           </p:cNvCxnSpPr>
           <p:nvPr/>
         </p:nvCxnSpPr>
         <p:spPr>
-          <a:xfrm flipV="1">
-            <a:off x="7277995" y="3030108"/>
-            <a:ext cx="434402" cy="4783"/>
+          <a:xfrm>
+            <a:off x="7277995" y="3034891"/>
+            <a:ext cx="434402" cy="318195"/>
           </a:xfrm>
           <a:prstGeom prst="bentConnector3">
             <a:avLst/>
@@ -4622,14 +4566,14 @@
       </p:cxnSp>
       <p:sp>
         <p:nvSpPr>
-          <p:cNvPr id="83" name="Rectangle 8"/>
+          <p:cNvPr id="85" name="Rectangle 8"/>
           <p:cNvSpPr/>
           <p:nvPr/>
         </p:nvSpPr>
         <p:spPr>
           <a:xfrm>
-            <a:off x="7712397" y="3210194"/>
-            <a:ext cx="708186" cy="285783"/>
+            <a:off x="7712396" y="3533171"/>
+            <a:ext cx="822003" cy="312035"/>
           </a:xfrm>
           <a:prstGeom prst="rect">
             <a:avLst/>
@@ -4666,7 +4610,7 @@
                   <a:srgbClr val="7030A0"/>
                 </a:solidFill>
               </a:rPr>
-              <a:t>Email</a:t>
+              <a:t>Timetable</a:t>
             </a:r>
             <a:endParaRPr lang="en-SG" sz="1050" dirty="0">
               <a:solidFill>
@@ -4678,17 +4622,18 @@
       </p:sp>
       <p:cxnSp>
         <p:nvCxnSpPr>
-          <p:cNvPr id="84" name="Elbow Connector 83"/>
+          <p:cNvPr id="86" name="Elbow Connector 85"/>
           <p:cNvCxnSpPr>
+            <a:cxnSpLocks/>
             <a:stCxn id="78" idx="3"/>
-            <a:endCxn id="83" idx="1"/>
+            <a:endCxn id="85" idx="1"/>
           </p:cNvCxnSpPr>
           <p:nvPr/>
         </p:nvCxnSpPr>
         <p:spPr>
           <a:xfrm>
             <a:off x="7277995" y="3034891"/>
-            <a:ext cx="434402" cy="318195"/>
+            <a:ext cx="434401" cy="654298"/>
           </a:xfrm>
           <a:prstGeom prst="bentConnector3">
             <a:avLst/>
@@ -4719,14 +4664,53 @@
       </p:cxnSp>
       <p:sp>
         <p:nvSpPr>
-          <p:cNvPr id="85" name="Rectangle 8"/>
+          <p:cNvPr id="114" name="TextBox 113"/>
+          <p:cNvSpPr txBox="1"/>
+          <p:nvPr/>
+        </p:nvSpPr>
+        <p:spPr>
+          <a:xfrm rot="16200000">
+            <a:off x="6362886" y="3586305"/>
+            <a:ext cx="881018" cy="261610"/>
+          </a:xfrm>
+          <a:prstGeom prst="rect">
+            <a:avLst/>
+          </a:prstGeom>
+          <a:noFill/>
+        </p:spPr>
+        <p:txBody>
+          <a:bodyPr wrap="square" rtlCol="0">
+            <a:spAutoFit/>
+          </a:bodyPr>
+          <a:lstStyle/>
+          <a:p>
+            <a:pPr algn="r"/>
+            <a:r>
+              <a:rPr lang="en-US" sz="1100" dirty="0">
+                <a:solidFill>
+                  <a:srgbClr val="7030A0"/>
+                </a:solidFill>
+              </a:rPr>
+              <a:t>filtered list</a:t>
+            </a:r>
+            <a:endParaRPr lang="en-SG" sz="1100" dirty="0">
+              <a:solidFill>
+                <a:srgbClr val="7030A0"/>
+              </a:solidFill>
+            </a:endParaRPr>
+          </a:p>
+        </p:txBody>
+      </p:sp>
+      <p:sp>
+        <p:nvSpPr>
+          <p:cNvPr id="122" name="Rectangle 8"/>
           <p:cNvSpPr/>
           <p:nvPr/>
         </p:nvSpPr>
         <p:spPr>
           <a:xfrm>
-            <a:off x="7712397" y="3533171"/>
-            <a:ext cx="708186" cy="285783"/>
+            <a:off x="2057401" y="4239491"/>
+            <a:ext cx="1066800" cy="346760"/>
           </a:xfrm>
           <a:prstGeom prst="rect">
             <a:avLst/>
@@ -4763,151 +4747,7 @@
                   <a:srgbClr val="7030A0"/>
                 </a:solidFill>
               </a:rPr>
-              <a:t>Address</a:t>
-            </a:r>
-            <a:endParaRPr lang="en-SG" sz="1050" dirty="0">
-              <a:solidFill>
-                <a:srgbClr val="7030A0"/>
-              </a:solidFill>
-            </a:endParaRPr>
-          </a:p>
-        </p:txBody>
-      </p:sp>
-      <p:cxnSp>
-        <p:nvCxnSpPr>
-          <p:cNvPr id="86" name="Elbow Connector 85"/>
-          <p:cNvCxnSpPr>
-            <a:stCxn id="78" idx="3"/>
-            <a:endCxn id="85" idx="1"/>
-          </p:cNvCxnSpPr>
-          <p:nvPr/>
-        </p:nvCxnSpPr>
-        <p:spPr>
-          <a:xfrm>
-            <a:off x="7277995" y="3034891"/>
-            <a:ext cx="434402" cy="641172"/>
-          </a:xfrm>
-          <a:prstGeom prst="bentConnector3">
-            <a:avLst/>
-          </a:prstGeom>
-          <a:ln w="19050">
-            <a:solidFill>
-              <a:srgbClr val="7030A0"/>
-            </a:solidFill>
-            <a:headEnd type="none" w="med" len="med"/>
-            <a:tailEnd type="arrow" w="med" len="med"/>
-          </a:ln>
-          <a:effectLst/>
-        </p:spPr>
-        <p:style>
-          <a:lnRef idx="1">
-            <a:schemeClr val="accent2"/>
-          </a:lnRef>
-          <a:fillRef idx="2">
-            <a:schemeClr val="accent2"/>
-          </a:fillRef>
-          <a:effectRef idx="1">
-            <a:schemeClr val="accent2"/>
-          </a:effectRef>
-          <a:fontRef idx="minor">
-            <a:schemeClr val="dk1"/>
-          </a:fontRef>
-        </p:style>
-      </p:cxnSp>
-      <p:sp>
-        <p:nvSpPr>
-          <p:cNvPr id="114" name="TextBox 113"/>
-          <p:cNvSpPr txBox="1"/>
-          <p:nvPr/>
-        </p:nvSpPr>
-        <p:spPr>
-          <a:xfrm rot="16200000">
-            <a:off x="6362886" y="3586305"/>
-            <a:ext cx="881018" cy="261610"/>
-          </a:xfrm>
-          <a:prstGeom prst="rect">
-            <a:avLst/>
-          </a:prstGeom>
-          <a:noFill/>
-        </p:spPr>
-        <p:txBody>
-          <a:bodyPr wrap="square" rtlCol="0">
-            <a:spAutoFit/>
-          </a:bodyPr>
-          <a:lstStyle/>
-          <a:p>
-            <a:pPr algn="r"/>
-            <a:r>
-              <a:rPr lang="en-US" sz="1100" dirty="0">
-                <a:solidFill>
-                  <a:srgbClr val="7030A0"/>
-                </a:solidFill>
-              </a:rPr>
-              <a:t>filtered list</a:t>
-            </a:r>
-            <a:endParaRPr lang="en-SG" sz="1100" dirty="0">
-              <a:solidFill>
-                <a:srgbClr val="7030A0"/>
-              </a:solidFill>
-            </a:endParaRPr>
-          </a:p>
-        </p:txBody>
-      </p:sp>
-      <p:sp>
-        <p:nvSpPr>
-          <p:cNvPr id="122" name="Rectangle 8"/>
-          <p:cNvSpPr/>
-          <p:nvPr/>
-        </p:nvSpPr>
-        <p:spPr>
-          <a:xfrm>
-            <a:off x="2057401" y="4239491"/>
-            <a:ext cx="1066800" cy="346760"/>
-          </a:xfrm>
-          <a:prstGeom prst="rect">
-            <a:avLst/>
-          </a:prstGeom>
-          <a:ln w="19050">
-            <a:solidFill>
-              <a:srgbClr val="7030A0"/>
-            </a:solidFill>
-          </a:ln>
-          <a:effectLst/>
-        </p:spPr>
-        <p:style>
-          <a:lnRef idx="1">
-            <a:schemeClr val="accent4"/>
-          </a:lnRef>
-          <a:fillRef idx="2">
-            <a:schemeClr val="accent4"/>
-          </a:fillRef>
-          <a:effectRef idx="1">
-            <a:schemeClr val="accent4"/>
-          </a:effectRef>
-          <a:fontRef idx="minor">
-            <a:schemeClr val="dk1"/>
-          </a:fontRef>
-        </p:style>
-        <p:txBody>
-          <a:bodyPr rtlCol="0" anchor="ctr"/>
-          <a:lstStyle/>
-          <a:p>
-            <a:pPr algn="ctr"/>
-            <a:r>
-              <a:rPr lang="en-US" sz="1050" dirty="0">
-                <a:solidFill>
-                  <a:srgbClr val="7030A0"/>
-                </a:solidFill>
-              </a:rPr>
               <a:t>&lt;&lt;interface&gt;&gt;</a:t>
-            </a:r>
-            <a:r>
-              <a:rPr lang="en-US" sz="1050">
-                <a:solidFill>
-                  <a:srgbClr val="7030A0"/>
-                </a:solidFill>
-              </a:rPr>
-              <a:t/>
             </a:r>
             <a:br>
               <a:rPr lang="en-US" sz="1050">
@@ -5829,7 +5669,7 @@
                   <a:srgbClr val="7030A0"/>
                 </a:solidFill>
               </a:rPr>
-              <a:t>ReadOnlyAddressBook</a:t>
+              <a:t>ReadOnlyErium</a:t>
             </a:r>
             <a:endParaRPr lang="en-SG" sz="1050" dirty="0">
               <a:solidFill>
@@ -5885,7 +5725,7 @@
                   <a:srgbClr val="7030A0"/>
                 </a:solidFill>
               </a:rPr>
-              <a:t>AddressBook</a:t>
+              <a:t>Erium</a:t>
             </a:r>
             <a:endParaRPr lang="en-SG" sz="1050" dirty="0">
               <a:solidFill>
@@ -5991,6 +5831,68 @@
           </a:fontRef>
         </p:style>
       </p:cxnSp>
+      <p:sp>
+        <p:nvSpPr>
+          <p:cNvPr id="57" name="Rectangle 8">
+            <a:extLst>
+              <a:ext uri="{FF2B5EF4-FFF2-40B4-BE49-F238E27FC236}">
+                <a16:creationId xmlns:a16="http://schemas.microsoft.com/office/drawing/2014/main" id="{742B3824-BECC-4105-83DD-C2DFFDA96931}"/>
+              </a:ext>
+            </a:extLst>
+          </p:cNvPr>
+          <p:cNvSpPr/>
+          <p:nvPr/>
+        </p:nvSpPr>
+        <p:spPr>
+          <a:xfrm>
+            <a:off x="7712397" y="3165968"/>
+            <a:ext cx="708186" cy="285783"/>
+          </a:xfrm>
+          <a:prstGeom prst="rect">
+            <a:avLst/>
+          </a:prstGeom>
+          <a:ln w="19050">
+            <a:solidFill>
+              <a:srgbClr val="7030A0"/>
+            </a:solidFill>
+          </a:ln>
+          <a:effectLst/>
+        </p:spPr>
+        <p:style>
+          <a:lnRef idx="1">
+            <a:schemeClr val="accent4"/>
+          </a:lnRef>
+          <a:fillRef idx="2">
+            <a:schemeClr val="accent4"/>
+          </a:fillRef>
+          <a:effectRef idx="1">
+            <a:schemeClr val="accent4"/>
+          </a:effectRef>
+          <a:fontRef idx="minor">
+            <a:schemeClr val="dk1"/>
+          </a:fontRef>
+        </p:style>
+        <p:txBody>
+          <a:bodyPr rtlCol="0" anchor="ctr"/>
+          <a:lstStyle/>
+          <a:p>
+            <a:pPr algn="ctr"/>
+            <a:r>
+              <a:rPr lang="en-US" sz="1050" dirty="0">
+                <a:solidFill>
+                  <a:srgbClr val="7030A0"/>
+                </a:solidFill>
+              </a:rPr>
+              <a:t>Group</a:t>
+            </a:r>
+            <a:endParaRPr lang="en-SG" sz="1050" dirty="0">
+              <a:solidFill>
+                <a:srgbClr val="7030A0"/>
+              </a:solidFill>
+            </a:endParaRPr>
+          </a:p>
+        </p:txBody>
+      </p:sp>
     </p:spTree>
     <p:extLst>
       <p:ext uri="{BB962C8B-B14F-4D97-AF65-F5344CB8AC3E}">

--- a/docs/diagrams/ModelComponentClassBetterOopDiagram.pptx
+++ b/docs/diagrams/ModelComponentClassBetterOopDiagram.pptx
@@ -208,7 +208,7 @@
           <a:p>
             <a:fld id="{F5CC4B3F-88C1-4FFA-B1B6-F41C21DC6924}" type="datetimeFigureOut">
               <a:rPr lang="en-US" smtClean="0"/>
-              <a:t>12/5/2018</a:t>
+              <a:t>4/10/2019</a:t>
             </a:fld>
             <a:endParaRPr lang="en-US"/>
           </a:p>
@@ -654,7 +654,7 @@
           <a:p>
             <a:fld id="{78C97017-6FC3-485B-9764-EAC9E56C1D49}" type="datetimeFigureOut">
               <a:rPr lang="en-US" smtClean="0"/>
-              <a:t>12/5/2018</a:t>
+              <a:t>4/10/2019</a:t>
             </a:fld>
             <a:endParaRPr lang="en-US"/>
           </a:p>
@@ -822,7 +822,7 @@
           <a:p>
             <a:fld id="{78C97017-6FC3-485B-9764-EAC9E56C1D49}" type="datetimeFigureOut">
               <a:rPr lang="en-US" smtClean="0"/>
-              <a:t>12/5/2018</a:t>
+              <a:t>4/10/2019</a:t>
             </a:fld>
             <a:endParaRPr lang="en-US"/>
           </a:p>
@@ -1000,7 +1000,7 @@
           <a:p>
             <a:fld id="{78C97017-6FC3-485B-9764-EAC9E56C1D49}" type="datetimeFigureOut">
               <a:rPr lang="en-US" smtClean="0"/>
-              <a:t>12/5/2018</a:t>
+              <a:t>4/10/2019</a:t>
             </a:fld>
             <a:endParaRPr lang="en-US"/>
           </a:p>
@@ -1168,7 +1168,7 @@
           <a:p>
             <a:fld id="{78C97017-6FC3-485B-9764-EAC9E56C1D49}" type="datetimeFigureOut">
               <a:rPr lang="en-US" smtClean="0"/>
-              <a:t>12/5/2018</a:t>
+              <a:t>4/10/2019</a:t>
             </a:fld>
             <a:endParaRPr lang="en-US"/>
           </a:p>
@@ -1413,7 +1413,7 @@
           <a:p>
             <a:fld id="{78C97017-6FC3-485B-9764-EAC9E56C1D49}" type="datetimeFigureOut">
               <a:rPr lang="en-US" smtClean="0"/>
-              <a:t>12/5/2018</a:t>
+              <a:t>4/10/2019</a:t>
             </a:fld>
             <a:endParaRPr lang="en-US"/>
           </a:p>
@@ -1698,7 +1698,7 @@
           <a:p>
             <a:fld id="{78C97017-6FC3-485B-9764-EAC9E56C1D49}" type="datetimeFigureOut">
               <a:rPr lang="en-US" smtClean="0"/>
-              <a:t>12/5/2018</a:t>
+              <a:t>4/10/2019</a:t>
             </a:fld>
             <a:endParaRPr lang="en-US"/>
           </a:p>
@@ -2117,7 +2117,7 @@
           <a:p>
             <a:fld id="{78C97017-6FC3-485B-9764-EAC9E56C1D49}" type="datetimeFigureOut">
               <a:rPr lang="en-US" smtClean="0"/>
-              <a:t>12/5/2018</a:t>
+              <a:t>4/10/2019</a:t>
             </a:fld>
             <a:endParaRPr lang="en-US"/>
           </a:p>
@@ -2234,7 +2234,7 @@
           <a:p>
             <a:fld id="{78C97017-6FC3-485B-9764-EAC9E56C1D49}" type="datetimeFigureOut">
               <a:rPr lang="en-US" smtClean="0"/>
-              <a:t>12/5/2018</a:t>
+              <a:t>4/10/2019</a:t>
             </a:fld>
             <a:endParaRPr lang="en-US"/>
           </a:p>
@@ -2329,7 +2329,7 @@
           <a:p>
             <a:fld id="{78C97017-6FC3-485B-9764-EAC9E56C1D49}" type="datetimeFigureOut">
               <a:rPr lang="en-US" smtClean="0"/>
-              <a:t>12/5/2018</a:t>
+              <a:t>4/10/2019</a:t>
             </a:fld>
             <a:endParaRPr lang="en-US"/>
           </a:p>
@@ -2604,7 +2604,7 @@
           <a:p>
             <a:fld id="{78C97017-6FC3-485B-9764-EAC9E56C1D49}" type="datetimeFigureOut">
               <a:rPr lang="en-US" smtClean="0"/>
-              <a:t>12/5/2018</a:t>
+              <a:t>4/10/2019</a:t>
             </a:fld>
             <a:endParaRPr lang="en-US"/>
           </a:p>
@@ -2856,7 +2856,7 @@
           <a:p>
             <a:fld id="{78C97017-6FC3-485B-9764-EAC9E56C1D49}" type="datetimeFigureOut">
               <a:rPr lang="en-US" smtClean="0"/>
-              <a:t>12/5/2018</a:t>
+              <a:t>4/10/2019</a:t>
             </a:fld>
             <a:endParaRPr lang="en-US"/>
           </a:p>
@@ -3067,7 +3067,7 @@
           <a:p>
             <a:fld id="{78C97017-6FC3-485B-9764-EAC9E56C1D49}" type="datetimeFigureOut">
               <a:rPr lang="en-US" smtClean="0"/>
-              <a:t>12/5/2018</a:t>
+              <a:t>4/10/2019</a:t>
             </a:fld>
             <a:endParaRPr lang="en-US"/>
           </a:p>
@@ -3442,1370 +3442,1197 @@
           <a:chExt cx="0" cy="0"/>
         </a:xfrm>
       </p:grpSpPr>
-      <p:sp>
-        <p:nvSpPr>
-          <p:cNvPr id="46" name="Rectangle 8"/>
-          <p:cNvSpPr/>
+      <p:grpSp>
+        <p:nvGrpSpPr>
+          <p:cNvPr id="3" name="Group 2">
+            <a:extLst>
+              <a:ext uri="{FF2B5EF4-FFF2-40B4-BE49-F238E27FC236}">
+                <a16:creationId xmlns:a16="http://schemas.microsoft.com/office/drawing/2014/main" id="{627C4768-7789-474A-ABDA-C9EE74DBF0AA}"/>
+              </a:ext>
+            </a:extLst>
+          </p:cNvPr>
+          <p:cNvGrpSpPr/>
           <p:nvPr/>
-        </p:nvSpPr>
-        <p:spPr>
+        </p:nvGrpSpPr>
+        <p:grpSpPr>
           <a:xfrm>
-            <a:off x="1754912" y="3324621"/>
-            <a:ext cx="1447688" cy="346760"/>
+            <a:off x="1600201" y="2549336"/>
+            <a:ext cx="6095565" cy="1436351"/>
+            <a:chOff x="1600201" y="2549336"/>
+            <a:chExt cx="6095565" cy="1436351"/>
           </a:xfrm>
-          <a:prstGeom prst="rect">
-            <a:avLst/>
-          </a:prstGeom>
-          <a:ln w="19050">
+        </p:grpSpPr>
+        <p:sp>
+          <p:nvSpPr>
+            <p:cNvPr id="46" name="Rectangle 8"/>
+            <p:cNvSpPr/>
+            <p:nvPr/>
+          </p:nvSpPr>
+          <p:spPr>
+            <a:xfrm>
+              <a:off x="1600201" y="3324621"/>
+              <a:ext cx="1602400" cy="346760"/>
+            </a:xfrm>
+            <a:prstGeom prst="rect">
+              <a:avLst/>
+            </a:prstGeom>
+            <a:ln w="19050">
+              <a:solidFill>
+                <a:srgbClr val="7030A0"/>
+              </a:solidFill>
+            </a:ln>
+            <a:effectLst/>
+          </p:spPr>
+          <p:style>
+            <a:lnRef idx="1">
+              <a:schemeClr val="accent4"/>
+            </a:lnRef>
+            <a:fillRef idx="2">
+              <a:schemeClr val="accent4"/>
+            </a:fillRef>
+            <a:effectRef idx="1">
+              <a:schemeClr val="accent4"/>
+            </a:effectRef>
+            <a:fontRef idx="minor">
+              <a:schemeClr val="dk1"/>
+            </a:fontRef>
+          </p:style>
+          <p:txBody>
+            <a:bodyPr rtlCol="0" anchor="ctr"/>
+            <a:lstStyle/>
+            <a:p>
+              <a:pPr algn="ctr"/>
+              <a:r>
+                <a:rPr lang="en-US" sz="1050" dirty="0" err="1">
+                  <a:solidFill>
+                    <a:srgbClr val="7030A0"/>
+                  </a:solidFill>
+                </a:rPr>
+                <a:t>VersionedExpenditureList</a:t>
+              </a:r>
+              <a:endParaRPr lang="en-SG" sz="1050" dirty="0">
+                <a:solidFill>
+                  <a:srgbClr val="7030A0"/>
+                </a:solidFill>
+              </a:endParaRPr>
+            </a:p>
+          </p:txBody>
+        </p:sp>
+        <p:sp>
+          <p:nvSpPr>
+            <p:cNvPr id="49" name="Rectangle 8"/>
+            <p:cNvSpPr/>
+            <p:nvPr/>
+          </p:nvSpPr>
+          <p:spPr>
+            <a:xfrm>
+              <a:off x="3730715" y="3353144"/>
+              <a:ext cx="1156969" cy="346760"/>
+            </a:xfrm>
+            <a:prstGeom prst="rect">
+              <a:avLst/>
+            </a:prstGeom>
+            <a:ln w="19050">
+              <a:solidFill>
+                <a:srgbClr val="7030A0"/>
+              </a:solidFill>
+            </a:ln>
+            <a:effectLst/>
+          </p:spPr>
+          <p:style>
+            <a:lnRef idx="1">
+              <a:schemeClr val="accent4"/>
+            </a:lnRef>
+            <a:fillRef idx="2">
+              <a:schemeClr val="accent4"/>
+            </a:fillRef>
+            <a:effectRef idx="1">
+              <a:schemeClr val="accent4"/>
+            </a:effectRef>
+            <a:fontRef idx="minor">
+              <a:schemeClr val="dk1"/>
+            </a:fontRef>
+          </p:style>
+          <p:txBody>
+            <a:bodyPr rtlCol="0" anchor="ctr"/>
+            <a:lstStyle/>
+            <a:p>
+              <a:pPr algn="ctr"/>
+              <a:r>
+                <a:rPr lang="en-US" sz="1050" dirty="0" err="1">
+                  <a:solidFill>
+                    <a:srgbClr val="7030A0"/>
+                  </a:solidFill>
+                </a:rPr>
+                <a:t>PurchaseList</a:t>
+              </a:r>
+              <a:endParaRPr lang="en-SG" sz="1050" dirty="0">
+                <a:solidFill>
+                  <a:srgbClr val="7030A0"/>
+                </a:solidFill>
+              </a:endParaRPr>
+            </a:p>
+          </p:txBody>
+        </p:sp>
+        <p:sp>
+          <p:nvSpPr>
+            <p:cNvPr id="51" name="Flowchart: Decision 96"/>
+            <p:cNvSpPr/>
+            <p:nvPr/>
+          </p:nvSpPr>
+          <p:spPr>
+            <a:xfrm>
+              <a:off x="3201752" y="3437911"/>
+              <a:ext cx="236048" cy="173380"/>
+            </a:xfrm>
+            <a:prstGeom prst="flowChartDecision">
+              <a:avLst/>
+            </a:prstGeom>
             <a:solidFill>
               <a:srgbClr val="7030A0"/>
             </a:solidFill>
-          </a:ln>
-          <a:effectLst/>
-        </p:spPr>
-        <p:style>
-          <a:lnRef idx="1">
-            <a:schemeClr val="accent4"/>
-          </a:lnRef>
-          <a:fillRef idx="2">
-            <a:schemeClr val="accent4"/>
-          </a:fillRef>
-          <a:effectRef idx="1">
-            <a:schemeClr val="accent4"/>
-          </a:effectRef>
-          <a:fontRef idx="minor">
-            <a:schemeClr val="dk1"/>
-          </a:fontRef>
-        </p:style>
-        <p:txBody>
-          <a:bodyPr rtlCol="0" anchor="ctr"/>
-          <a:lstStyle/>
-          <a:p>
-            <a:pPr algn="ctr"/>
-            <a:r>
-              <a:rPr lang="en-US" sz="1050" dirty="0" err="1">
+            <a:ln w="19050">
+              <a:solidFill>
+                <a:srgbClr val="7030A0"/>
+              </a:solidFill>
+            </a:ln>
+            <a:effectLst/>
+          </p:spPr>
+          <p:style>
+            <a:lnRef idx="1">
+              <a:schemeClr val="accent6"/>
+            </a:lnRef>
+            <a:fillRef idx="2">
+              <a:schemeClr val="accent6"/>
+            </a:fillRef>
+            <a:effectRef idx="1">
+              <a:schemeClr val="accent6"/>
+            </a:effectRef>
+            <a:fontRef idx="minor">
+              <a:schemeClr val="dk1"/>
+            </a:fontRef>
+          </p:style>
+          <p:txBody>
+            <a:bodyPr rtlCol="0" anchor="ctr"/>
+            <a:lstStyle/>
+            <a:p>
+              <a:pPr algn="ctr"/>
+              <a:endParaRPr lang="en-US" sz="1050"/>
+            </a:p>
+          </p:txBody>
+        </p:sp>
+        <p:cxnSp>
+          <p:nvCxnSpPr>
+            <p:cNvPr id="30" name="Elbow Connector 29"/>
+            <p:cNvCxnSpPr>
+              <a:stCxn id="51" idx="3"/>
+              <a:endCxn id="49" idx="1"/>
+            </p:cNvCxnSpPr>
+            <p:nvPr/>
+          </p:nvCxnSpPr>
+          <p:spPr>
+            <a:xfrm>
+              <a:off x="3437800" y="3524601"/>
+              <a:ext cx="292915" cy="1923"/>
+            </a:xfrm>
+            <a:prstGeom prst="bentConnector3">
+              <a:avLst/>
+            </a:prstGeom>
+            <a:ln w="19050">
+              <a:solidFill>
+                <a:srgbClr val="7030A0"/>
+              </a:solidFill>
+              <a:headEnd type="none" w="med" len="med"/>
+              <a:tailEnd type="arrow" w="med" len="med"/>
+            </a:ln>
+            <a:effectLst/>
+          </p:spPr>
+          <p:style>
+            <a:lnRef idx="1">
+              <a:schemeClr val="accent2"/>
+            </a:lnRef>
+            <a:fillRef idx="2">
+              <a:schemeClr val="accent2"/>
+            </a:fillRef>
+            <a:effectRef idx="1">
+              <a:schemeClr val="accent2"/>
+            </a:effectRef>
+            <a:fontRef idx="minor">
+              <a:schemeClr val="dk1"/>
+            </a:fontRef>
+          </p:style>
+        </p:cxnSp>
+        <p:sp>
+          <p:nvSpPr>
+            <p:cNvPr id="62" name="Rectangle 8"/>
+            <p:cNvSpPr/>
+            <p:nvPr/>
+          </p:nvSpPr>
+          <p:spPr>
+            <a:xfrm>
+              <a:off x="5282183" y="3347776"/>
+              <a:ext cx="708186" cy="346760"/>
+            </a:xfrm>
+            <a:prstGeom prst="rect">
+              <a:avLst/>
+            </a:prstGeom>
+            <a:ln w="19050">
+              <a:solidFill>
+                <a:srgbClr val="7030A0"/>
+              </a:solidFill>
+            </a:ln>
+            <a:effectLst/>
+          </p:spPr>
+          <p:style>
+            <a:lnRef idx="1">
+              <a:schemeClr val="accent4"/>
+            </a:lnRef>
+            <a:fillRef idx="2">
+              <a:schemeClr val="accent4"/>
+            </a:fillRef>
+            <a:effectRef idx="1">
+              <a:schemeClr val="accent4"/>
+            </a:effectRef>
+            <a:fontRef idx="minor">
+              <a:schemeClr val="dk1"/>
+            </a:fontRef>
+          </p:style>
+          <p:txBody>
+            <a:bodyPr rtlCol="0" anchor="ctr"/>
+            <a:lstStyle/>
+            <a:p>
+              <a:pPr algn="ctr"/>
+              <a:r>
+                <a:rPr lang="en-US" sz="1050" dirty="0">
+                  <a:solidFill>
+                    <a:srgbClr val="7030A0"/>
+                  </a:solidFill>
+                </a:rPr>
+                <a:t>Purchase</a:t>
+              </a:r>
+              <a:endParaRPr lang="en-SG" sz="1050" dirty="0">
                 <a:solidFill>
                   <a:srgbClr val="7030A0"/>
                 </a:solidFill>
-              </a:rPr>
-              <a:t>VersionedAddressBook</a:t>
-            </a:r>
-            <a:endParaRPr lang="en-SG" sz="1050" dirty="0">
+              </a:endParaRPr>
+            </a:p>
+          </p:txBody>
+        </p:sp>
+        <p:sp>
+          <p:nvSpPr>
+            <p:cNvPr id="63" name="Flowchart: Decision 96"/>
+            <p:cNvSpPr/>
+            <p:nvPr/>
+          </p:nvSpPr>
+          <p:spPr>
+            <a:xfrm>
+              <a:off x="4886966" y="3430775"/>
+              <a:ext cx="236048" cy="173380"/>
+            </a:xfrm>
+            <a:prstGeom prst="flowChartDecision">
+              <a:avLst/>
+            </a:prstGeom>
+            <a:noFill/>
+            <a:ln w="19050">
               <a:solidFill>
                 <a:srgbClr val="7030A0"/>
               </a:solidFill>
-            </a:endParaRPr>
-          </a:p>
-        </p:txBody>
-      </p:sp>
-      <p:sp>
-        <p:nvSpPr>
-          <p:cNvPr id="49" name="Rectangle 8"/>
-          <p:cNvSpPr/>
-          <p:nvPr/>
-        </p:nvSpPr>
-        <p:spPr>
-          <a:xfrm>
-            <a:off x="3730715" y="3353144"/>
-            <a:ext cx="1156969" cy="346760"/>
-          </a:xfrm>
-          <a:prstGeom prst="rect">
-            <a:avLst/>
-          </a:prstGeom>
-          <a:ln w="19050">
+            </a:ln>
+            <a:effectLst/>
+          </p:spPr>
+          <p:style>
+            <a:lnRef idx="1">
+              <a:schemeClr val="accent6"/>
+            </a:lnRef>
+            <a:fillRef idx="2">
+              <a:schemeClr val="accent6"/>
+            </a:fillRef>
+            <a:effectRef idx="1">
+              <a:schemeClr val="accent6"/>
+            </a:effectRef>
+            <a:fontRef idx="minor">
+              <a:schemeClr val="dk1"/>
+            </a:fontRef>
+          </p:style>
+          <p:txBody>
+            <a:bodyPr rtlCol="0" anchor="ctr"/>
+            <a:lstStyle/>
+            <a:p>
+              <a:pPr algn="ctr"/>
+              <a:endParaRPr lang="en-US" sz="1050"/>
+            </a:p>
+          </p:txBody>
+        </p:sp>
+        <p:cxnSp>
+          <p:nvCxnSpPr>
+            <p:cNvPr id="64" name="Elbow Connector 63"/>
+            <p:cNvCxnSpPr>
+              <a:cxnSpLocks/>
+              <a:stCxn id="63" idx="3"/>
+              <a:endCxn id="62" idx="1"/>
+            </p:cNvCxnSpPr>
+            <p:nvPr/>
+          </p:nvCxnSpPr>
+          <p:spPr>
+            <a:xfrm>
+              <a:off x="5123014" y="3517465"/>
+              <a:ext cx="159169" cy="3691"/>
+            </a:xfrm>
+            <a:prstGeom prst="bentConnector3">
+              <a:avLst/>
+            </a:prstGeom>
+            <a:ln w="19050">
+              <a:solidFill>
+                <a:srgbClr val="7030A0"/>
+              </a:solidFill>
+              <a:headEnd type="none" w="med" len="med"/>
+              <a:tailEnd type="arrow" w="med" len="med"/>
+            </a:ln>
+            <a:effectLst/>
+          </p:spPr>
+          <p:style>
+            <a:lnRef idx="1">
+              <a:schemeClr val="accent2"/>
+            </a:lnRef>
+            <a:fillRef idx="2">
+              <a:schemeClr val="accent2"/>
+            </a:fillRef>
+            <a:effectRef idx="1">
+              <a:schemeClr val="accent2"/>
+            </a:effectRef>
+            <a:fontRef idx="minor">
+              <a:schemeClr val="dk1"/>
+            </a:fontRef>
+          </p:style>
+        </p:cxnSp>
+        <p:sp>
+          <p:nvSpPr>
+            <p:cNvPr id="76" name="Rectangle 8"/>
+            <p:cNvSpPr/>
+            <p:nvPr/>
+          </p:nvSpPr>
+          <p:spPr>
+            <a:xfrm>
+              <a:off x="6680902" y="3053948"/>
+              <a:ext cx="1014864" cy="285783"/>
+            </a:xfrm>
+            <a:prstGeom prst="rect">
+              <a:avLst/>
+            </a:prstGeom>
+            <a:ln w="19050">
+              <a:solidFill>
+                <a:srgbClr val="7030A0"/>
+              </a:solidFill>
+            </a:ln>
+            <a:effectLst/>
+          </p:spPr>
+          <p:style>
+            <a:lnRef idx="1">
+              <a:schemeClr val="accent4"/>
+            </a:lnRef>
+            <a:fillRef idx="2">
+              <a:schemeClr val="accent4"/>
+            </a:fillRef>
+            <a:effectRef idx="1">
+              <a:schemeClr val="accent4"/>
+            </a:effectRef>
+            <a:fontRef idx="minor">
+              <a:schemeClr val="dk1"/>
+            </a:fontRef>
+          </p:style>
+          <p:txBody>
+            <a:bodyPr rtlCol="0" anchor="ctr"/>
+            <a:lstStyle/>
+            <a:p>
+              <a:pPr algn="ctr"/>
+              <a:r>
+                <a:rPr lang="en-US" sz="1050" dirty="0" err="1">
+                  <a:solidFill>
+                    <a:srgbClr val="7030A0"/>
+                  </a:solidFill>
+                </a:rPr>
+                <a:t>PurchaseName</a:t>
+              </a:r>
+              <a:endParaRPr lang="en-SG" sz="1050" dirty="0">
+                <a:solidFill>
+                  <a:srgbClr val="7030A0"/>
+                </a:solidFill>
+              </a:endParaRPr>
+            </a:p>
+          </p:txBody>
+        </p:sp>
+        <p:sp>
+          <p:nvSpPr>
+            <p:cNvPr id="78" name="Flowchart: Decision 96"/>
+            <p:cNvSpPr/>
+            <p:nvPr/>
+          </p:nvSpPr>
+          <p:spPr>
+            <a:xfrm>
+              <a:off x="6010453" y="3437911"/>
+              <a:ext cx="236048" cy="173380"/>
+            </a:xfrm>
+            <a:prstGeom prst="flowChartDecision">
+              <a:avLst/>
+            </a:prstGeom>
             <a:solidFill>
               <a:srgbClr val="7030A0"/>
             </a:solidFill>
-          </a:ln>
-          <a:effectLst/>
-        </p:spPr>
-        <p:style>
-          <a:lnRef idx="1">
-            <a:schemeClr val="accent4"/>
-          </a:lnRef>
-          <a:fillRef idx="2">
-            <a:schemeClr val="accent4"/>
-          </a:fillRef>
-          <a:effectRef idx="1">
-            <a:schemeClr val="accent4"/>
-          </a:effectRef>
-          <a:fontRef idx="minor">
-            <a:schemeClr val="dk1"/>
-          </a:fontRef>
-        </p:style>
-        <p:txBody>
-          <a:bodyPr rtlCol="0" anchor="ctr"/>
-          <a:lstStyle/>
-          <a:p>
-            <a:pPr algn="ctr"/>
-            <a:r>
-              <a:rPr lang="en-US" sz="1050" dirty="0" err="1">
+            <a:ln w="19050">
+              <a:solidFill>
+                <a:srgbClr val="7030A0"/>
+              </a:solidFill>
+            </a:ln>
+            <a:effectLst/>
+          </p:spPr>
+          <p:style>
+            <a:lnRef idx="1">
+              <a:schemeClr val="accent6"/>
+            </a:lnRef>
+            <a:fillRef idx="2">
+              <a:schemeClr val="accent6"/>
+            </a:fillRef>
+            <a:effectRef idx="1">
+              <a:schemeClr val="accent6"/>
+            </a:effectRef>
+            <a:fontRef idx="minor">
+              <a:schemeClr val="dk1"/>
+            </a:fontRef>
+          </p:style>
+          <p:txBody>
+            <a:bodyPr rtlCol="0" anchor="ctr"/>
+            <a:lstStyle/>
+            <a:p>
+              <a:pPr algn="ctr"/>
+              <a:endParaRPr lang="en-US" sz="1050"/>
+            </a:p>
+          </p:txBody>
+        </p:sp>
+        <p:cxnSp>
+          <p:nvCxnSpPr>
+            <p:cNvPr id="79" name="Elbow Connector 78"/>
+            <p:cNvCxnSpPr>
+              <a:cxnSpLocks/>
+            </p:cNvCxnSpPr>
+            <p:nvPr/>
+          </p:nvCxnSpPr>
+          <p:spPr>
+            <a:xfrm flipV="1">
+              <a:off x="6246501" y="3196531"/>
+              <a:ext cx="434402" cy="327761"/>
+            </a:xfrm>
+            <a:prstGeom prst="bentConnector3">
+              <a:avLst/>
+            </a:prstGeom>
+            <a:ln w="19050">
+              <a:solidFill>
+                <a:srgbClr val="7030A0"/>
+              </a:solidFill>
+              <a:headEnd type="none" w="med" len="med"/>
+              <a:tailEnd type="arrow" w="med" len="med"/>
+            </a:ln>
+            <a:effectLst/>
+          </p:spPr>
+          <p:style>
+            <a:lnRef idx="1">
+              <a:schemeClr val="accent2"/>
+            </a:lnRef>
+            <a:fillRef idx="2">
+              <a:schemeClr val="accent2"/>
+            </a:fillRef>
+            <a:effectRef idx="1">
+              <a:schemeClr val="accent2"/>
+            </a:effectRef>
+            <a:fontRef idx="minor">
+              <a:schemeClr val="dk1"/>
+            </a:fontRef>
+          </p:style>
+        </p:cxnSp>
+        <p:sp>
+          <p:nvSpPr>
+            <p:cNvPr id="83" name="Rectangle 8"/>
+            <p:cNvSpPr/>
+            <p:nvPr/>
+          </p:nvSpPr>
+          <p:spPr>
+            <a:xfrm>
+              <a:off x="6680903" y="3699904"/>
+              <a:ext cx="1014862" cy="285783"/>
+            </a:xfrm>
+            <a:prstGeom prst="rect">
+              <a:avLst/>
+            </a:prstGeom>
+            <a:ln w="19050">
+              <a:solidFill>
+                <a:srgbClr val="7030A0"/>
+              </a:solidFill>
+            </a:ln>
+            <a:effectLst/>
+          </p:spPr>
+          <p:style>
+            <a:lnRef idx="1">
+              <a:schemeClr val="accent4"/>
+            </a:lnRef>
+            <a:fillRef idx="2">
+              <a:schemeClr val="accent4"/>
+            </a:fillRef>
+            <a:effectRef idx="1">
+              <a:schemeClr val="accent4"/>
+            </a:effectRef>
+            <a:fontRef idx="minor">
+              <a:schemeClr val="dk1"/>
+            </a:fontRef>
+          </p:style>
+          <p:txBody>
+            <a:bodyPr rtlCol="0" anchor="ctr"/>
+            <a:lstStyle/>
+            <a:p>
+              <a:pPr algn="ctr"/>
+              <a:r>
+                <a:rPr lang="en-US" sz="1050" dirty="0">
+                  <a:solidFill>
+                    <a:srgbClr val="7030A0"/>
+                  </a:solidFill>
+                </a:rPr>
+                <a:t>Price</a:t>
+              </a:r>
+              <a:endParaRPr lang="en-SG" sz="1050" dirty="0">
                 <a:solidFill>
                   <a:srgbClr val="7030A0"/>
                 </a:solidFill>
-              </a:rPr>
-              <a:t>UniquePersonList</a:t>
-            </a:r>
-            <a:endParaRPr lang="en-SG" sz="1050" dirty="0">
+              </a:endParaRPr>
+            </a:p>
+          </p:txBody>
+        </p:sp>
+        <p:cxnSp>
+          <p:nvCxnSpPr>
+            <p:cNvPr id="84" name="Elbow Connector 83"/>
+            <p:cNvCxnSpPr>
+              <a:cxnSpLocks/>
+              <a:stCxn id="78" idx="3"/>
+              <a:endCxn id="83" idx="1"/>
+            </p:cNvCxnSpPr>
+            <p:nvPr/>
+          </p:nvCxnSpPr>
+          <p:spPr>
+            <a:xfrm>
+              <a:off x="6246501" y="3524601"/>
+              <a:ext cx="434402" cy="318195"/>
+            </a:xfrm>
+            <a:prstGeom prst="bentConnector3">
+              <a:avLst/>
+            </a:prstGeom>
+            <a:ln w="19050">
               <a:solidFill>
                 <a:srgbClr val="7030A0"/>
               </a:solidFill>
-            </a:endParaRPr>
-          </a:p>
-        </p:txBody>
-      </p:sp>
-      <p:sp>
-        <p:nvSpPr>
-          <p:cNvPr id="51" name="Flowchart: Decision 96"/>
-          <p:cNvSpPr/>
-          <p:nvPr/>
-        </p:nvSpPr>
-        <p:spPr>
-          <a:xfrm>
-            <a:off x="3201752" y="3437911"/>
-            <a:ext cx="236048" cy="173380"/>
-          </a:xfrm>
-          <a:prstGeom prst="flowChartDecision">
-            <a:avLst/>
-          </a:prstGeom>
-          <a:solidFill>
-            <a:srgbClr val="7030A0"/>
-          </a:solidFill>
-          <a:ln w="19050">
+              <a:headEnd type="none" w="med" len="med"/>
+              <a:tailEnd type="arrow" w="med" len="med"/>
+            </a:ln>
+            <a:effectLst/>
+          </p:spPr>
+          <p:style>
+            <a:lnRef idx="1">
+              <a:schemeClr val="accent2"/>
+            </a:lnRef>
+            <a:fillRef idx="2">
+              <a:schemeClr val="accent2"/>
+            </a:fillRef>
+            <a:effectRef idx="1">
+              <a:schemeClr val="accent2"/>
+            </a:effectRef>
+            <a:fontRef idx="minor">
+              <a:schemeClr val="dk1"/>
+            </a:fontRef>
+          </p:style>
+        </p:cxnSp>
+        <p:sp>
+          <p:nvSpPr>
+            <p:cNvPr id="54" name="TextBox 53"/>
+            <p:cNvSpPr txBox="1"/>
+            <p:nvPr/>
+          </p:nvSpPr>
+          <p:spPr>
+            <a:xfrm>
+              <a:off x="3293478" y="3548574"/>
+              <a:ext cx="189257" cy="178683"/>
+            </a:xfrm>
+            <a:prstGeom prst="rect">
+              <a:avLst/>
+            </a:prstGeom>
+            <a:noFill/>
+          </p:spPr>
+          <p:txBody>
+            <a:bodyPr wrap="square" lIns="0" tIns="0" rIns="0" bIns="0" rtlCol="0">
+              <a:noAutofit/>
+            </a:bodyPr>
+            <a:lstStyle/>
+            <a:p>
+              <a:pPr algn="ctr"/>
+              <a:r>
+                <a:rPr lang="en-US" sz="1100" dirty="0">
+                  <a:solidFill>
+                    <a:srgbClr val="7030A0"/>
+                  </a:solidFill>
+                </a:rPr>
+                <a:t>1</a:t>
+              </a:r>
+              <a:endParaRPr lang="en-SG" sz="1100" dirty="0">
+                <a:solidFill>
+                  <a:srgbClr val="7030A0"/>
+                </a:solidFill>
+              </a:endParaRPr>
+            </a:p>
+          </p:txBody>
+        </p:sp>
+        <p:sp>
+          <p:nvSpPr>
+            <p:cNvPr id="61" name="TextBox 60"/>
+            <p:cNvSpPr txBox="1"/>
+            <p:nvPr/>
+          </p:nvSpPr>
+          <p:spPr>
+            <a:xfrm>
+              <a:off x="5103762" y="3587627"/>
+              <a:ext cx="189257" cy="178683"/>
+            </a:xfrm>
+            <a:prstGeom prst="rect">
+              <a:avLst/>
+            </a:prstGeom>
+            <a:noFill/>
+          </p:spPr>
+          <p:txBody>
+            <a:bodyPr wrap="square" lIns="0" tIns="0" rIns="0" bIns="0" rtlCol="0">
+              <a:noAutofit/>
+            </a:bodyPr>
+            <a:lstStyle/>
+            <a:p>
+              <a:pPr algn="ctr"/>
+              <a:r>
+                <a:rPr lang="en-US" sz="1100" dirty="0">
+                  <a:solidFill>
+                    <a:srgbClr val="7030A0"/>
+                  </a:solidFill>
+                </a:rPr>
+                <a:t>*</a:t>
+              </a:r>
+              <a:endParaRPr lang="en-SG" sz="1100" dirty="0">
+                <a:solidFill>
+                  <a:srgbClr val="7030A0"/>
+                </a:solidFill>
+              </a:endParaRPr>
+            </a:p>
+          </p:txBody>
+        </p:sp>
+        <p:sp>
+          <p:nvSpPr>
+            <p:cNvPr id="52" name="Rectangle 8">
+              <a:extLst>
+                <a:ext uri="{FF2B5EF4-FFF2-40B4-BE49-F238E27FC236}">
+                  <a16:creationId xmlns:a16="http://schemas.microsoft.com/office/drawing/2014/main" id="{ABDCDBD2-131A-4B66-A2F2-43BBEE82C773}"/>
+                </a:ext>
+              </a:extLst>
+            </p:cNvPr>
+            <p:cNvSpPr/>
+            <p:nvPr/>
+          </p:nvSpPr>
+          <p:spPr>
+            <a:xfrm>
+              <a:off x="3724378" y="2696571"/>
+              <a:ext cx="1156969" cy="285783"/>
+            </a:xfrm>
+            <a:prstGeom prst="rect">
+              <a:avLst/>
+            </a:prstGeom>
+            <a:ln w="19050">
+              <a:solidFill>
+                <a:srgbClr val="7030A0"/>
+              </a:solidFill>
+            </a:ln>
+            <a:effectLst/>
+          </p:spPr>
+          <p:style>
+            <a:lnRef idx="1">
+              <a:schemeClr val="accent4"/>
+            </a:lnRef>
+            <a:fillRef idx="2">
+              <a:schemeClr val="accent4"/>
+            </a:fillRef>
+            <a:effectRef idx="1">
+              <a:schemeClr val="accent4"/>
+            </a:effectRef>
+            <a:fontRef idx="minor">
+              <a:schemeClr val="dk1"/>
+            </a:fontRef>
+          </p:style>
+          <p:txBody>
+            <a:bodyPr rtlCol="0" anchor="ctr"/>
+            <a:lstStyle/>
+            <a:p>
+              <a:pPr algn="ctr"/>
+              <a:r>
+                <a:rPr lang="en-US" sz="1050" dirty="0" err="1">
+                  <a:solidFill>
+                    <a:srgbClr val="7030A0"/>
+                  </a:solidFill>
+                </a:rPr>
+                <a:t>UniqueTagList</a:t>
+              </a:r>
+              <a:endParaRPr lang="en-SG" sz="1050" dirty="0">
+                <a:solidFill>
+                  <a:srgbClr val="7030A0"/>
+                </a:solidFill>
+              </a:endParaRPr>
+            </a:p>
+          </p:txBody>
+        </p:sp>
+        <p:cxnSp>
+          <p:nvCxnSpPr>
+            <p:cNvPr id="53" name="Elbow Connector 78">
+              <a:extLst>
+                <a:ext uri="{FF2B5EF4-FFF2-40B4-BE49-F238E27FC236}">
+                  <a16:creationId xmlns:a16="http://schemas.microsoft.com/office/drawing/2014/main" id="{B97967F8-618A-448B-81FD-CDFD4AF0EC64}"/>
+                </a:ext>
+              </a:extLst>
+            </p:cNvPr>
+            <p:cNvCxnSpPr>
+              <a:cxnSpLocks/>
+              <a:stCxn id="54" idx="0"/>
+              <a:endCxn id="52" idx="1"/>
+            </p:cNvCxnSpPr>
+            <p:nvPr/>
+          </p:nvCxnSpPr>
+          <p:spPr>
+            <a:xfrm rot="5400000" flipH="1" flipV="1">
+              <a:off x="3201687" y="3025884"/>
+              <a:ext cx="709111" cy="336271"/>
+            </a:xfrm>
+            <a:prstGeom prst="bentConnector2">
+              <a:avLst/>
+            </a:prstGeom>
+            <a:ln w="19050">
+              <a:solidFill>
+                <a:srgbClr val="7030A0"/>
+              </a:solidFill>
+              <a:headEnd type="none" w="med" len="med"/>
+              <a:tailEnd type="arrow" w="med" len="med"/>
+            </a:ln>
+            <a:effectLst/>
+          </p:spPr>
+          <p:style>
+            <a:lnRef idx="1">
+              <a:schemeClr val="accent2"/>
+            </a:lnRef>
+            <a:fillRef idx="2">
+              <a:schemeClr val="accent2"/>
+            </a:fillRef>
+            <a:effectRef idx="1">
+              <a:schemeClr val="accent2"/>
+            </a:effectRef>
+            <a:fontRef idx="minor">
+              <a:schemeClr val="dk1"/>
+            </a:fontRef>
+          </p:style>
+        </p:cxnSp>
+        <p:sp>
+          <p:nvSpPr>
+            <p:cNvPr id="50" name="TextBox 49">
+              <a:extLst>
+                <a:ext uri="{FF2B5EF4-FFF2-40B4-BE49-F238E27FC236}">
+                  <a16:creationId xmlns:a16="http://schemas.microsoft.com/office/drawing/2014/main" id="{B3FA9D57-880F-49C4-AD0B-A64E30D6F403}"/>
+                </a:ext>
+              </a:extLst>
+            </p:cNvPr>
+            <p:cNvSpPr txBox="1"/>
+            <p:nvPr/>
+          </p:nvSpPr>
+          <p:spPr>
+            <a:xfrm>
+              <a:off x="5682850" y="2920431"/>
+              <a:ext cx="189257" cy="178683"/>
+            </a:xfrm>
+            <a:prstGeom prst="rect">
+              <a:avLst/>
+            </a:prstGeom>
+            <a:noFill/>
+          </p:spPr>
+          <p:txBody>
+            <a:bodyPr wrap="square" lIns="0" tIns="0" rIns="0" bIns="0" rtlCol="0">
+              <a:noAutofit/>
+            </a:bodyPr>
+            <a:lstStyle/>
+            <a:p>
+              <a:pPr algn="ctr"/>
+              <a:r>
+                <a:rPr lang="en-US" sz="1100" dirty="0">
+                  <a:solidFill>
+                    <a:srgbClr val="7030A0"/>
+                  </a:solidFill>
+                </a:rPr>
+                <a:t>*</a:t>
+              </a:r>
+              <a:endParaRPr lang="en-SG" sz="1100" dirty="0">
+                <a:solidFill>
+                  <a:srgbClr val="7030A0"/>
+                </a:solidFill>
+              </a:endParaRPr>
+            </a:p>
+          </p:txBody>
+        </p:sp>
+        <p:sp>
+          <p:nvSpPr>
+            <p:cNvPr id="55" name="Flowchart: Decision 96">
+              <a:extLst>
+                <a:ext uri="{FF2B5EF4-FFF2-40B4-BE49-F238E27FC236}">
+                  <a16:creationId xmlns:a16="http://schemas.microsoft.com/office/drawing/2014/main" id="{B9F96195-942D-4692-91B7-CF34229E7461}"/>
+                </a:ext>
+              </a:extLst>
+            </p:cNvPr>
+            <p:cNvSpPr/>
+            <p:nvPr/>
+          </p:nvSpPr>
+          <p:spPr>
+            <a:xfrm rot="16200000">
+              <a:off x="5521988" y="3154431"/>
+              <a:ext cx="236048" cy="173380"/>
+            </a:xfrm>
+            <a:prstGeom prst="flowChartDecision">
+              <a:avLst/>
+            </a:prstGeom>
+            <a:noFill/>
+            <a:ln w="19050">
+              <a:solidFill>
+                <a:srgbClr val="7030A0"/>
+              </a:solidFill>
+            </a:ln>
+            <a:effectLst/>
+          </p:spPr>
+          <p:style>
+            <a:lnRef idx="1">
+              <a:schemeClr val="accent6"/>
+            </a:lnRef>
+            <a:fillRef idx="2">
+              <a:schemeClr val="accent6"/>
+            </a:fillRef>
+            <a:effectRef idx="1">
+              <a:schemeClr val="accent6"/>
+            </a:effectRef>
+            <a:fontRef idx="minor">
+              <a:schemeClr val="dk1"/>
+            </a:fontRef>
+          </p:style>
+          <p:txBody>
+            <a:bodyPr rtlCol="0" anchor="ctr"/>
+            <a:lstStyle/>
+            <a:p>
+              <a:pPr algn="ctr"/>
+              <a:endParaRPr lang="en-US" sz="1050"/>
+            </a:p>
+          </p:txBody>
+        </p:sp>
+        <p:cxnSp>
+          <p:nvCxnSpPr>
+            <p:cNvPr id="59" name="Elbow Connector 63">
+              <a:extLst>
+                <a:ext uri="{FF2B5EF4-FFF2-40B4-BE49-F238E27FC236}">
+                  <a16:creationId xmlns:a16="http://schemas.microsoft.com/office/drawing/2014/main" id="{E2D6A56C-A223-4236-A1F0-7EFEBA2FC940}"/>
+                </a:ext>
+              </a:extLst>
+            </p:cNvPr>
+            <p:cNvCxnSpPr>
+              <a:cxnSpLocks/>
+              <a:endCxn id="67" idx="1"/>
+            </p:cNvCxnSpPr>
+            <p:nvPr/>
+          </p:nvCxnSpPr>
+          <p:spPr>
+            <a:xfrm flipV="1">
+              <a:off x="4852786" y="2722716"/>
+              <a:ext cx="432916" cy="111294"/>
+            </a:xfrm>
+            <a:prstGeom prst="bentConnector3">
+              <a:avLst/>
+            </a:prstGeom>
+            <a:ln w="19050">
+              <a:solidFill>
+                <a:srgbClr val="7030A0"/>
+              </a:solidFill>
+              <a:headEnd type="none" w="med" len="med"/>
+              <a:tailEnd type="arrow" w="med" len="med"/>
+            </a:ln>
+            <a:effectLst/>
+          </p:spPr>
+          <p:style>
+            <a:lnRef idx="1">
+              <a:schemeClr val="accent2"/>
+            </a:lnRef>
+            <a:fillRef idx="2">
+              <a:schemeClr val="accent2"/>
+            </a:fillRef>
+            <a:effectRef idx="1">
+              <a:schemeClr val="accent2"/>
+            </a:effectRef>
+            <a:fontRef idx="minor">
+              <a:schemeClr val="dk1"/>
+            </a:fontRef>
+          </p:style>
+        </p:cxnSp>
+        <p:sp>
+          <p:nvSpPr>
+            <p:cNvPr id="67" name="Rectangle 8">
+              <a:extLst>
+                <a:ext uri="{FF2B5EF4-FFF2-40B4-BE49-F238E27FC236}">
+                  <a16:creationId xmlns:a16="http://schemas.microsoft.com/office/drawing/2014/main" id="{36D68104-33BB-4C8F-B764-F3F0B25E592B}"/>
+                </a:ext>
+              </a:extLst>
+            </p:cNvPr>
+            <p:cNvSpPr/>
+            <p:nvPr/>
+          </p:nvSpPr>
+          <p:spPr>
+            <a:xfrm>
+              <a:off x="5285702" y="2549336"/>
+              <a:ext cx="708186" cy="346760"/>
+            </a:xfrm>
+            <a:prstGeom prst="rect">
+              <a:avLst/>
+            </a:prstGeom>
+            <a:ln w="19050">
+              <a:solidFill>
+                <a:srgbClr val="7030A0"/>
+              </a:solidFill>
+            </a:ln>
+            <a:effectLst/>
+          </p:spPr>
+          <p:style>
+            <a:lnRef idx="1">
+              <a:schemeClr val="accent4"/>
+            </a:lnRef>
+            <a:fillRef idx="2">
+              <a:schemeClr val="accent4"/>
+            </a:fillRef>
+            <a:effectRef idx="1">
+              <a:schemeClr val="accent4"/>
+            </a:effectRef>
+            <a:fontRef idx="minor">
+              <a:schemeClr val="dk1"/>
+            </a:fontRef>
+          </p:style>
+          <p:txBody>
+            <a:bodyPr rtlCol="0" anchor="ctr"/>
+            <a:lstStyle/>
+            <a:p>
+              <a:pPr algn="ctr"/>
+              <a:r>
+                <a:rPr lang="en-US" sz="1050" dirty="0">
+                  <a:solidFill>
+                    <a:srgbClr val="7030A0"/>
+                  </a:solidFill>
+                </a:rPr>
+                <a:t>Tag</a:t>
+              </a:r>
+              <a:endParaRPr lang="en-SG" sz="1050" dirty="0">
+                <a:solidFill>
+                  <a:srgbClr val="7030A0"/>
+                </a:solidFill>
+              </a:endParaRPr>
+            </a:p>
+          </p:txBody>
+        </p:sp>
+        <p:sp>
+          <p:nvSpPr>
+            <p:cNvPr id="68" name="TextBox 67">
+              <a:extLst>
+                <a:ext uri="{FF2B5EF4-FFF2-40B4-BE49-F238E27FC236}">
+                  <a16:creationId xmlns:a16="http://schemas.microsoft.com/office/drawing/2014/main" id="{18A2ABF0-4DA8-43EE-BACE-A737C4E4CFEC}"/>
+                </a:ext>
+              </a:extLst>
+            </p:cNvPr>
+            <p:cNvSpPr txBox="1"/>
+            <p:nvPr/>
+          </p:nvSpPr>
+          <p:spPr>
+            <a:xfrm>
+              <a:off x="5103762" y="2767724"/>
+              <a:ext cx="189257" cy="178683"/>
+            </a:xfrm>
+            <a:prstGeom prst="rect">
+              <a:avLst/>
+            </a:prstGeom>
+            <a:noFill/>
+          </p:spPr>
+          <p:txBody>
+            <a:bodyPr wrap="square" lIns="0" tIns="0" rIns="0" bIns="0" rtlCol="0">
+              <a:noAutofit/>
+            </a:bodyPr>
+            <a:lstStyle/>
+            <a:p>
+              <a:pPr algn="ctr"/>
+              <a:r>
+                <a:rPr lang="en-US" sz="1100" dirty="0">
+                  <a:solidFill>
+                    <a:srgbClr val="7030A0"/>
+                  </a:solidFill>
+                </a:rPr>
+                <a:t>*</a:t>
+              </a:r>
+              <a:endParaRPr lang="en-SG" sz="1100" dirty="0">
+                <a:solidFill>
+                  <a:srgbClr val="7030A0"/>
+                </a:solidFill>
+              </a:endParaRPr>
+            </a:p>
+          </p:txBody>
+        </p:sp>
+        <p:sp>
+          <p:nvSpPr>
+            <p:cNvPr id="69" name="TextBox 68">
+              <a:extLst>
+                <a:ext uri="{FF2B5EF4-FFF2-40B4-BE49-F238E27FC236}">
+                  <a16:creationId xmlns:a16="http://schemas.microsoft.com/office/drawing/2014/main" id="{8CF9406A-39C7-4163-8880-BB65541FC08E}"/>
+                </a:ext>
+              </a:extLst>
+            </p:cNvPr>
+            <p:cNvSpPr txBox="1"/>
+            <p:nvPr/>
+          </p:nvSpPr>
+          <p:spPr>
+            <a:xfrm>
+              <a:off x="3335606" y="2662682"/>
+              <a:ext cx="189257" cy="178683"/>
+            </a:xfrm>
+            <a:prstGeom prst="rect">
+              <a:avLst/>
+            </a:prstGeom>
+            <a:noFill/>
+          </p:spPr>
+          <p:txBody>
+            <a:bodyPr wrap="square" lIns="0" tIns="0" rIns="0" bIns="0" rtlCol="0">
+              <a:noAutofit/>
+            </a:bodyPr>
+            <a:lstStyle/>
+            <a:p>
+              <a:pPr algn="ctr"/>
+              <a:r>
+                <a:rPr lang="en-US" sz="1100" dirty="0">
+                  <a:solidFill>
+                    <a:srgbClr val="7030A0"/>
+                  </a:solidFill>
+                </a:rPr>
+                <a:t>1</a:t>
+              </a:r>
+              <a:endParaRPr lang="en-SG" sz="1100" dirty="0">
+                <a:solidFill>
+                  <a:srgbClr val="7030A0"/>
+                </a:solidFill>
+              </a:endParaRPr>
+            </a:p>
+          </p:txBody>
+        </p:sp>
+        <p:sp>
+          <p:nvSpPr>
+            <p:cNvPr id="71" name="Flowchart: Decision 96">
+              <a:extLst>
+                <a:ext uri="{FF2B5EF4-FFF2-40B4-BE49-F238E27FC236}">
+                  <a16:creationId xmlns:a16="http://schemas.microsoft.com/office/drawing/2014/main" id="{233007D4-EEA2-4CA6-ACFE-1517B654224E}"/>
+                </a:ext>
+              </a:extLst>
+            </p:cNvPr>
+            <p:cNvSpPr/>
+            <p:nvPr/>
+          </p:nvSpPr>
+          <p:spPr>
+            <a:xfrm>
+              <a:off x="4879835" y="2751791"/>
+              <a:ext cx="236048" cy="173380"/>
+            </a:xfrm>
+            <a:prstGeom prst="flowChartDecision">
+              <a:avLst/>
+            </a:prstGeom>
             <a:solidFill>
               <a:srgbClr val="7030A0"/>
             </a:solidFill>
-          </a:ln>
-          <a:effectLst/>
-        </p:spPr>
-        <p:style>
-          <a:lnRef idx="1">
-            <a:schemeClr val="accent6"/>
-          </a:lnRef>
-          <a:fillRef idx="2">
-            <a:schemeClr val="accent6"/>
-          </a:fillRef>
-          <a:effectRef idx="1">
-            <a:schemeClr val="accent6"/>
-          </a:effectRef>
-          <a:fontRef idx="minor">
-            <a:schemeClr val="dk1"/>
-          </a:fontRef>
-        </p:style>
-        <p:txBody>
-          <a:bodyPr rtlCol="0" anchor="ctr"/>
-          <a:lstStyle/>
-          <a:p>
-            <a:pPr algn="ctr"/>
-            <a:endParaRPr lang="en-US" sz="1050"/>
-          </a:p>
-        </p:txBody>
-      </p:sp>
-      <p:cxnSp>
-        <p:nvCxnSpPr>
-          <p:cNvPr id="30" name="Elbow Connector 29"/>
-          <p:cNvCxnSpPr>
-            <a:stCxn id="51" idx="3"/>
-            <a:endCxn id="49" idx="1"/>
-          </p:cNvCxnSpPr>
-          <p:nvPr/>
-        </p:nvCxnSpPr>
-        <p:spPr>
-          <a:xfrm>
-            <a:off x="3437800" y="3524601"/>
-            <a:ext cx="292915" cy="1923"/>
-          </a:xfrm>
-          <a:prstGeom prst="bentConnector3">
-            <a:avLst/>
-          </a:prstGeom>
-          <a:ln w="19050">
-            <a:solidFill>
-              <a:srgbClr val="7030A0"/>
-            </a:solidFill>
-            <a:headEnd type="none" w="med" len="med"/>
-            <a:tailEnd type="arrow" w="med" len="med"/>
-          </a:ln>
-          <a:effectLst/>
-        </p:spPr>
-        <p:style>
-          <a:lnRef idx="1">
-            <a:schemeClr val="accent2"/>
-          </a:lnRef>
-          <a:fillRef idx="2">
-            <a:schemeClr val="accent2"/>
-          </a:fillRef>
-          <a:effectRef idx="1">
-            <a:schemeClr val="accent2"/>
-          </a:effectRef>
-          <a:fontRef idx="minor">
-            <a:schemeClr val="dk1"/>
-          </a:fontRef>
-        </p:style>
-      </p:cxnSp>
-      <p:sp>
-        <p:nvSpPr>
-          <p:cNvPr id="62" name="Rectangle 8"/>
-          <p:cNvSpPr/>
-          <p:nvPr/>
-        </p:nvSpPr>
-        <p:spPr>
-          <a:xfrm>
-            <a:off x="5282183" y="3347776"/>
-            <a:ext cx="708186" cy="346760"/>
-          </a:xfrm>
-          <a:prstGeom prst="rect">
-            <a:avLst/>
-          </a:prstGeom>
-          <a:ln w="19050">
-            <a:solidFill>
-              <a:srgbClr val="7030A0"/>
-            </a:solidFill>
-          </a:ln>
-          <a:effectLst/>
-        </p:spPr>
-        <p:style>
-          <a:lnRef idx="1">
-            <a:schemeClr val="accent4"/>
-          </a:lnRef>
-          <a:fillRef idx="2">
-            <a:schemeClr val="accent4"/>
-          </a:fillRef>
-          <a:effectRef idx="1">
-            <a:schemeClr val="accent4"/>
-          </a:effectRef>
-          <a:fontRef idx="minor">
-            <a:schemeClr val="dk1"/>
-          </a:fontRef>
-        </p:style>
-        <p:txBody>
-          <a:bodyPr rtlCol="0" anchor="ctr"/>
-          <a:lstStyle/>
-          <a:p>
-            <a:pPr algn="ctr"/>
-            <a:r>
-              <a:rPr lang="en-US" sz="1050" dirty="0">
-                <a:solidFill>
-                  <a:srgbClr val="7030A0"/>
-                </a:solidFill>
-              </a:rPr>
-              <a:t>Person</a:t>
-            </a:r>
-            <a:endParaRPr lang="en-SG" sz="1050" dirty="0">
+            <a:ln w="19050">
               <a:solidFill>
                 <a:srgbClr val="7030A0"/>
               </a:solidFill>
-            </a:endParaRPr>
-          </a:p>
-        </p:txBody>
-      </p:sp>
-      <p:sp>
-        <p:nvSpPr>
-          <p:cNvPr id="63" name="Flowchart: Decision 96"/>
-          <p:cNvSpPr/>
-          <p:nvPr/>
-        </p:nvSpPr>
-        <p:spPr>
-          <a:xfrm>
-            <a:off x="4886966" y="3430775"/>
-            <a:ext cx="236048" cy="173380"/>
-          </a:xfrm>
-          <a:prstGeom prst="flowChartDecision">
-            <a:avLst/>
-          </a:prstGeom>
-          <a:noFill/>
-          <a:ln w="19050">
-            <a:solidFill>
-              <a:srgbClr val="7030A0"/>
-            </a:solidFill>
-          </a:ln>
-          <a:effectLst/>
-        </p:spPr>
-        <p:style>
-          <a:lnRef idx="1">
-            <a:schemeClr val="accent6"/>
-          </a:lnRef>
-          <a:fillRef idx="2">
-            <a:schemeClr val="accent6"/>
-          </a:fillRef>
-          <a:effectRef idx="1">
-            <a:schemeClr val="accent6"/>
-          </a:effectRef>
-          <a:fontRef idx="minor">
-            <a:schemeClr val="dk1"/>
-          </a:fontRef>
-        </p:style>
-        <p:txBody>
-          <a:bodyPr rtlCol="0" anchor="ctr"/>
-          <a:lstStyle/>
-          <a:p>
-            <a:pPr algn="ctr"/>
-            <a:endParaRPr lang="en-US" sz="1050"/>
-          </a:p>
-        </p:txBody>
-      </p:sp>
-      <p:cxnSp>
-        <p:nvCxnSpPr>
-          <p:cNvPr id="64" name="Elbow Connector 63"/>
-          <p:cNvCxnSpPr>
-            <a:cxnSpLocks/>
-            <a:stCxn id="63" idx="3"/>
-            <a:endCxn id="62" idx="1"/>
-          </p:cNvCxnSpPr>
-          <p:nvPr/>
-        </p:nvCxnSpPr>
-        <p:spPr>
-          <a:xfrm>
-            <a:off x="5123014" y="3517465"/>
-            <a:ext cx="159169" cy="3691"/>
-          </a:xfrm>
-          <a:prstGeom prst="bentConnector3">
-            <a:avLst/>
-          </a:prstGeom>
-          <a:ln w="19050">
-            <a:solidFill>
-              <a:srgbClr val="7030A0"/>
-            </a:solidFill>
-            <a:headEnd type="none" w="med" len="med"/>
-            <a:tailEnd type="arrow" w="med" len="med"/>
-          </a:ln>
-          <a:effectLst/>
-        </p:spPr>
-        <p:style>
-          <a:lnRef idx="1">
-            <a:schemeClr val="accent2"/>
-          </a:lnRef>
-          <a:fillRef idx="2">
-            <a:schemeClr val="accent2"/>
-          </a:fillRef>
-          <a:effectRef idx="1">
-            <a:schemeClr val="accent2"/>
-          </a:effectRef>
-          <a:fontRef idx="minor">
-            <a:schemeClr val="dk1"/>
-          </a:fontRef>
-        </p:style>
-      </p:cxnSp>
-      <p:sp>
-        <p:nvSpPr>
-          <p:cNvPr id="76" name="Rectangle 8"/>
-          <p:cNvSpPr/>
-          <p:nvPr/>
-        </p:nvSpPr>
-        <p:spPr>
-          <a:xfrm>
-            <a:off x="6680903" y="3053948"/>
-            <a:ext cx="708186" cy="285783"/>
-          </a:xfrm>
-          <a:prstGeom prst="rect">
-            <a:avLst/>
-          </a:prstGeom>
-          <a:ln w="19050">
-            <a:solidFill>
-              <a:srgbClr val="7030A0"/>
-            </a:solidFill>
-          </a:ln>
-          <a:effectLst/>
-        </p:spPr>
-        <p:style>
-          <a:lnRef idx="1">
-            <a:schemeClr val="accent4"/>
-          </a:lnRef>
-          <a:fillRef idx="2">
-            <a:schemeClr val="accent4"/>
-          </a:fillRef>
-          <a:effectRef idx="1">
-            <a:schemeClr val="accent4"/>
-          </a:effectRef>
-          <a:fontRef idx="minor">
-            <a:schemeClr val="dk1"/>
-          </a:fontRef>
-        </p:style>
-        <p:txBody>
-          <a:bodyPr rtlCol="0" anchor="ctr"/>
-          <a:lstStyle/>
-          <a:p>
-            <a:pPr algn="ctr"/>
-            <a:r>
-              <a:rPr lang="en-US" sz="1050" dirty="0">
-                <a:solidFill>
-                  <a:srgbClr val="7030A0"/>
-                </a:solidFill>
-              </a:rPr>
-              <a:t>Name</a:t>
-            </a:r>
-            <a:endParaRPr lang="en-SG" sz="1050" dirty="0">
+            </a:ln>
+            <a:effectLst/>
+          </p:spPr>
+          <p:style>
+            <a:lnRef idx="1">
+              <a:schemeClr val="accent6"/>
+            </a:lnRef>
+            <a:fillRef idx="2">
+              <a:schemeClr val="accent6"/>
+            </a:fillRef>
+            <a:effectRef idx="1">
+              <a:schemeClr val="accent6"/>
+            </a:effectRef>
+            <a:fontRef idx="minor">
+              <a:schemeClr val="dk1"/>
+            </a:fontRef>
+          </p:style>
+          <p:txBody>
+            <a:bodyPr rtlCol="0" anchor="ctr"/>
+            <a:lstStyle/>
+            <a:p>
+              <a:pPr algn="ctr"/>
+              <a:endParaRPr lang="en-US" sz="1050"/>
+            </a:p>
+          </p:txBody>
+        </p:sp>
+        <p:cxnSp>
+          <p:nvCxnSpPr>
+            <p:cNvPr id="72" name="Elbow Connector 78">
+              <a:extLst>
+                <a:ext uri="{FF2B5EF4-FFF2-40B4-BE49-F238E27FC236}">
+                  <a16:creationId xmlns:a16="http://schemas.microsoft.com/office/drawing/2014/main" id="{D5DFB8C5-B0B0-46C1-967B-4449112ABD6F}"/>
+                </a:ext>
+              </a:extLst>
+            </p:cNvPr>
+            <p:cNvCxnSpPr>
+              <a:cxnSpLocks/>
+              <a:stCxn id="55" idx="3"/>
+              <a:endCxn id="67" idx="2"/>
+            </p:cNvCxnSpPr>
+            <p:nvPr/>
+          </p:nvCxnSpPr>
+          <p:spPr>
+            <a:xfrm rot="16200000" flipV="1">
+              <a:off x="5526404" y="3009488"/>
+              <a:ext cx="227001" cy="217"/>
+            </a:xfrm>
+            <a:prstGeom prst="bentConnector3">
+              <a:avLst>
+                <a:gd name="adj1" fmla="val 50000"/>
+              </a:avLst>
+            </a:prstGeom>
+            <a:ln w="19050">
               <a:solidFill>
                 <a:srgbClr val="7030A0"/>
               </a:solidFill>
-            </a:endParaRPr>
-          </a:p>
-        </p:txBody>
-      </p:sp>
-      <p:sp>
-        <p:nvSpPr>
-          <p:cNvPr id="78" name="Flowchart: Decision 96"/>
-          <p:cNvSpPr/>
-          <p:nvPr/>
-        </p:nvSpPr>
-        <p:spPr>
-          <a:xfrm>
-            <a:off x="6010453" y="3437911"/>
-            <a:ext cx="236048" cy="173380"/>
-          </a:xfrm>
-          <a:prstGeom prst="flowChartDecision">
-            <a:avLst/>
-          </a:prstGeom>
-          <a:solidFill>
-            <a:srgbClr val="7030A0"/>
-          </a:solidFill>
-          <a:ln w="19050">
-            <a:solidFill>
-              <a:srgbClr val="7030A0"/>
-            </a:solidFill>
-          </a:ln>
-          <a:effectLst/>
-        </p:spPr>
-        <p:style>
-          <a:lnRef idx="1">
-            <a:schemeClr val="accent6"/>
-          </a:lnRef>
-          <a:fillRef idx="2">
-            <a:schemeClr val="accent6"/>
-          </a:fillRef>
-          <a:effectRef idx="1">
-            <a:schemeClr val="accent6"/>
-          </a:effectRef>
-          <a:fontRef idx="minor">
-            <a:schemeClr val="dk1"/>
-          </a:fontRef>
-        </p:style>
-        <p:txBody>
-          <a:bodyPr rtlCol="0" anchor="ctr"/>
-          <a:lstStyle/>
-          <a:p>
-            <a:pPr algn="ctr"/>
-            <a:endParaRPr lang="en-US" sz="1050"/>
-          </a:p>
-        </p:txBody>
-      </p:sp>
-      <p:cxnSp>
-        <p:nvCxnSpPr>
-          <p:cNvPr id="79" name="Elbow Connector 78"/>
-          <p:cNvCxnSpPr>
-            <a:cxnSpLocks/>
-          </p:cNvCxnSpPr>
-          <p:nvPr/>
-        </p:nvCxnSpPr>
-        <p:spPr>
-          <a:xfrm flipV="1">
-            <a:off x="6246501" y="3196531"/>
-            <a:ext cx="434402" cy="327761"/>
-          </a:xfrm>
-          <a:prstGeom prst="bentConnector3">
-            <a:avLst/>
-          </a:prstGeom>
-          <a:ln w="19050">
-            <a:solidFill>
-              <a:srgbClr val="7030A0"/>
-            </a:solidFill>
-            <a:headEnd type="none" w="med" len="med"/>
-            <a:tailEnd type="arrow" w="med" len="med"/>
-          </a:ln>
-          <a:effectLst/>
-        </p:spPr>
-        <p:style>
-          <a:lnRef idx="1">
-            <a:schemeClr val="accent2"/>
-          </a:lnRef>
-          <a:fillRef idx="2">
-            <a:schemeClr val="accent2"/>
-          </a:fillRef>
-          <a:effectRef idx="1">
-            <a:schemeClr val="accent2"/>
-          </a:effectRef>
-          <a:fontRef idx="minor">
-            <a:schemeClr val="dk1"/>
-          </a:fontRef>
-        </p:style>
-      </p:cxnSp>
-      <p:sp>
-        <p:nvSpPr>
-          <p:cNvPr id="80" name="Rectangle 8"/>
-          <p:cNvSpPr/>
-          <p:nvPr/>
-        </p:nvSpPr>
-        <p:spPr>
-          <a:xfrm>
-            <a:off x="6680903" y="3376926"/>
-            <a:ext cx="708186" cy="285783"/>
-          </a:xfrm>
-          <a:prstGeom prst="rect">
-            <a:avLst/>
-          </a:prstGeom>
-          <a:ln w="19050">
-            <a:solidFill>
-              <a:srgbClr val="7030A0"/>
-            </a:solidFill>
-          </a:ln>
-          <a:effectLst/>
-        </p:spPr>
-        <p:style>
-          <a:lnRef idx="1">
-            <a:schemeClr val="accent4"/>
-          </a:lnRef>
-          <a:fillRef idx="2">
-            <a:schemeClr val="accent4"/>
-          </a:fillRef>
-          <a:effectRef idx="1">
-            <a:schemeClr val="accent4"/>
-          </a:effectRef>
-          <a:fontRef idx="minor">
-            <a:schemeClr val="dk1"/>
-          </a:fontRef>
-        </p:style>
-        <p:txBody>
-          <a:bodyPr rtlCol="0" anchor="ctr"/>
-          <a:lstStyle/>
-          <a:p>
-            <a:pPr algn="ctr"/>
-            <a:r>
-              <a:rPr lang="en-US" sz="1050" dirty="0">
-                <a:solidFill>
-                  <a:srgbClr val="7030A0"/>
-                </a:solidFill>
-              </a:rPr>
-              <a:t>Phone</a:t>
-            </a:r>
-            <a:endParaRPr lang="en-SG" sz="1050" dirty="0">
-              <a:solidFill>
-                <a:srgbClr val="7030A0"/>
-              </a:solidFill>
-            </a:endParaRPr>
-          </a:p>
-        </p:txBody>
-      </p:sp>
-      <p:cxnSp>
-        <p:nvCxnSpPr>
-          <p:cNvPr id="81" name="Elbow Connector 80"/>
-          <p:cNvCxnSpPr>
-            <a:stCxn id="78" idx="3"/>
-            <a:endCxn id="80" idx="1"/>
-          </p:cNvCxnSpPr>
-          <p:nvPr/>
-        </p:nvCxnSpPr>
-        <p:spPr>
-          <a:xfrm flipV="1">
-            <a:off x="6246501" y="3519818"/>
-            <a:ext cx="434402" cy="4783"/>
-          </a:xfrm>
-          <a:prstGeom prst="bentConnector3">
-            <a:avLst/>
-          </a:prstGeom>
-          <a:ln w="19050">
-            <a:solidFill>
-              <a:srgbClr val="7030A0"/>
-            </a:solidFill>
-            <a:headEnd type="none" w="med" len="med"/>
-            <a:tailEnd type="arrow" w="med" len="med"/>
-          </a:ln>
-          <a:effectLst/>
-        </p:spPr>
-        <p:style>
-          <a:lnRef idx="1">
-            <a:schemeClr val="accent2"/>
-          </a:lnRef>
-          <a:fillRef idx="2">
-            <a:schemeClr val="accent2"/>
-          </a:fillRef>
-          <a:effectRef idx="1">
-            <a:schemeClr val="accent2"/>
-          </a:effectRef>
-          <a:fontRef idx="minor">
-            <a:schemeClr val="dk1"/>
-          </a:fontRef>
-        </p:style>
-      </p:cxnSp>
-      <p:sp>
-        <p:nvSpPr>
-          <p:cNvPr id="83" name="Rectangle 8"/>
-          <p:cNvSpPr/>
-          <p:nvPr/>
-        </p:nvSpPr>
-        <p:spPr>
-          <a:xfrm>
-            <a:off x="6680903" y="3699904"/>
-            <a:ext cx="708186" cy="285783"/>
-          </a:xfrm>
-          <a:prstGeom prst="rect">
-            <a:avLst/>
-          </a:prstGeom>
-          <a:ln w="19050">
-            <a:solidFill>
-              <a:srgbClr val="7030A0"/>
-            </a:solidFill>
-          </a:ln>
-          <a:effectLst/>
-        </p:spPr>
-        <p:style>
-          <a:lnRef idx="1">
-            <a:schemeClr val="accent4"/>
-          </a:lnRef>
-          <a:fillRef idx="2">
-            <a:schemeClr val="accent4"/>
-          </a:fillRef>
-          <a:effectRef idx="1">
-            <a:schemeClr val="accent4"/>
-          </a:effectRef>
-          <a:fontRef idx="minor">
-            <a:schemeClr val="dk1"/>
-          </a:fontRef>
-        </p:style>
-        <p:txBody>
-          <a:bodyPr rtlCol="0" anchor="ctr"/>
-          <a:lstStyle/>
-          <a:p>
-            <a:pPr algn="ctr"/>
-            <a:r>
-              <a:rPr lang="en-US" sz="1050" dirty="0">
-                <a:solidFill>
-                  <a:srgbClr val="7030A0"/>
-                </a:solidFill>
-              </a:rPr>
-              <a:t>Email</a:t>
-            </a:r>
-            <a:endParaRPr lang="en-SG" sz="1050" dirty="0">
-              <a:solidFill>
-                <a:srgbClr val="7030A0"/>
-              </a:solidFill>
-            </a:endParaRPr>
-          </a:p>
-        </p:txBody>
-      </p:sp>
-      <p:cxnSp>
-        <p:nvCxnSpPr>
-          <p:cNvPr id="84" name="Elbow Connector 83"/>
-          <p:cNvCxnSpPr>
-            <a:stCxn id="78" idx="3"/>
-            <a:endCxn id="83" idx="1"/>
-          </p:cNvCxnSpPr>
-          <p:nvPr/>
-        </p:nvCxnSpPr>
-        <p:spPr>
-          <a:xfrm>
-            <a:off x="6246501" y="3524601"/>
-            <a:ext cx="434402" cy="318195"/>
-          </a:xfrm>
-          <a:prstGeom prst="bentConnector3">
-            <a:avLst/>
-          </a:prstGeom>
-          <a:ln w="19050">
-            <a:solidFill>
-              <a:srgbClr val="7030A0"/>
-            </a:solidFill>
-            <a:headEnd type="none" w="med" len="med"/>
-            <a:tailEnd type="arrow" w="med" len="med"/>
-          </a:ln>
-          <a:effectLst/>
-        </p:spPr>
-        <p:style>
-          <a:lnRef idx="1">
-            <a:schemeClr val="accent2"/>
-          </a:lnRef>
-          <a:fillRef idx="2">
-            <a:schemeClr val="accent2"/>
-          </a:fillRef>
-          <a:effectRef idx="1">
-            <a:schemeClr val="accent2"/>
-          </a:effectRef>
-          <a:fontRef idx="minor">
-            <a:schemeClr val="dk1"/>
-          </a:fontRef>
-        </p:style>
-      </p:cxnSp>
-      <p:sp>
-        <p:nvSpPr>
-          <p:cNvPr id="85" name="Rectangle 8"/>
-          <p:cNvSpPr/>
-          <p:nvPr/>
-        </p:nvSpPr>
-        <p:spPr>
-          <a:xfrm>
-            <a:off x="6680903" y="4022881"/>
-            <a:ext cx="708186" cy="285783"/>
-          </a:xfrm>
-          <a:prstGeom prst="rect">
-            <a:avLst/>
-          </a:prstGeom>
-          <a:ln w="19050">
-            <a:solidFill>
-              <a:srgbClr val="7030A0"/>
-            </a:solidFill>
-          </a:ln>
-          <a:effectLst/>
-        </p:spPr>
-        <p:style>
-          <a:lnRef idx="1">
-            <a:schemeClr val="accent4"/>
-          </a:lnRef>
-          <a:fillRef idx="2">
-            <a:schemeClr val="accent4"/>
-          </a:fillRef>
-          <a:effectRef idx="1">
-            <a:schemeClr val="accent4"/>
-          </a:effectRef>
-          <a:fontRef idx="minor">
-            <a:schemeClr val="dk1"/>
-          </a:fontRef>
-        </p:style>
-        <p:txBody>
-          <a:bodyPr rtlCol="0" anchor="ctr"/>
-          <a:lstStyle/>
-          <a:p>
-            <a:pPr algn="ctr"/>
-            <a:r>
-              <a:rPr lang="en-US" sz="1050" dirty="0">
-                <a:solidFill>
-                  <a:srgbClr val="7030A0"/>
-                </a:solidFill>
-              </a:rPr>
-              <a:t>Address</a:t>
-            </a:r>
-            <a:endParaRPr lang="en-SG" sz="1050" dirty="0">
-              <a:solidFill>
-                <a:srgbClr val="7030A0"/>
-              </a:solidFill>
-            </a:endParaRPr>
-          </a:p>
-        </p:txBody>
-      </p:sp>
-      <p:cxnSp>
-        <p:nvCxnSpPr>
-          <p:cNvPr id="86" name="Elbow Connector 85"/>
-          <p:cNvCxnSpPr>
-            <a:cxnSpLocks/>
-            <a:stCxn id="78" idx="3"/>
-            <a:endCxn id="85" idx="1"/>
-          </p:cNvCxnSpPr>
-          <p:nvPr/>
-        </p:nvCxnSpPr>
-        <p:spPr>
-          <a:xfrm>
-            <a:off x="6246501" y="3524601"/>
-            <a:ext cx="434402" cy="641172"/>
-          </a:xfrm>
-          <a:prstGeom prst="bentConnector3">
-            <a:avLst/>
-          </a:prstGeom>
-          <a:ln w="19050">
-            <a:solidFill>
-              <a:srgbClr val="7030A0"/>
-            </a:solidFill>
-            <a:headEnd type="none" w="med" len="med"/>
-            <a:tailEnd type="arrow" w="med" len="med"/>
-          </a:ln>
-          <a:effectLst/>
-        </p:spPr>
-        <p:style>
-          <a:lnRef idx="1">
-            <a:schemeClr val="accent2"/>
-          </a:lnRef>
-          <a:fillRef idx="2">
-            <a:schemeClr val="accent2"/>
-          </a:fillRef>
-          <a:effectRef idx="1">
-            <a:schemeClr val="accent2"/>
-          </a:effectRef>
-          <a:fontRef idx="minor">
-            <a:schemeClr val="dk1"/>
-          </a:fontRef>
-        </p:style>
-      </p:cxnSp>
-      <p:sp>
-        <p:nvSpPr>
-          <p:cNvPr id="54" name="TextBox 53"/>
-          <p:cNvSpPr txBox="1"/>
-          <p:nvPr/>
-        </p:nvSpPr>
-        <p:spPr>
-          <a:xfrm>
-            <a:off x="3293478" y="3548574"/>
-            <a:ext cx="189257" cy="178683"/>
-          </a:xfrm>
-          <a:prstGeom prst="rect">
-            <a:avLst/>
-          </a:prstGeom>
-          <a:noFill/>
-        </p:spPr>
-        <p:txBody>
-          <a:bodyPr wrap="square" lIns="0" tIns="0" rIns="0" bIns="0" rtlCol="0">
-            <a:noAutofit/>
-          </a:bodyPr>
-          <a:lstStyle/>
-          <a:p>
-            <a:pPr algn="ctr"/>
-            <a:r>
-              <a:rPr lang="en-US" sz="1100" dirty="0">
-                <a:solidFill>
-                  <a:srgbClr val="7030A0"/>
-                </a:solidFill>
-              </a:rPr>
-              <a:t>1</a:t>
-            </a:r>
-            <a:endParaRPr lang="en-SG" sz="1100" dirty="0">
-              <a:solidFill>
-                <a:srgbClr val="7030A0"/>
-              </a:solidFill>
-            </a:endParaRPr>
-          </a:p>
-        </p:txBody>
-      </p:sp>
-      <p:sp>
-        <p:nvSpPr>
-          <p:cNvPr id="61" name="TextBox 60"/>
-          <p:cNvSpPr txBox="1"/>
-          <p:nvPr/>
-        </p:nvSpPr>
-        <p:spPr>
-          <a:xfrm>
-            <a:off x="5103762" y="3587627"/>
-            <a:ext cx="189257" cy="178683"/>
-          </a:xfrm>
-          <a:prstGeom prst="rect">
-            <a:avLst/>
-          </a:prstGeom>
-          <a:noFill/>
-        </p:spPr>
-        <p:txBody>
-          <a:bodyPr wrap="square" lIns="0" tIns="0" rIns="0" bIns="0" rtlCol="0">
-            <a:noAutofit/>
-          </a:bodyPr>
-          <a:lstStyle/>
-          <a:p>
-            <a:pPr algn="ctr"/>
-            <a:r>
-              <a:rPr lang="en-US" sz="1100" dirty="0">
-                <a:solidFill>
-                  <a:srgbClr val="7030A0"/>
-                </a:solidFill>
-              </a:rPr>
-              <a:t>*</a:t>
-            </a:r>
-            <a:endParaRPr lang="en-SG" sz="1100" dirty="0">
-              <a:solidFill>
-                <a:srgbClr val="7030A0"/>
-              </a:solidFill>
-            </a:endParaRPr>
-          </a:p>
-        </p:txBody>
-      </p:sp>
-      <p:sp>
-        <p:nvSpPr>
-          <p:cNvPr id="52" name="Rectangle 8">
-            <a:extLst>
-              <a:ext uri="{FF2B5EF4-FFF2-40B4-BE49-F238E27FC236}">
-                <a16:creationId xmlns:a16="http://schemas.microsoft.com/office/drawing/2014/main" id="{ABDCDBD2-131A-4B66-A2F2-43BBEE82C773}"/>
-              </a:ext>
-            </a:extLst>
-          </p:cNvPr>
-          <p:cNvSpPr/>
-          <p:nvPr/>
-        </p:nvSpPr>
-        <p:spPr>
-          <a:xfrm>
-            <a:off x="3724378" y="2696571"/>
-            <a:ext cx="1156969" cy="285783"/>
-          </a:xfrm>
-          <a:prstGeom prst="rect">
-            <a:avLst/>
-          </a:prstGeom>
-          <a:ln w="19050">
-            <a:solidFill>
-              <a:srgbClr val="7030A0"/>
-            </a:solidFill>
-          </a:ln>
-          <a:effectLst/>
-        </p:spPr>
-        <p:style>
-          <a:lnRef idx="1">
-            <a:schemeClr val="accent4"/>
-          </a:lnRef>
-          <a:fillRef idx="2">
-            <a:schemeClr val="accent4"/>
-          </a:fillRef>
-          <a:effectRef idx="1">
-            <a:schemeClr val="accent4"/>
-          </a:effectRef>
-          <a:fontRef idx="minor">
-            <a:schemeClr val="dk1"/>
-          </a:fontRef>
-        </p:style>
-        <p:txBody>
-          <a:bodyPr rtlCol="0" anchor="ctr"/>
-          <a:lstStyle/>
-          <a:p>
-            <a:pPr algn="ctr"/>
-            <a:r>
-              <a:rPr lang="en-US" sz="1050" dirty="0" err="1">
-                <a:solidFill>
-                  <a:srgbClr val="7030A0"/>
-                </a:solidFill>
-              </a:rPr>
-              <a:t>UniqueTagList</a:t>
-            </a:r>
-            <a:endParaRPr lang="en-SG" sz="1050" dirty="0">
-              <a:solidFill>
-                <a:srgbClr val="7030A0"/>
-              </a:solidFill>
-            </a:endParaRPr>
-          </a:p>
-        </p:txBody>
-      </p:sp>
-      <p:cxnSp>
-        <p:nvCxnSpPr>
-          <p:cNvPr id="53" name="Elbow Connector 78">
-            <a:extLst>
-              <a:ext uri="{FF2B5EF4-FFF2-40B4-BE49-F238E27FC236}">
-                <a16:creationId xmlns:a16="http://schemas.microsoft.com/office/drawing/2014/main" id="{B97967F8-618A-448B-81FD-CDFD4AF0EC64}"/>
-              </a:ext>
-            </a:extLst>
-          </p:cNvPr>
-          <p:cNvCxnSpPr>
-            <a:cxnSpLocks/>
-            <a:stCxn id="54" idx="0"/>
-            <a:endCxn id="52" idx="1"/>
-          </p:cNvCxnSpPr>
-          <p:nvPr/>
-        </p:nvCxnSpPr>
-        <p:spPr>
-          <a:xfrm rot="5400000" flipH="1" flipV="1">
-            <a:off x="3201687" y="3025884"/>
-            <a:ext cx="709111" cy="336271"/>
-          </a:xfrm>
-          <a:prstGeom prst="bentConnector2">
-            <a:avLst/>
-          </a:prstGeom>
-          <a:ln w="19050">
-            <a:solidFill>
-              <a:srgbClr val="7030A0"/>
-            </a:solidFill>
-            <a:headEnd type="none" w="med" len="med"/>
-            <a:tailEnd type="arrow" w="med" len="med"/>
-          </a:ln>
-          <a:effectLst/>
-        </p:spPr>
-        <p:style>
-          <a:lnRef idx="1">
-            <a:schemeClr val="accent2"/>
-          </a:lnRef>
-          <a:fillRef idx="2">
-            <a:schemeClr val="accent2"/>
-          </a:fillRef>
-          <a:effectRef idx="1">
-            <a:schemeClr val="accent2"/>
-          </a:effectRef>
-          <a:fontRef idx="minor">
-            <a:schemeClr val="dk1"/>
-          </a:fontRef>
-        </p:style>
-      </p:cxnSp>
-      <p:sp>
-        <p:nvSpPr>
-          <p:cNvPr id="50" name="TextBox 49">
-            <a:extLst>
-              <a:ext uri="{FF2B5EF4-FFF2-40B4-BE49-F238E27FC236}">
-                <a16:creationId xmlns:a16="http://schemas.microsoft.com/office/drawing/2014/main" id="{B3FA9D57-880F-49C4-AD0B-A64E30D6F403}"/>
-              </a:ext>
-            </a:extLst>
-          </p:cNvPr>
-          <p:cNvSpPr txBox="1"/>
-          <p:nvPr/>
-        </p:nvSpPr>
-        <p:spPr>
-          <a:xfrm>
-            <a:off x="5682850" y="2920431"/>
-            <a:ext cx="189257" cy="178683"/>
-          </a:xfrm>
-          <a:prstGeom prst="rect">
-            <a:avLst/>
-          </a:prstGeom>
-          <a:noFill/>
-        </p:spPr>
-        <p:txBody>
-          <a:bodyPr wrap="square" lIns="0" tIns="0" rIns="0" bIns="0" rtlCol="0">
-            <a:noAutofit/>
-          </a:bodyPr>
-          <a:lstStyle/>
-          <a:p>
-            <a:pPr algn="ctr"/>
-            <a:r>
-              <a:rPr lang="en-US" sz="1100" dirty="0">
-                <a:solidFill>
-                  <a:srgbClr val="7030A0"/>
-                </a:solidFill>
-              </a:rPr>
-              <a:t>*</a:t>
-            </a:r>
-            <a:endParaRPr lang="en-SG" sz="1100" dirty="0">
-              <a:solidFill>
-                <a:srgbClr val="7030A0"/>
-              </a:solidFill>
-            </a:endParaRPr>
-          </a:p>
-        </p:txBody>
-      </p:sp>
-      <p:sp>
-        <p:nvSpPr>
-          <p:cNvPr id="55" name="Flowchart: Decision 96">
-            <a:extLst>
-              <a:ext uri="{FF2B5EF4-FFF2-40B4-BE49-F238E27FC236}">
-                <a16:creationId xmlns:a16="http://schemas.microsoft.com/office/drawing/2014/main" id="{B9F96195-942D-4692-91B7-CF34229E7461}"/>
-              </a:ext>
-            </a:extLst>
-          </p:cNvPr>
-          <p:cNvSpPr/>
-          <p:nvPr/>
-        </p:nvSpPr>
-        <p:spPr>
-          <a:xfrm rot="16200000">
-            <a:off x="5521988" y="3154431"/>
-            <a:ext cx="236048" cy="173380"/>
-          </a:xfrm>
-          <a:prstGeom prst="flowChartDecision">
-            <a:avLst/>
-          </a:prstGeom>
-          <a:noFill/>
-          <a:ln w="19050">
-            <a:solidFill>
-              <a:srgbClr val="7030A0"/>
-            </a:solidFill>
-          </a:ln>
-          <a:effectLst/>
-        </p:spPr>
-        <p:style>
-          <a:lnRef idx="1">
-            <a:schemeClr val="accent6"/>
-          </a:lnRef>
-          <a:fillRef idx="2">
-            <a:schemeClr val="accent6"/>
-          </a:fillRef>
-          <a:effectRef idx="1">
-            <a:schemeClr val="accent6"/>
-          </a:effectRef>
-          <a:fontRef idx="minor">
-            <a:schemeClr val="dk1"/>
-          </a:fontRef>
-        </p:style>
-        <p:txBody>
-          <a:bodyPr rtlCol="0" anchor="ctr"/>
-          <a:lstStyle/>
-          <a:p>
-            <a:pPr algn="ctr"/>
-            <a:endParaRPr lang="en-US" sz="1050"/>
-          </a:p>
-        </p:txBody>
-      </p:sp>
-      <p:cxnSp>
-        <p:nvCxnSpPr>
-          <p:cNvPr id="59" name="Elbow Connector 63">
-            <a:extLst>
-              <a:ext uri="{FF2B5EF4-FFF2-40B4-BE49-F238E27FC236}">
-                <a16:creationId xmlns:a16="http://schemas.microsoft.com/office/drawing/2014/main" id="{E2D6A56C-A223-4236-A1F0-7EFEBA2FC940}"/>
-              </a:ext>
-            </a:extLst>
-          </p:cNvPr>
-          <p:cNvCxnSpPr>
-            <a:cxnSpLocks/>
-            <a:endCxn id="67" idx="1"/>
-          </p:cNvCxnSpPr>
-          <p:nvPr/>
-        </p:nvCxnSpPr>
-        <p:spPr>
-          <a:xfrm flipV="1">
-            <a:off x="4852786" y="2722716"/>
-            <a:ext cx="432916" cy="111294"/>
-          </a:xfrm>
-          <a:prstGeom prst="bentConnector3">
-            <a:avLst/>
-          </a:prstGeom>
-          <a:ln w="19050">
-            <a:solidFill>
-              <a:srgbClr val="7030A0"/>
-            </a:solidFill>
-            <a:headEnd type="none" w="med" len="med"/>
-            <a:tailEnd type="arrow" w="med" len="med"/>
-          </a:ln>
-          <a:effectLst/>
-        </p:spPr>
-        <p:style>
-          <a:lnRef idx="1">
-            <a:schemeClr val="accent2"/>
-          </a:lnRef>
-          <a:fillRef idx="2">
-            <a:schemeClr val="accent2"/>
-          </a:fillRef>
-          <a:effectRef idx="1">
-            <a:schemeClr val="accent2"/>
-          </a:effectRef>
-          <a:fontRef idx="minor">
-            <a:schemeClr val="dk1"/>
-          </a:fontRef>
-        </p:style>
-      </p:cxnSp>
-      <p:sp>
-        <p:nvSpPr>
-          <p:cNvPr id="67" name="Rectangle 8">
-            <a:extLst>
-              <a:ext uri="{FF2B5EF4-FFF2-40B4-BE49-F238E27FC236}">
-                <a16:creationId xmlns:a16="http://schemas.microsoft.com/office/drawing/2014/main" id="{36D68104-33BB-4C8F-B764-F3F0B25E592B}"/>
-              </a:ext>
-            </a:extLst>
-          </p:cNvPr>
-          <p:cNvSpPr/>
-          <p:nvPr/>
-        </p:nvSpPr>
-        <p:spPr>
-          <a:xfrm>
-            <a:off x="5285702" y="2549336"/>
-            <a:ext cx="708186" cy="346760"/>
-          </a:xfrm>
-          <a:prstGeom prst="rect">
-            <a:avLst/>
-          </a:prstGeom>
-          <a:ln w="19050">
-            <a:solidFill>
-              <a:srgbClr val="7030A0"/>
-            </a:solidFill>
-          </a:ln>
-          <a:effectLst/>
-        </p:spPr>
-        <p:style>
-          <a:lnRef idx="1">
-            <a:schemeClr val="accent4"/>
-          </a:lnRef>
-          <a:fillRef idx="2">
-            <a:schemeClr val="accent4"/>
-          </a:fillRef>
-          <a:effectRef idx="1">
-            <a:schemeClr val="accent4"/>
-          </a:effectRef>
-          <a:fontRef idx="minor">
-            <a:schemeClr val="dk1"/>
-          </a:fontRef>
-        </p:style>
-        <p:txBody>
-          <a:bodyPr rtlCol="0" anchor="ctr"/>
-          <a:lstStyle/>
-          <a:p>
-            <a:pPr algn="ctr"/>
-            <a:r>
-              <a:rPr lang="en-US" sz="1050" dirty="0">
-                <a:solidFill>
-                  <a:srgbClr val="7030A0"/>
-                </a:solidFill>
-              </a:rPr>
-              <a:t>Tag</a:t>
-            </a:r>
-            <a:endParaRPr lang="en-SG" sz="1050" dirty="0">
-              <a:solidFill>
-                <a:srgbClr val="7030A0"/>
-              </a:solidFill>
-            </a:endParaRPr>
-          </a:p>
-        </p:txBody>
-      </p:sp>
-      <p:sp>
-        <p:nvSpPr>
-          <p:cNvPr id="68" name="TextBox 67">
-            <a:extLst>
-              <a:ext uri="{FF2B5EF4-FFF2-40B4-BE49-F238E27FC236}">
-                <a16:creationId xmlns:a16="http://schemas.microsoft.com/office/drawing/2014/main" id="{18A2ABF0-4DA8-43EE-BACE-A737C4E4CFEC}"/>
-              </a:ext>
-            </a:extLst>
-          </p:cNvPr>
-          <p:cNvSpPr txBox="1"/>
-          <p:nvPr/>
-        </p:nvSpPr>
-        <p:spPr>
-          <a:xfrm>
-            <a:off x="5103762" y="2767724"/>
-            <a:ext cx="189257" cy="178683"/>
-          </a:xfrm>
-          <a:prstGeom prst="rect">
-            <a:avLst/>
-          </a:prstGeom>
-          <a:noFill/>
-        </p:spPr>
-        <p:txBody>
-          <a:bodyPr wrap="square" lIns="0" tIns="0" rIns="0" bIns="0" rtlCol="0">
-            <a:noAutofit/>
-          </a:bodyPr>
-          <a:lstStyle/>
-          <a:p>
-            <a:pPr algn="ctr"/>
-            <a:r>
-              <a:rPr lang="en-US" sz="1100" dirty="0">
-                <a:solidFill>
-                  <a:srgbClr val="7030A0"/>
-                </a:solidFill>
-              </a:rPr>
-              <a:t>*</a:t>
-            </a:r>
-            <a:endParaRPr lang="en-SG" sz="1100" dirty="0">
-              <a:solidFill>
-                <a:srgbClr val="7030A0"/>
-              </a:solidFill>
-            </a:endParaRPr>
-          </a:p>
-        </p:txBody>
-      </p:sp>
-      <p:sp>
-        <p:nvSpPr>
-          <p:cNvPr id="69" name="TextBox 68">
-            <a:extLst>
-              <a:ext uri="{FF2B5EF4-FFF2-40B4-BE49-F238E27FC236}">
-                <a16:creationId xmlns:a16="http://schemas.microsoft.com/office/drawing/2014/main" id="{8CF9406A-39C7-4163-8880-BB65541FC08E}"/>
-              </a:ext>
-            </a:extLst>
-          </p:cNvPr>
-          <p:cNvSpPr txBox="1"/>
-          <p:nvPr/>
-        </p:nvSpPr>
-        <p:spPr>
-          <a:xfrm>
-            <a:off x="3335606" y="2662682"/>
-            <a:ext cx="189257" cy="178683"/>
-          </a:xfrm>
-          <a:prstGeom prst="rect">
-            <a:avLst/>
-          </a:prstGeom>
-          <a:noFill/>
-        </p:spPr>
-        <p:txBody>
-          <a:bodyPr wrap="square" lIns="0" tIns="0" rIns="0" bIns="0" rtlCol="0">
-            <a:noAutofit/>
-          </a:bodyPr>
-          <a:lstStyle/>
-          <a:p>
-            <a:pPr algn="ctr"/>
-            <a:r>
-              <a:rPr lang="en-US" sz="1100" dirty="0">
-                <a:solidFill>
-                  <a:srgbClr val="7030A0"/>
-                </a:solidFill>
-              </a:rPr>
-              <a:t>1</a:t>
-            </a:r>
-            <a:endParaRPr lang="en-SG" sz="1100" dirty="0">
-              <a:solidFill>
-                <a:srgbClr val="7030A0"/>
-              </a:solidFill>
-            </a:endParaRPr>
-          </a:p>
-        </p:txBody>
-      </p:sp>
-      <p:sp>
-        <p:nvSpPr>
-          <p:cNvPr id="71" name="Flowchart: Decision 96">
-            <a:extLst>
-              <a:ext uri="{FF2B5EF4-FFF2-40B4-BE49-F238E27FC236}">
-                <a16:creationId xmlns:a16="http://schemas.microsoft.com/office/drawing/2014/main" id="{233007D4-EEA2-4CA6-ACFE-1517B654224E}"/>
-              </a:ext>
-            </a:extLst>
-          </p:cNvPr>
-          <p:cNvSpPr/>
-          <p:nvPr/>
-        </p:nvSpPr>
-        <p:spPr>
-          <a:xfrm>
-            <a:off x="4879835" y="2751791"/>
-            <a:ext cx="236048" cy="173380"/>
-          </a:xfrm>
-          <a:prstGeom prst="flowChartDecision">
-            <a:avLst/>
-          </a:prstGeom>
-          <a:solidFill>
-            <a:srgbClr val="7030A0"/>
-          </a:solidFill>
-          <a:ln w="19050">
-            <a:solidFill>
-              <a:srgbClr val="7030A0"/>
-            </a:solidFill>
-          </a:ln>
-          <a:effectLst/>
-        </p:spPr>
-        <p:style>
-          <a:lnRef idx="1">
-            <a:schemeClr val="accent6"/>
-          </a:lnRef>
-          <a:fillRef idx="2">
-            <a:schemeClr val="accent6"/>
-          </a:fillRef>
-          <a:effectRef idx="1">
-            <a:schemeClr val="accent6"/>
-          </a:effectRef>
-          <a:fontRef idx="minor">
-            <a:schemeClr val="dk1"/>
-          </a:fontRef>
-        </p:style>
-        <p:txBody>
-          <a:bodyPr rtlCol="0" anchor="ctr"/>
-          <a:lstStyle/>
-          <a:p>
-            <a:pPr algn="ctr"/>
-            <a:endParaRPr lang="en-US" sz="1050"/>
-          </a:p>
-        </p:txBody>
-      </p:sp>
-      <p:cxnSp>
-        <p:nvCxnSpPr>
-          <p:cNvPr id="72" name="Elbow Connector 78">
-            <a:extLst>
-              <a:ext uri="{FF2B5EF4-FFF2-40B4-BE49-F238E27FC236}">
-                <a16:creationId xmlns:a16="http://schemas.microsoft.com/office/drawing/2014/main" id="{D5DFB8C5-B0B0-46C1-967B-4449112ABD6F}"/>
-              </a:ext>
-            </a:extLst>
-          </p:cNvPr>
-          <p:cNvCxnSpPr>
-            <a:cxnSpLocks/>
-            <a:stCxn id="55" idx="3"/>
-            <a:endCxn id="67" idx="2"/>
-          </p:cNvCxnSpPr>
-          <p:nvPr/>
-        </p:nvCxnSpPr>
-        <p:spPr>
-          <a:xfrm rot="16200000" flipV="1">
-            <a:off x="5526404" y="3009488"/>
-            <a:ext cx="227001" cy="217"/>
-          </a:xfrm>
-          <a:prstGeom prst="bentConnector3">
-            <a:avLst>
-              <a:gd name="adj1" fmla="val 50000"/>
-            </a:avLst>
-          </a:prstGeom>
-          <a:ln w="19050">
-            <a:solidFill>
-              <a:srgbClr val="7030A0"/>
-            </a:solidFill>
-            <a:headEnd type="none" w="med" len="med"/>
-            <a:tailEnd type="arrow" w="med" len="med"/>
-          </a:ln>
-          <a:effectLst/>
-        </p:spPr>
-        <p:style>
-          <a:lnRef idx="1">
-            <a:schemeClr val="accent2"/>
-          </a:lnRef>
-          <a:fillRef idx="2">
-            <a:schemeClr val="accent2"/>
-          </a:fillRef>
-          <a:effectRef idx="1">
-            <a:schemeClr val="accent2"/>
-          </a:effectRef>
-          <a:fontRef idx="minor">
-            <a:schemeClr val="dk1"/>
-          </a:fontRef>
-        </p:style>
-      </p:cxnSp>
+              <a:headEnd type="none" w="med" len="med"/>
+              <a:tailEnd type="arrow" w="med" len="med"/>
+            </a:ln>
+            <a:effectLst/>
+          </p:spPr>
+          <p:style>
+            <a:lnRef idx="1">
+              <a:schemeClr val="accent2"/>
+            </a:lnRef>
+            <a:fillRef idx="2">
+              <a:schemeClr val="accent2"/>
+            </a:fillRef>
+            <a:effectRef idx="1">
+              <a:schemeClr val="accent2"/>
+            </a:effectRef>
+            <a:fontRef idx="minor">
+              <a:schemeClr val="dk1"/>
+            </a:fontRef>
+          </p:style>
+        </p:cxnSp>
+      </p:grpSp>
     </p:spTree>
     <p:extLst>
       <p:ext uri="{BB962C8B-B14F-4D97-AF65-F5344CB8AC3E}">
